--- a/CaseStudy2V2.pptx
+++ b/CaseStudy2V2.pptx
@@ -14,6 +14,13 @@
     <p:sldId id="262" r:id="rId8"/>
     <p:sldId id="263" r:id="rId9"/>
     <p:sldId id="264" r:id="rId10"/>
+    <p:sldId id="274" r:id="rId11"/>
+    <p:sldId id="267" r:id="rId12"/>
+    <p:sldId id="268" r:id="rId13"/>
+    <p:sldId id="269" r:id="rId14"/>
+    <p:sldId id="270" r:id="rId15"/>
+    <p:sldId id="271" r:id="rId16"/>
+    <p:sldId id="272" r:id="rId17"/>
   </p:sldIdLst>
   <p:sldSz cx="12192000" cy="6858000"/>
   <p:notesSz cx="6858000" cy="9144000"/>
@@ -293,7 +300,7 @@
           <a:p>
             <a:fld id="{0F5FA717-29BF-462F-AA48-BCEBC543C2CE}" type="datetimeFigureOut">
               <a:rPr lang="en-US" smtClean="0"/>
-              <a:t>4/14/2019</a:t>
+              <a:t>4/15/19</a:t>
             </a:fld>
             <a:endParaRPr lang="en-US"/>
           </a:p>
@@ -491,7 +498,7 @@
           <a:p>
             <a:fld id="{0F5FA717-29BF-462F-AA48-BCEBC543C2CE}" type="datetimeFigureOut">
               <a:rPr lang="en-US" smtClean="0"/>
-              <a:t>4/14/2019</a:t>
+              <a:t>4/15/19</a:t>
             </a:fld>
             <a:endParaRPr lang="en-US"/>
           </a:p>
@@ -699,7 +706,7 @@
           <a:p>
             <a:fld id="{0F5FA717-29BF-462F-AA48-BCEBC543C2CE}" type="datetimeFigureOut">
               <a:rPr lang="en-US" smtClean="0"/>
-              <a:t>4/14/2019</a:t>
+              <a:t>4/15/19</a:t>
             </a:fld>
             <a:endParaRPr lang="en-US"/>
           </a:p>
@@ -897,7 +904,7 @@
           <a:p>
             <a:fld id="{0F5FA717-29BF-462F-AA48-BCEBC543C2CE}" type="datetimeFigureOut">
               <a:rPr lang="en-US" smtClean="0"/>
-              <a:t>4/14/2019</a:t>
+              <a:t>4/15/19</a:t>
             </a:fld>
             <a:endParaRPr lang="en-US"/>
           </a:p>
@@ -1172,7 +1179,7 @@
           <a:p>
             <a:fld id="{0F5FA717-29BF-462F-AA48-BCEBC543C2CE}" type="datetimeFigureOut">
               <a:rPr lang="en-US" smtClean="0"/>
-              <a:t>4/14/2019</a:t>
+              <a:t>4/15/19</a:t>
             </a:fld>
             <a:endParaRPr lang="en-US"/>
           </a:p>
@@ -1437,7 +1444,7 @@
           <a:p>
             <a:fld id="{0F5FA717-29BF-462F-AA48-BCEBC543C2CE}" type="datetimeFigureOut">
               <a:rPr lang="en-US" smtClean="0"/>
-              <a:t>4/14/2019</a:t>
+              <a:t>4/15/19</a:t>
             </a:fld>
             <a:endParaRPr lang="en-US"/>
           </a:p>
@@ -1849,7 +1856,7 @@
           <a:p>
             <a:fld id="{0F5FA717-29BF-462F-AA48-BCEBC543C2CE}" type="datetimeFigureOut">
               <a:rPr lang="en-US" smtClean="0"/>
-              <a:t>4/14/2019</a:t>
+              <a:t>4/15/19</a:t>
             </a:fld>
             <a:endParaRPr lang="en-US"/>
           </a:p>
@@ -1990,7 +1997,7 @@
           <a:p>
             <a:fld id="{0F5FA717-29BF-462F-AA48-BCEBC543C2CE}" type="datetimeFigureOut">
               <a:rPr lang="en-US" smtClean="0"/>
-              <a:t>4/14/2019</a:t>
+              <a:t>4/15/19</a:t>
             </a:fld>
             <a:endParaRPr lang="en-US"/>
           </a:p>
@@ -2103,7 +2110,7 @@
           <a:p>
             <a:fld id="{0F5FA717-29BF-462F-AA48-BCEBC543C2CE}" type="datetimeFigureOut">
               <a:rPr lang="en-US" smtClean="0"/>
-              <a:t>4/14/2019</a:t>
+              <a:t>4/15/19</a:t>
             </a:fld>
             <a:endParaRPr lang="en-US"/>
           </a:p>
@@ -2414,7 +2421,7 @@
           <a:p>
             <a:fld id="{0F5FA717-29BF-462F-AA48-BCEBC543C2CE}" type="datetimeFigureOut">
               <a:rPr lang="en-US" smtClean="0"/>
-              <a:t>4/14/2019</a:t>
+              <a:t>4/15/19</a:t>
             </a:fld>
             <a:endParaRPr lang="en-US"/>
           </a:p>
@@ -2702,7 +2709,7 @@
           <a:p>
             <a:fld id="{0F5FA717-29BF-462F-AA48-BCEBC543C2CE}" type="datetimeFigureOut">
               <a:rPr lang="en-US" smtClean="0"/>
-              <a:t>4/14/2019</a:t>
+              <a:t>4/15/19</a:t>
             </a:fld>
             <a:endParaRPr lang="en-US"/>
           </a:p>
@@ -2943,7 +2950,7 @@
           <a:p>
             <a:fld id="{0F5FA717-29BF-462F-AA48-BCEBC543C2CE}" type="datetimeFigureOut">
               <a:rPr lang="en-US" smtClean="0"/>
-              <a:t>4/14/2019</a:t>
+              <a:t>4/15/19</a:t>
             </a:fld>
             <a:endParaRPr lang="en-US"/>
           </a:p>
@@ -3603,6 +3610,1418 @@
     <p:extLst>
       <p:ext uri="{BB962C8B-B14F-4D97-AF65-F5344CB8AC3E}">
         <p14:creationId xmlns:p14="http://schemas.microsoft.com/office/powerpoint/2010/main" val="1070640502"/>
+      </p:ext>
+    </p:extLst>
+  </p:cSld>
+  <p:clrMapOvr>
+    <a:masterClrMapping/>
+  </p:clrMapOvr>
+</p:sld>
+</file>
+
+<file path=ppt/slides/slide10.xml><?xml version="1.0" encoding="utf-8"?>
+<p:sld xmlns:a="http://schemas.openxmlformats.org/drawingml/2006/main" xmlns:r="http://schemas.openxmlformats.org/officeDocument/2006/relationships" xmlns:p="http://schemas.openxmlformats.org/presentationml/2006/main">
+  <p:cSld>
+    <p:spTree>
+      <p:nvGrpSpPr>
+        <p:cNvPr id="1" name=""/>
+        <p:cNvGrpSpPr/>
+        <p:nvPr/>
+      </p:nvGrpSpPr>
+      <p:grpSpPr>
+        <a:xfrm>
+          <a:off x="0" y="0"/>
+          <a:ext cx="0" cy="0"/>
+          <a:chOff x="0" y="0"/>
+          <a:chExt cx="0" cy="0"/>
+        </a:xfrm>
+      </p:grpSpPr>
+      <p:pic>
+        <p:nvPicPr>
+          <p:cNvPr id="4" name="Picture 3" descr="Related image">
+            <a:extLst>
+              <a:ext uri="{FF2B5EF4-FFF2-40B4-BE49-F238E27FC236}">
+                <a16:creationId xmlns:a16="http://schemas.microsoft.com/office/drawing/2014/main" id="{D500BC2D-2A7D-4DFA-BC58-80D7C10D5255}"/>
+              </a:ext>
+            </a:extLst>
+          </p:cNvPr>
+          <p:cNvPicPr>
+            <a:picLocks noChangeAspect="1" noChangeArrowheads="1"/>
+          </p:cNvPicPr>
+          <p:nvPr/>
+        </p:nvPicPr>
+        <p:blipFill>
+          <a:blip r:embed="rId2">
+            <a:extLst>
+              <a:ext uri="{28A0092B-C50C-407E-A947-70E740481C1C}">
+                <a14:useLocalDpi xmlns:a14="http://schemas.microsoft.com/office/drawing/2010/main" val="0"/>
+              </a:ext>
+            </a:extLst>
+          </a:blip>
+          <a:srcRect/>
+          <a:stretch>
+            <a:fillRect/>
+          </a:stretch>
+        </p:blipFill>
+        <p:spPr bwMode="auto">
+          <a:xfrm>
+            <a:off x="0" y="0"/>
+            <a:ext cx="12192000" cy="6858001"/>
+          </a:xfrm>
+          <a:prstGeom prst="rect">
+            <a:avLst/>
+          </a:prstGeom>
+          <a:noFill/>
+          <a:extLst>
+            <a:ext uri="{909E8E84-426E-40DD-AFC4-6F175D3DCCD1}">
+              <a14:hiddenFill xmlns:a14="http://schemas.microsoft.com/office/drawing/2010/main">
+                <a:solidFill>
+                  <a:srgbClr val="FFFFFF"/>
+                </a:solidFill>
+              </a14:hiddenFill>
+            </a:ext>
+          </a:extLst>
+        </p:spPr>
+      </p:pic>
+      <p:sp>
+        <p:nvSpPr>
+          <p:cNvPr id="2" name="Title 1">
+            <a:extLst>
+              <a:ext uri="{FF2B5EF4-FFF2-40B4-BE49-F238E27FC236}">
+                <a16:creationId xmlns:a16="http://schemas.microsoft.com/office/drawing/2014/main" id="{E553FC02-0877-48B9-9D47-39D33903ECFE}"/>
+              </a:ext>
+            </a:extLst>
+          </p:cNvPr>
+          <p:cNvSpPr>
+            <a:spLocks noGrp="1"/>
+          </p:cNvSpPr>
+          <p:nvPr>
+            <p:ph type="title"/>
+          </p:nvPr>
+        </p:nvSpPr>
+        <p:spPr>
+          <a:solidFill>
+            <a:schemeClr val="tx2">
+              <a:lumMod val="60000"/>
+              <a:lumOff val="40000"/>
+              <a:alpha val="85000"/>
+            </a:schemeClr>
+          </a:solidFill>
+        </p:spPr>
+        <p:txBody>
+          <a:bodyPr/>
+          <a:lstStyle/>
+          <a:p>
+            <a:r>
+              <a:rPr lang="en-US" dirty="0"/>
+              <a:t>Trends – Marriage Status by Job Role</a:t>
+            </a:r>
+          </a:p>
+        </p:txBody>
+      </p:sp>
+      <p:sp>
+        <p:nvSpPr>
+          <p:cNvPr id="3" name="Content Placeholder 2">
+            <a:extLst>
+              <a:ext uri="{FF2B5EF4-FFF2-40B4-BE49-F238E27FC236}">
+                <a16:creationId xmlns:a16="http://schemas.microsoft.com/office/drawing/2014/main" id="{FC4C5705-C88B-4566-9704-8394ED21A6B4}"/>
+              </a:ext>
+            </a:extLst>
+          </p:cNvPr>
+          <p:cNvSpPr>
+            <a:spLocks noGrp="1"/>
+          </p:cNvSpPr>
+          <p:nvPr>
+            <p:ph idx="1"/>
+          </p:nvPr>
+        </p:nvSpPr>
+        <p:spPr>
+          <a:xfrm>
+            <a:off x="838200" y="1825624"/>
+            <a:ext cx="10515600" cy="4667251"/>
+          </a:xfrm>
+          <a:solidFill>
+            <a:schemeClr val="tx2">
+              <a:lumMod val="20000"/>
+              <a:lumOff val="80000"/>
+              <a:alpha val="85000"/>
+            </a:schemeClr>
+          </a:solidFill>
+        </p:spPr>
+        <p:txBody>
+          <a:bodyPr>
+            <a:normAutofit/>
+          </a:bodyPr>
+          <a:lstStyle/>
+          <a:p>
+            <a:pPr marL="457200" lvl="1" indent="0">
+              <a:buNone/>
+            </a:pPr>
+            <a:endParaRPr lang="en-US" dirty="0"/>
+          </a:p>
+          <a:p>
+            <a:pPr lvl="1"/>
+            <a:endParaRPr lang="en-US" dirty="0"/>
+          </a:p>
+          <a:p>
+            <a:pPr lvl="2"/>
+            <a:endParaRPr lang="en-US" dirty="0"/>
+          </a:p>
+          <a:p>
+            <a:pPr lvl="8"/>
+            <a:endParaRPr lang="en-US" dirty="0"/>
+          </a:p>
+          <a:p>
+            <a:pPr lvl="1"/>
+            <a:endParaRPr lang="en-US" dirty="0"/>
+          </a:p>
+          <a:p>
+            <a:pPr lvl="2"/>
+            <a:endParaRPr lang="en-US" dirty="0"/>
+          </a:p>
+          <a:p>
+            <a:pPr lvl="1"/>
+            <a:endParaRPr lang="en-US" dirty="0"/>
+          </a:p>
+        </p:txBody>
+      </p:sp>
+      <p:pic>
+        <p:nvPicPr>
+          <p:cNvPr id="5" name="Content Placeholder 4">
+            <a:extLst>
+              <a:ext uri="{FF2B5EF4-FFF2-40B4-BE49-F238E27FC236}">
+                <a16:creationId xmlns:a16="http://schemas.microsoft.com/office/drawing/2014/main" id="{22FFD754-7F88-7147-A561-BEEB9BFAD4F4}"/>
+              </a:ext>
+            </a:extLst>
+          </p:cNvPr>
+          <p:cNvPicPr>
+            <a:picLocks noChangeAspect="1"/>
+          </p:cNvPicPr>
+          <p:nvPr/>
+        </p:nvPicPr>
+        <p:blipFill>
+          <a:blip r:embed="rId3"/>
+          <a:stretch>
+            <a:fillRect/>
+          </a:stretch>
+        </p:blipFill>
+        <p:spPr>
+          <a:xfrm>
+            <a:off x="838200" y="1825625"/>
+            <a:ext cx="6601512" cy="4667250"/>
+          </a:xfrm>
+          <a:prstGeom prst="rect">
+            <a:avLst/>
+          </a:prstGeom>
+        </p:spPr>
+      </p:pic>
+      <p:sp>
+        <p:nvSpPr>
+          <p:cNvPr id="6" name="TextBox 5">
+            <a:extLst>
+              <a:ext uri="{FF2B5EF4-FFF2-40B4-BE49-F238E27FC236}">
+                <a16:creationId xmlns:a16="http://schemas.microsoft.com/office/drawing/2014/main" id="{9B3D2687-4F39-C44D-90B8-FBA194D65F1F}"/>
+              </a:ext>
+            </a:extLst>
+          </p:cNvPr>
+          <p:cNvSpPr txBox="1"/>
+          <p:nvPr/>
+        </p:nvSpPr>
+        <p:spPr>
+          <a:xfrm>
+            <a:off x="7439712" y="3213750"/>
+            <a:ext cx="3914088" cy="1569660"/>
+          </a:xfrm>
+          <a:prstGeom prst="rect">
+            <a:avLst/>
+          </a:prstGeom>
+          <a:noFill/>
+        </p:spPr>
+        <p:txBody>
+          <a:bodyPr wrap="square" rtlCol="0">
+            <a:spAutoFit/>
+          </a:bodyPr>
+          <a:lstStyle/>
+          <a:p>
+            <a:pPr marL="285750" indent="-285750">
+              <a:buFont typeface="Arial" panose="020B0604020202020204" pitchFamily="34" charset="0"/>
+              <a:buChar char="•"/>
+            </a:pPr>
+            <a:r>
+              <a:rPr lang="en-US" sz="2400" dirty="0"/>
+              <a:t>Sales Execs and Research Scientists roles with highest number of single, married, and divorced employees</a:t>
+            </a:r>
+          </a:p>
+        </p:txBody>
+      </p:sp>
+    </p:spTree>
+    <p:extLst>
+      <p:ext uri="{BB962C8B-B14F-4D97-AF65-F5344CB8AC3E}">
+        <p14:creationId xmlns:p14="http://schemas.microsoft.com/office/powerpoint/2010/main" val="353776547"/>
+      </p:ext>
+    </p:extLst>
+  </p:cSld>
+  <p:clrMapOvr>
+    <a:masterClrMapping/>
+  </p:clrMapOvr>
+</p:sld>
+</file>
+
+<file path=ppt/slides/slide11.xml><?xml version="1.0" encoding="utf-8"?>
+<p:sld xmlns:a="http://schemas.openxmlformats.org/drawingml/2006/main" xmlns:r="http://schemas.openxmlformats.org/officeDocument/2006/relationships" xmlns:p="http://schemas.openxmlformats.org/presentationml/2006/main">
+  <p:cSld>
+    <p:spTree>
+      <p:nvGrpSpPr>
+        <p:cNvPr id="1" name=""/>
+        <p:cNvGrpSpPr/>
+        <p:nvPr/>
+      </p:nvGrpSpPr>
+      <p:grpSpPr>
+        <a:xfrm>
+          <a:off x="0" y="0"/>
+          <a:ext cx="0" cy="0"/>
+          <a:chOff x="0" y="0"/>
+          <a:chExt cx="0" cy="0"/>
+        </a:xfrm>
+      </p:grpSpPr>
+      <p:pic>
+        <p:nvPicPr>
+          <p:cNvPr id="4" name="Picture 3" descr="Related image">
+            <a:extLst>
+              <a:ext uri="{FF2B5EF4-FFF2-40B4-BE49-F238E27FC236}">
+                <a16:creationId xmlns:a16="http://schemas.microsoft.com/office/drawing/2014/main" id="{D500BC2D-2A7D-4DFA-BC58-80D7C10D5255}"/>
+              </a:ext>
+            </a:extLst>
+          </p:cNvPr>
+          <p:cNvPicPr>
+            <a:picLocks noChangeAspect="1" noChangeArrowheads="1"/>
+          </p:cNvPicPr>
+          <p:nvPr/>
+        </p:nvPicPr>
+        <p:blipFill>
+          <a:blip r:embed="rId2">
+            <a:extLst>
+              <a:ext uri="{28A0092B-C50C-407E-A947-70E740481C1C}">
+                <a14:useLocalDpi xmlns:a14="http://schemas.microsoft.com/office/drawing/2010/main" val="0"/>
+              </a:ext>
+            </a:extLst>
+          </a:blip>
+          <a:srcRect/>
+          <a:stretch>
+            <a:fillRect/>
+          </a:stretch>
+        </p:blipFill>
+        <p:spPr bwMode="auto">
+          <a:xfrm>
+            <a:off x="0" y="0"/>
+            <a:ext cx="12192000" cy="6858001"/>
+          </a:xfrm>
+          <a:prstGeom prst="rect">
+            <a:avLst/>
+          </a:prstGeom>
+          <a:noFill/>
+          <a:extLst>
+            <a:ext uri="{909E8E84-426E-40DD-AFC4-6F175D3DCCD1}">
+              <a14:hiddenFill xmlns:a14="http://schemas.microsoft.com/office/drawing/2010/main">
+                <a:solidFill>
+                  <a:srgbClr val="FFFFFF"/>
+                </a:solidFill>
+              </a14:hiddenFill>
+            </a:ext>
+          </a:extLst>
+        </p:spPr>
+      </p:pic>
+      <p:sp>
+        <p:nvSpPr>
+          <p:cNvPr id="2" name="Title 1">
+            <a:extLst>
+              <a:ext uri="{FF2B5EF4-FFF2-40B4-BE49-F238E27FC236}">
+                <a16:creationId xmlns:a16="http://schemas.microsoft.com/office/drawing/2014/main" id="{E553FC02-0877-48B9-9D47-39D33903ECFE}"/>
+              </a:ext>
+            </a:extLst>
+          </p:cNvPr>
+          <p:cNvSpPr>
+            <a:spLocks noGrp="1"/>
+          </p:cNvSpPr>
+          <p:nvPr>
+            <p:ph type="title"/>
+          </p:nvPr>
+        </p:nvSpPr>
+        <p:spPr>
+          <a:xfrm>
+            <a:off x="838200" y="365125"/>
+            <a:ext cx="10515600" cy="1325563"/>
+          </a:xfrm>
+          <a:solidFill>
+            <a:schemeClr val="tx2">
+              <a:lumMod val="60000"/>
+              <a:lumOff val="40000"/>
+              <a:alpha val="85000"/>
+            </a:schemeClr>
+          </a:solidFill>
+        </p:spPr>
+        <p:txBody>
+          <a:bodyPr/>
+          <a:lstStyle/>
+          <a:p>
+            <a:r>
+              <a:rPr lang="en-US" dirty="0"/>
+              <a:t>Trends – Business Travel and Divorce</a:t>
+            </a:r>
+          </a:p>
+        </p:txBody>
+      </p:sp>
+      <p:sp>
+        <p:nvSpPr>
+          <p:cNvPr id="3" name="Content Placeholder 2">
+            <a:extLst>
+              <a:ext uri="{FF2B5EF4-FFF2-40B4-BE49-F238E27FC236}">
+                <a16:creationId xmlns:a16="http://schemas.microsoft.com/office/drawing/2014/main" id="{FC4C5705-C88B-4566-9704-8394ED21A6B4}"/>
+              </a:ext>
+            </a:extLst>
+          </p:cNvPr>
+          <p:cNvSpPr>
+            <a:spLocks noGrp="1"/>
+          </p:cNvSpPr>
+          <p:nvPr>
+            <p:ph idx="1"/>
+          </p:nvPr>
+        </p:nvSpPr>
+        <p:spPr>
+          <a:xfrm>
+            <a:off x="838200" y="1825624"/>
+            <a:ext cx="10515600" cy="4667251"/>
+          </a:xfrm>
+          <a:solidFill>
+            <a:schemeClr val="tx2">
+              <a:lumMod val="20000"/>
+              <a:lumOff val="80000"/>
+              <a:alpha val="85000"/>
+            </a:schemeClr>
+          </a:solidFill>
+        </p:spPr>
+        <p:txBody>
+          <a:bodyPr>
+            <a:normAutofit/>
+          </a:bodyPr>
+          <a:lstStyle/>
+          <a:p>
+            <a:pPr lvl="1"/>
+            <a:r>
+              <a:rPr lang="en-US" dirty="0"/>
+              <a:t>No causal inferences!</a:t>
+            </a:r>
+          </a:p>
+        </p:txBody>
+      </p:sp>
+      <p:pic>
+        <p:nvPicPr>
+          <p:cNvPr id="5" name="Picture 4">
+            <a:extLst>
+              <a:ext uri="{FF2B5EF4-FFF2-40B4-BE49-F238E27FC236}">
+                <a16:creationId xmlns:a16="http://schemas.microsoft.com/office/drawing/2014/main" id="{A95981F2-86BA-954F-835F-7D04E650A932}"/>
+              </a:ext>
+            </a:extLst>
+          </p:cNvPr>
+          <p:cNvPicPr>
+            <a:picLocks noChangeAspect="1"/>
+          </p:cNvPicPr>
+          <p:nvPr/>
+        </p:nvPicPr>
+        <p:blipFill>
+          <a:blip r:embed="rId3"/>
+          <a:stretch>
+            <a:fillRect/>
+          </a:stretch>
+        </p:blipFill>
+        <p:spPr>
+          <a:xfrm>
+            <a:off x="4514850" y="2822307"/>
+            <a:ext cx="3162300" cy="2006600"/>
+          </a:xfrm>
+          <a:prstGeom prst="rect">
+            <a:avLst/>
+          </a:prstGeom>
+        </p:spPr>
+      </p:pic>
+    </p:spTree>
+    <p:extLst>
+      <p:ext uri="{BB962C8B-B14F-4D97-AF65-F5344CB8AC3E}">
+        <p14:creationId xmlns:p14="http://schemas.microsoft.com/office/powerpoint/2010/main" val="2546645810"/>
+      </p:ext>
+    </p:extLst>
+  </p:cSld>
+  <p:clrMapOvr>
+    <a:masterClrMapping/>
+  </p:clrMapOvr>
+</p:sld>
+</file>
+
+<file path=ppt/slides/slide12.xml><?xml version="1.0" encoding="utf-8"?>
+<p:sld xmlns:a="http://schemas.openxmlformats.org/drawingml/2006/main" xmlns:r="http://schemas.openxmlformats.org/officeDocument/2006/relationships" xmlns:p="http://schemas.openxmlformats.org/presentationml/2006/main">
+  <p:cSld>
+    <p:spTree>
+      <p:nvGrpSpPr>
+        <p:cNvPr id="1" name=""/>
+        <p:cNvGrpSpPr/>
+        <p:nvPr/>
+      </p:nvGrpSpPr>
+      <p:grpSpPr>
+        <a:xfrm>
+          <a:off x="0" y="0"/>
+          <a:ext cx="0" cy="0"/>
+          <a:chOff x="0" y="0"/>
+          <a:chExt cx="0" cy="0"/>
+        </a:xfrm>
+      </p:grpSpPr>
+      <p:pic>
+        <p:nvPicPr>
+          <p:cNvPr id="4" name="Picture 3" descr="Related image">
+            <a:extLst>
+              <a:ext uri="{FF2B5EF4-FFF2-40B4-BE49-F238E27FC236}">
+                <a16:creationId xmlns:a16="http://schemas.microsoft.com/office/drawing/2014/main" id="{D500BC2D-2A7D-4DFA-BC58-80D7C10D5255}"/>
+              </a:ext>
+            </a:extLst>
+          </p:cNvPr>
+          <p:cNvPicPr>
+            <a:picLocks noChangeAspect="1" noChangeArrowheads="1"/>
+          </p:cNvPicPr>
+          <p:nvPr/>
+        </p:nvPicPr>
+        <p:blipFill>
+          <a:blip r:embed="rId2">
+            <a:extLst>
+              <a:ext uri="{28A0092B-C50C-407E-A947-70E740481C1C}">
+                <a14:useLocalDpi xmlns:a14="http://schemas.microsoft.com/office/drawing/2010/main" val="0"/>
+              </a:ext>
+            </a:extLst>
+          </a:blip>
+          <a:srcRect/>
+          <a:stretch>
+            <a:fillRect/>
+          </a:stretch>
+        </p:blipFill>
+        <p:spPr bwMode="auto">
+          <a:xfrm>
+            <a:off x="0" y="0"/>
+            <a:ext cx="12192000" cy="6858001"/>
+          </a:xfrm>
+          <a:prstGeom prst="rect">
+            <a:avLst/>
+          </a:prstGeom>
+          <a:noFill/>
+          <a:extLst>
+            <a:ext uri="{909E8E84-426E-40DD-AFC4-6F175D3DCCD1}">
+              <a14:hiddenFill xmlns:a14="http://schemas.microsoft.com/office/drawing/2010/main">
+                <a:solidFill>
+                  <a:srgbClr val="FFFFFF"/>
+                </a:solidFill>
+              </a14:hiddenFill>
+            </a:ext>
+          </a:extLst>
+        </p:spPr>
+      </p:pic>
+      <p:sp>
+        <p:nvSpPr>
+          <p:cNvPr id="2" name="Title 1">
+            <a:extLst>
+              <a:ext uri="{FF2B5EF4-FFF2-40B4-BE49-F238E27FC236}">
+                <a16:creationId xmlns:a16="http://schemas.microsoft.com/office/drawing/2014/main" id="{E553FC02-0877-48B9-9D47-39D33903ECFE}"/>
+              </a:ext>
+            </a:extLst>
+          </p:cNvPr>
+          <p:cNvSpPr>
+            <a:spLocks noGrp="1"/>
+          </p:cNvSpPr>
+          <p:nvPr>
+            <p:ph type="title"/>
+          </p:nvPr>
+        </p:nvSpPr>
+        <p:spPr>
+          <a:xfrm>
+            <a:off x="838200" y="365125"/>
+            <a:ext cx="10515600" cy="1325563"/>
+          </a:xfrm>
+          <a:solidFill>
+            <a:schemeClr val="tx2">
+              <a:lumMod val="60000"/>
+              <a:lumOff val="40000"/>
+              <a:alpha val="85000"/>
+            </a:schemeClr>
+          </a:solidFill>
+        </p:spPr>
+        <p:txBody>
+          <a:bodyPr/>
+          <a:lstStyle/>
+          <a:p>
+            <a:r>
+              <a:rPr lang="en-US" dirty="0"/>
+              <a:t>Trends – Highest Avg. Employment Length</a:t>
+            </a:r>
+          </a:p>
+        </p:txBody>
+      </p:sp>
+      <p:pic>
+        <p:nvPicPr>
+          <p:cNvPr id="5" name="Content Placeholder 4">
+            <a:extLst>
+              <a:ext uri="{FF2B5EF4-FFF2-40B4-BE49-F238E27FC236}">
+                <a16:creationId xmlns:a16="http://schemas.microsoft.com/office/drawing/2014/main" id="{97B6552E-4D42-EC48-ACEE-FBF0F1AB69AF}"/>
+              </a:ext>
+            </a:extLst>
+          </p:cNvPr>
+          <p:cNvPicPr>
+            <a:picLocks noGrp="1" noChangeAspect="1"/>
+          </p:cNvPicPr>
+          <p:nvPr>
+            <p:ph idx="1"/>
+          </p:nvPr>
+        </p:nvPicPr>
+        <p:blipFill>
+          <a:blip r:embed="rId3"/>
+          <a:stretch>
+            <a:fillRect/>
+          </a:stretch>
+        </p:blipFill>
+        <p:spPr>
+          <a:xfrm>
+            <a:off x="3848351" y="1825625"/>
+            <a:ext cx="4495298" cy="4667250"/>
+          </a:xfrm>
+          <a:prstGeom prst="rect">
+            <a:avLst/>
+          </a:prstGeom>
+        </p:spPr>
+      </p:pic>
+    </p:spTree>
+    <p:extLst>
+      <p:ext uri="{BB962C8B-B14F-4D97-AF65-F5344CB8AC3E}">
+        <p14:creationId xmlns:p14="http://schemas.microsoft.com/office/powerpoint/2010/main" val="4239181526"/>
+      </p:ext>
+    </p:extLst>
+  </p:cSld>
+  <p:clrMapOvr>
+    <a:masterClrMapping/>
+  </p:clrMapOvr>
+</p:sld>
+</file>
+
+<file path=ppt/slides/slide13.xml><?xml version="1.0" encoding="utf-8"?>
+<p:sld xmlns:a="http://schemas.openxmlformats.org/drawingml/2006/main" xmlns:r="http://schemas.openxmlformats.org/officeDocument/2006/relationships" xmlns:p="http://schemas.openxmlformats.org/presentationml/2006/main">
+  <p:cSld>
+    <p:spTree>
+      <p:nvGrpSpPr>
+        <p:cNvPr id="1" name=""/>
+        <p:cNvGrpSpPr/>
+        <p:nvPr/>
+      </p:nvGrpSpPr>
+      <p:grpSpPr>
+        <a:xfrm>
+          <a:off x="0" y="0"/>
+          <a:ext cx="0" cy="0"/>
+          <a:chOff x="0" y="0"/>
+          <a:chExt cx="0" cy="0"/>
+        </a:xfrm>
+      </p:grpSpPr>
+      <p:pic>
+        <p:nvPicPr>
+          <p:cNvPr id="4" name="Picture 3" descr="Related image">
+            <a:extLst>
+              <a:ext uri="{FF2B5EF4-FFF2-40B4-BE49-F238E27FC236}">
+                <a16:creationId xmlns:a16="http://schemas.microsoft.com/office/drawing/2014/main" id="{D500BC2D-2A7D-4DFA-BC58-80D7C10D5255}"/>
+              </a:ext>
+            </a:extLst>
+          </p:cNvPr>
+          <p:cNvPicPr>
+            <a:picLocks noChangeAspect="1" noChangeArrowheads="1"/>
+          </p:cNvPicPr>
+          <p:nvPr/>
+        </p:nvPicPr>
+        <p:blipFill>
+          <a:blip r:embed="rId2">
+            <a:extLst>
+              <a:ext uri="{28A0092B-C50C-407E-A947-70E740481C1C}">
+                <a14:useLocalDpi xmlns:a14="http://schemas.microsoft.com/office/drawing/2010/main" val="0"/>
+              </a:ext>
+            </a:extLst>
+          </a:blip>
+          <a:srcRect/>
+          <a:stretch>
+            <a:fillRect/>
+          </a:stretch>
+        </p:blipFill>
+        <p:spPr bwMode="auto">
+          <a:xfrm>
+            <a:off x="0" y="0"/>
+            <a:ext cx="12192000" cy="6858001"/>
+          </a:xfrm>
+          <a:prstGeom prst="rect">
+            <a:avLst/>
+          </a:prstGeom>
+          <a:noFill/>
+          <a:extLst>
+            <a:ext uri="{909E8E84-426E-40DD-AFC4-6F175D3DCCD1}">
+              <a14:hiddenFill xmlns:a14="http://schemas.microsoft.com/office/drawing/2010/main">
+                <a:solidFill>
+                  <a:srgbClr val="FFFFFF"/>
+                </a:solidFill>
+              </a14:hiddenFill>
+            </a:ext>
+          </a:extLst>
+        </p:spPr>
+      </p:pic>
+      <p:sp>
+        <p:nvSpPr>
+          <p:cNvPr id="2" name="Title 1">
+            <a:extLst>
+              <a:ext uri="{FF2B5EF4-FFF2-40B4-BE49-F238E27FC236}">
+                <a16:creationId xmlns:a16="http://schemas.microsoft.com/office/drawing/2014/main" id="{E553FC02-0877-48B9-9D47-39D33903ECFE}"/>
+              </a:ext>
+            </a:extLst>
+          </p:cNvPr>
+          <p:cNvSpPr>
+            <a:spLocks noGrp="1"/>
+          </p:cNvSpPr>
+          <p:nvPr>
+            <p:ph type="title"/>
+          </p:nvPr>
+        </p:nvSpPr>
+        <p:spPr>
+          <a:xfrm>
+            <a:off x="838200" y="365125"/>
+            <a:ext cx="10515600" cy="1325563"/>
+          </a:xfrm>
+          <a:solidFill>
+            <a:schemeClr val="tx2">
+              <a:lumMod val="60000"/>
+              <a:lumOff val="40000"/>
+              <a:alpha val="85000"/>
+            </a:schemeClr>
+          </a:solidFill>
+        </p:spPr>
+        <p:txBody>
+          <a:bodyPr/>
+          <a:lstStyle/>
+          <a:p>
+            <a:r>
+              <a:rPr lang="en-US" dirty="0"/>
+              <a:t>Trends – Commuting Distance and Gender</a:t>
+            </a:r>
+          </a:p>
+        </p:txBody>
+      </p:sp>
+      <p:pic>
+        <p:nvPicPr>
+          <p:cNvPr id="7" name="Content Placeholder 6">
+            <a:extLst>
+              <a:ext uri="{FF2B5EF4-FFF2-40B4-BE49-F238E27FC236}">
+                <a16:creationId xmlns:a16="http://schemas.microsoft.com/office/drawing/2014/main" id="{FF950434-1CD4-8048-9F0E-52D414B79DBA}"/>
+              </a:ext>
+            </a:extLst>
+          </p:cNvPr>
+          <p:cNvPicPr>
+            <a:picLocks noGrp="1" noChangeAspect="1"/>
+          </p:cNvPicPr>
+          <p:nvPr>
+            <p:ph idx="1"/>
+          </p:nvPr>
+        </p:nvPicPr>
+        <p:blipFill>
+          <a:blip r:embed="rId3"/>
+          <a:stretch>
+            <a:fillRect/>
+          </a:stretch>
+        </p:blipFill>
+        <p:spPr>
+          <a:xfrm>
+            <a:off x="2794066" y="1825625"/>
+            <a:ext cx="6603868" cy="4667250"/>
+          </a:xfrm>
+          <a:prstGeom prst="rect">
+            <a:avLst/>
+          </a:prstGeom>
+        </p:spPr>
+      </p:pic>
+    </p:spTree>
+    <p:extLst>
+      <p:ext uri="{BB962C8B-B14F-4D97-AF65-F5344CB8AC3E}">
+        <p14:creationId xmlns:p14="http://schemas.microsoft.com/office/powerpoint/2010/main" val="2365826935"/>
+      </p:ext>
+    </p:extLst>
+  </p:cSld>
+  <p:clrMapOvr>
+    <a:masterClrMapping/>
+  </p:clrMapOvr>
+</p:sld>
+</file>
+
+<file path=ppt/slides/slide14.xml><?xml version="1.0" encoding="utf-8"?>
+<p:sld xmlns:a="http://schemas.openxmlformats.org/drawingml/2006/main" xmlns:r="http://schemas.openxmlformats.org/officeDocument/2006/relationships" xmlns:p="http://schemas.openxmlformats.org/presentationml/2006/main">
+  <p:cSld>
+    <p:spTree>
+      <p:nvGrpSpPr>
+        <p:cNvPr id="1" name=""/>
+        <p:cNvGrpSpPr/>
+        <p:nvPr/>
+      </p:nvGrpSpPr>
+      <p:grpSpPr>
+        <a:xfrm>
+          <a:off x="0" y="0"/>
+          <a:ext cx="0" cy="0"/>
+          <a:chOff x="0" y="0"/>
+          <a:chExt cx="0" cy="0"/>
+        </a:xfrm>
+      </p:grpSpPr>
+      <p:pic>
+        <p:nvPicPr>
+          <p:cNvPr id="4" name="Picture 3" descr="Related image">
+            <a:extLst>
+              <a:ext uri="{FF2B5EF4-FFF2-40B4-BE49-F238E27FC236}">
+                <a16:creationId xmlns:a16="http://schemas.microsoft.com/office/drawing/2014/main" id="{D500BC2D-2A7D-4DFA-BC58-80D7C10D5255}"/>
+              </a:ext>
+            </a:extLst>
+          </p:cNvPr>
+          <p:cNvPicPr>
+            <a:picLocks noChangeAspect="1" noChangeArrowheads="1"/>
+          </p:cNvPicPr>
+          <p:nvPr/>
+        </p:nvPicPr>
+        <p:blipFill>
+          <a:blip r:embed="rId2">
+            <a:extLst>
+              <a:ext uri="{28A0092B-C50C-407E-A947-70E740481C1C}">
+                <a14:useLocalDpi xmlns:a14="http://schemas.microsoft.com/office/drawing/2010/main" val="0"/>
+              </a:ext>
+            </a:extLst>
+          </a:blip>
+          <a:srcRect/>
+          <a:stretch>
+            <a:fillRect/>
+          </a:stretch>
+        </p:blipFill>
+        <p:spPr bwMode="auto">
+          <a:xfrm>
+            <a:off x="0" y="0"/>
+            <a:ext cx="12192000" cy="6858001"/>
+          </a:xfrm>
+          <a:prstGeom prst="rect">
+            <a:avLst/>
+          </a:prstGeom>
+          <a:noFill/>
+          <a:extLst>
+            <a:ext uri="{909E8E84-426E-40DD-AFC4-6F175D3DCCD1}">
+              <a14:hiddenFill xmlns:a14="http://schemas.microsoft.com/office/drawing/2010/main">
+                <a:solidFill>
+                  <a:srgbClr val="FFFFFF"/>
+                </a:solidFill>
+              </a14:hiddenFill>
+            </a:ext>
+          </a:extLst>
+        </p:spPr>
+      </p:pic>
+      <p:sp>
+        <p:nvSpPr>
+          <p:cNvPr id="2" name="Title 1">
+            <a:extLst>
+              <a:ext uri="{FF2B5EF4-FFF2-40B4-BE49-F238E27FC236}">
+                <a16:creationId xmlns:a16="http://schemas.microsoft.com/office/drawing/2014/main" id="{E553FC02-0877-48B9-9D47-39D33903ECFE}"/>
+              </a:ext>
+            </a:extLst>
+          </p:cNvPr>
+          <p:cNvSpPr>
+            <a:spLocks noGrp="1"/>
+          </p:cNvSpPr>
+          <p:nvPr>
+            <p:ph type="title"/>
+          </p:nvPr>
+        </p:nvSpPr>
+        <p:spPr>
+          <a:xfrm>
+            <a:off x="838200" y="365125"/>
+            <a:ext cx="10515600" cy="1325563"/>
+          </a:xfrm>
+          <a:solidFill>
+            <a:schemeClr val="tx2">
+              <a:lumMod val="60000"/>
+              <a:lumOff val="40000"/>
+              <a:alpha val="85000"/>
+            </a:schemeClr>
+          </a:solidFill>
+        </p:spPr>
+        <p:txBody>
+          <a:bodyPr/>
+          <a:lstStyle/>
+          <a:p>
+            <a:r>
+              <a:rPr lang="en-US" dirty="0"/>
+              <a:t>Trends – Business Travel</a:t>
+            </a:r>
+          </a:p>
+        </p:txBody>
+      </p:sp>
+      <p:pic>
+        <p:nvPicPr>
+          <p:cNvPr id="5" name="Content Placeholder 4">
+            <a:extLst>
+              <a:ext uri="{FF2B5EF4-FFF2-40B4-BE49-F238E27FC236}">
+                <a16:creationId xmlns:a16="http://schemas.microsoft.com/office/drawing/2014/main" id="{37822EE8-8523-544C-9814-5E74A88752B8}"/>
+              </a:ext>
+            </a:extLst>
+          </p:cNvPr>
+          <p:cNvPicPr>
+            <a:picLocks noGrp="1" noChangeAspect="1"/>
+          </p:cNvPicPr>
+          <p:nvPr>
+            <p:ph idx="1"/>
+          </p:nvPr>
+        </p:nvPicPr>
+        <p:blipFill>
+          <a:blip r:embed="rId3"/>
+          <a:stretch>
+            <a:fillRect/>
+          </a:stretch>
+        </p:blipFill>
+        <p:spPr>
+          <a:xfrm>
+            <a:off x="838200" y="1788941"/>
+            <a:ext cx="7088000" cy="4970806"/>
+          </a:xfrm>
+          <a:prstGeom prst="rect">
+            <a:avLst/>
+          </a:prstGeom>
+        </p:spPr>
+      </p:pic>
+      <p:sp>
+        <p:nvSpPr>
+          <p:cNvPr id="6" name="TextBox 5">
+            <a:extLst>
+              <a:ext uri="{FF2B5EF4-FFF2-40B4-BE49-F238E27FC236}">
+                <a16:creationId xmlns:a16="http://schemas.microsoft.com/office/drawing/2014/main" id="{A1BAFB36-52F3-DE44-B693-1B46530D6C01}"/>
+              </a:ext>
+            </a:extLst>
+          </p:cNvPr>
+          <p:cNvSpPr txBox="1"/>
+          <p:nvPr/>
+        </p:nvSpPr>
+        <p:spPr>
+          <a:xfrm>
+            <a:off x="8059538" y="3160062"/>
+            <a:ext cx="3999123" cy="3416320"/>
+          </a:xfrm>
+          <a:prstGeom prst="rect">
+            <a:avLst/>
+          </a:prstGeom>
+          <a:noFill/>
+        </p:spPr>
+        <p:txBody>
+          <a:bodyPr wrap="square" rtlCol="0">
+            <a:spAutoFit/>
+          </a:bodyPr>
+          <a:lstStyle/>
+          <a:p>
+            <a:pPr marL="285750" indent="-285750">
+              <a:buFont typeface="Arial" panose="020B0604020202020204" pitchFamily="34" charset="0"/>
+              <a:buChar char="•"/>
+            </a:pPr>
+            <a:r>
+              <a:rPr lang="en-US" sz="2400" dirty="0">
+                <a:solidFill>
+                  <a:schemeClr val="bg1"/>
+                </a:solidFill>
+              </a:rPr>
+              <a:t>Scientists present at and attend research symposiums and conferences</a:t>
+            </a:r>
+          </a:p>
+          <a:p>
+            <a:endParaRPr lang="en-US" sz="2400" dirty="0">
+              <a:solidFill>
+                <a:schemeClr val="bg1"/>
+              </a:solidFill>
+            </a:endParaRPr>
+          </a:p>
+          <a:p>
+            <a:pPr marL="285750" indent="-285750">
+              <a:buFont typeface="Arial" panose="020B0604020202020204" pitchFamily="34" charset="0"/>
+              <a:buChar char="•"/>
+            </a:pPr>
+            <a:r>
+              <a:rPr lang="en-US" sz="2400" dirty="0">
+                <a:solidFill>
+                  <a:schemeClr val="bg1"/>
+                </a:solidFill>
+              </a:rPr>
+              <a:t>Uncertain why Lab technicians travel so often (travel to many different labs?)</a:t>
+            </a:r>
+          </a:p>
+        </p:txBody>
+      </p:sp>
+    </p:spTree>
+    <p:extLst>
+      <p:ext uri="{BB962C8B-B14F-4D97-AF65-F5344CB8AC3E}">
+        <p14:creationId xmlns:p14="http://schemas.microsoft.com/office/powerpoint/2010/main" val="2319913119"/>
+      </p:ext>
+    </p:extLst>
+  </p:cSld>
+  <p:clrMapOvr>
+    <a:masterClrMapping/>
+  </p:clrMapOvr>
+</p:sld>
+</file>
+
+<file path=ppt/slides/slide15.xml><?xml version="1.0" encoding="utf-8"?>
+<p:sld xmlns:a="http://schemas.openxmlformats.org/drawingml/2006/main" xmlns:r="http://schemas.openxmlformats.org/officeDocument/2006/relationships" xmlns:p="http://schemas.openxmlformats.org/presentationml/2006/main">
+  <p:cSld>
+    <p:spTree>
+      <p:nvGrpSpPr>
+        <p:cNvPr id="1" name=""/>
+        <p:cNvGrpSpPr/>
+        <p:nvPr/>
+      </p:nvGrpSpPr>
+      <p:grpSpPr>
+        <a:xfrm>
+          <a:off x="0" y="0"/>
+          <a:ext cx="0" cy="0"/>
+          <a:chOff x="0" y="0"/>
+          <a:chExt cx="0" cy="0"/>
+        </a:xfrm>
+      </p:grpSpPr>
+      <p:pic>
+        <p:nvPicPr>
+          <p:cNvPr id="4" name="Picture 3" descr="Related image">
+            <a:extLst>
+              <a:ext uri="{FF2B5EF4-FFF2-40B4-BE49-F238E27FC236}">
+                <a16:creationId xmlns:a16="http://schemas.microsoft.com/office/drawing/2014/main" id="{D500BC2D-2A7D-4DFA-BC58-80D7C10D5255}"/>
+              </a:ext>
+            </a:extLst>
+          </p:cNvPr>
+          <p:cNvPicPr>
+            <a:picLocks noChangeAspect="1" noChangeArrowheads="1"/>
+          </p:cNvPicPr>
+          <p:nvPr/>
+        </p:nvPicPr>
+        <p:blipFill>
+          <a:blip r:embed="rId2">
+            <a:extLst>
+              <a:ext uri="{28A0092B-C50C-407E-A947-70E740481C1C}">
+                <a14:useLocalDpi xmlns:a14="http://schemas.microsoft.com/office/drawing/2010/main" val="0"/>
+              </a:ext>
+            </a:extLst>
+          </a:blip>
+          <a:srcRect/>
+          <a:stretch>
+            <a:fillRect/>
+          </a:stretch>
+        </p:blipFill>
+        <p:spPr bwMode="auto">
+          <a:xfrm>
+            <a:off x="0" y="0"/>
+            <a:ext cx="12192000" cy="6858001"/>
+          </a:xfrm>
+          <a:prstGeom prst="rect">
+            <a:avLst/>
+          </a:prstGeom>
+          <a:noFill/>
+          <a:extLst>
+            <a:ext uri="{909E8E84-426E-40DD-AFC4-6F175D3DCCD1}">
+              <a14:hiddenFill xmlns:a14="http://schemas.microsoft.com/office/drawing/2010/main">
+                <a:solidFill>
+                  <a:srgbClr val="FFFFFF"/>
+                </a:solidFill>
+              </a14:hiddenFill>
+            </a:ext>
+          </a:extLst>
+        </p:spPr>
+      </p:pic>
+      <p:sp>
+        <p:nvSpPr>
+          <p:cNvPr id="2" name="Title 1">
+            <a:extLst>
+              <a:ext uri="{FF2B5EF4-FFF2-40B4-BE49-F238E27FC236}">
+                <a16:creationId xmlns:a16="http://schemas.microsoft.com/office/drawing/2014/main" id="{E553FC02-0877-48B9-9D47-39D33903ECFE}"/>
+              </a:ext>
+            </a:extLst>
+          </p:cNvPr>
+          <p:cNvSpPr>
+            <a:spLocks noGrp="1"/>
+          </p:cNvSpPr>
+          <p:nvPr>
+            <p:ph type="title"/>
+          </p:nvPr>
+        </p:nvSpPr>
+        <p:spPr>
+          <a:xfrm>
+            <a:off x="838200" y="365125"/>
+            <a:ext cx="10515600" cy="1325563"/>
+          </a:xfrm>
+          <a:solidFill>
+            <a:schemeClr val="tx2">
+              <a:lumMod val="60000"/>
+              <a:lumOff val="40000"/>
+              <a:alpha val="85000"/>
+            </a:schemeClr>
+          </a:solidFill>
+        </p:spPr>
+        <p:txBody>
+          <a:bodyPr/>
+          <a:lstStyle/>
+          <a:p>
+            <a:r>
+              <a:rPr lang="en-US" dirty="0"/>
+              <a:t>Trends – Job Roles and Income</a:t>
+            </a:r>
+          </a:p>
+        </p:txBody>
+      </p:sp>
+      <p:pic>
+        <p:nvPicPr>
+          <p:cNvPr id="5" name="Content Placeholder 4">
+            <a:extLst>
+              <a:ext uri="{FF2B5EF4-FFF2-40B4-BE49-F238E27FC236}">
+                <a16:creationId xmlns:a16="http://schemas.microsoft.com/office/drawing/2014/main" id="{2969F960-739F-E546-98B2-46FE9B4E99A7}"/>
+              </a:ext>
+            </a:extLst>
+          </p:cNvPr>
+          <p:cNvPicPr>
+            <a:picLocks noGrp="1" noChangeAspect="1"/>
+          </p:cNvPicPr>
+          <p:nvPr>
+            <p:ph idx="1"/>
+          </p:nvPr>
+        </p:nvPicPr>
+        <p:blipFill>
+          <a:blip r:embed="rId3"/>
+          <a:stretch>
+            <a:fillRect/>
+          </a:stretch>
+        </p:blipFill>
+        <p:spPr>
+          <a:xfrm>
+            <a:off x="838200" y="1758157"/>
+            <a:ext cx="7223554" cy="5032375"/>
+          </a:xfrm>
+          <a:prstGeom prst="rect">
+            <a:avLst/>
+          </a:prstGeom>
+        </p:spPr>
+      </p:pic>
+      <p:sp>
+        <p:nvSpPr>
+          <p:cNvPr id="6" name="TextBox 5">
+            <a:extLst>
+              <a:ext uri="{FF2B5EF4-FFF2-40B4-BE49-F238E27FC236}">
+                <a16:creationId xmlns:a16="http://schemas.microsoft.com/office/drawing/2014/main" id="{D400C332-3E00-C44C-BF86-F6542F844A8E}"/>
+              </a:ext>
+            </a:extLst>
+          </p:cNvPr>
+          <p:cNvSpPr txBox="1"/>
+          <p:nvPr/>
+        </p:nvSpPr>
+        <p:spPr>
+          <a:xfrm>
+            <a:off x="8215450" y="2209849"/>
+            <a:ext cx="3822853" cy="3785652"/>
+          </a:xfrm>
+          <a:prstGeom prst="rect">
+            <a:avLst/>
+          </a:prstGeom>
+          <a:solidFill>
+            <a:schemeClr val="tx2"/>
+          </a:solidFill>
+        </p:spPr>
+        <p:txBody>
+          <a:bodyPr wrap="square" rtlCol="0">
+            <a:spAutoFit/>
+          </a:bodyPr>
+          <a:lstStyle/>
+          <a:p>
+            <a:pPr marL="285750" indent="-285750">
+              <a:buFont typeface="Arial" panose="020B0604020202020204" pitchFamily="34" charset="0"/>
+              <a:buChar char="•"/>
+            </a:pPr>
+            <a:r>
+              <a:rPr lang="en-US" sz="2400" dirty="0">
+                <a:solidFill>
+                  <a:schemeClr val="bg1"/>
+                </a:solidFill>
+              </a:rPr>
+              <a:t>Sales Execs make less than Research Directors!</a:t>
+            </a:r>
+          </a:p>
+          <a:p>
+            <a:pPr marL="285750" indent="-285750">
+              <a:buFont typeface="Arial" panose="020B0604020202020204" pitchFamily="34" charset="0"/>
+              <a:buChar char="•"/>
+            </a:pPr>
+            <a:endParaRPr lang="en-US" sz="2400" dirty="0">
+              <a:solidFill>
+                <a:schemeClr val="bg1"/>
+              </a:solidFill>
+            </a:endParaRPr>
+          </a:p>
+          <a:p>
+            <a:pPr marL="285750" indent="-285750">
+              <a:buFont typeface="Arial" panose="020B0604020202020204" pitchFamily="34" charset="0"/>
+              <a:buChar char="•"/>
+            </a:pPr>
+            <a:r>
+              <a:rPr lang="en-US" sz="2400" dirty="0">
+                <a:solidFill>
+                  <a:schemeClr val="bg1"/>
+                </a:solidFill>
+              </a:rPr>
+              <a:t>Sales Execs and Manufacturing Directors have same right skew</a:t>
+            </a:r>
+          </a:p>
+          <a:p>
+            <a:pPr marL="285750" indent="-285750">
+              <a:buFont typeface="Arial" panose="020B0604020202020204" pitchFamily="34" charset="0"/>
+              <a:buChar char="•"/>
+            </a:pPr>
+            <a:endParaRPr lang="en-US" sz="2400" dirty="0">
+              <a:solidFill>
+                <a:schemeClr val="bg1"/>
+              </a:solidFill>
+            </a:endParaRPr>
+          </a:p>
+          <a:p>
+            <a:pPr marL="285750" indent="-285750">
+              <a:buFont typeface="Arial" panose="020B0604020202020204" pitchFamily="34" charset="0"/>
+              <a:buChar char="•"/>
+            </a:pPr>
+            <a:r>
+              <a:rPr lang="en-US" sz="2400" dirty="0">
+                <a:solidFill>
+                  <a:schemeClr val="bg1"/>
+                </a:solidFill>
+              </a:rPr>
+              <a:t>Research Directors and Managers have the same left skew </a:t>
+            </a:r>
+          </a:p>
+        </p:txBody>
+      </p:sp>
+    </p:spTree>
+    <p:extLst>
+      <p:ext uri="{BB962C8B-B14F-4D97-AF65-F5344CB8AC3E}">
+        <p14:creationId xmlns:p14="http://schemas.microsoft.com/office/powerpoint/2010/main" val="2586013558"/>
+      </p:ext>
+    </p:extLst>
+  </p:cSld>
+  <p:clrMapOvr>
+    <a:masterClrMapping/>
+  </p:clrMapOvr>
+</p:sld>
+</file>
+
+<file path=ppt/slides/slide16.xml><?xml version="1.0" encoding="utf-8"?>
+<p:sld xmlns:a="http://schemas.openxmlformats.org/drawingml/2006/main" xmlns:r="http://schemas.openxmlformats.org/officeDocument/2006/relationships" xmlns:p="http://schemas.openxmlformats.org/presentationml/2006/main">
+  <p:cSld>
+    <p:spTree>
+      <p:nvGrpSpPr>
+        <p:cNvPr id="1" name=""/>
+        <p:cNvGrpSpPr/>
+        <p:nvPr/>
+      </p:nvGrpSpPr>
+      <p:grpSpPr>
+        <a:xfrm>
+          <a:off x="0" y="0"/>
+          <a:ext cx="0" cy="0"/>
+          <a:chOff x="0" y="0"/>
+          <a:chExt cx="0" cy="0"/>
+        </a:xfrm>
+      </p:grpSpPr>
+      <p:pic>
+        <p:nvPicPr>
+          <p:cNvPr id="4" name="Picture 3" descr="Related image">
+            <a:extLst>
+              <a:ext uri="{FF2B5EF4-FFF2-40B4-BE49-F238E27FC236}">
+                <a16:creationId xmlns:a16="http://schemas.microsoft.com/office/drawing/2014/main" id="{D500BC2D-2A7D-4DFA-BC58-80D7C10D5255}"/>
+              </a:ext>
+            </a:extLst>
+          </p:cNvPr>
+          <p:cNvPicPr>
+            <a:picLocks noChangeAspect="1" noChangeArrowheads="1"/>
+          </p:cNvPicPr>
+          <p:nvPr/>
+        </p:nvPicPr>
+        <p:blipFill>
+          <a:blip r:embed="rId2">
+            <a:extLst>
+              <a:ext uri="{28A0092B-C50C-407E-A947-70E740481C1C}">
+                <a14:useLocalDpi xmlns:a14="http://schemas.microsoft.com/office/drawing/2010/main" val="0"/>
+              </a:ext>
+            </a:extLst>
+          </a:blip>
+          <a:srcRect/>
+          <a:stretch>
+            <a:fillRect/>
+          </a:stretch>
+        </p:blipFill>
+        <p:spPr bwMode="auto">
+          <a:xfrm>
+            <a:off x="0" y="0"/>
+            <a:ext cx="12192000" cy="6858001"/>
+          </a:xfrm>
+          <a:prstGeom prst="rect">
+            <a:avLst/>
+          </a:prstGeom>
+          <a:noFill/>
+          <a:extLst>
+            <a:ext uri="{909E8E84-426E-40DD-AFC4-6F175D3DCCD1}">
+              <a14:hiddenFill xmlns:a14="http://schemas.microsoft.com/office/drawing/2010/main">
+                <a:solidFill>
+                  <a:srgbClr val="FFFFFF"/>
+                </a:solidFill>
+              </a14:hiddenFill>
+            </a:ext>
+          </a:extLst>
+        </p:spPr>
+      </p:pic>
+      <p:sp>
+        <p:nvSpPr>
+          <p:cNvPr id="2" name="Title 1">
+            <a:extLst>
+              <a:ext uri="{FF2B5EF4-FFF2-40B4-BE49-F238E27FC236}">
+                <a16:creationId xmlns:a16="http://schemas.microsoft.com/office/drawing/2014/main" id="{E553FC02-0877-48B9-9D47-39D33903ECFE}"/>
+              </a:ext>
+            </a:extLst>
+          </p:cNvPr>
+          <p:cNvSpPr>
+            <a:spLocks noGrp="1"/>
+          </p:cNvSpPr>
+          <p:nvPr>
+            <p:ph type="title"/>
+          </p:nvPr>
+        </p:nvSpPr>
+        <p:spPr>
+          <a:xfrm>
+            <a:off x="838200" y="365125"/>
+            <a:ext cx="10515600" cy="1325563"/>
+          </a:xfrm>
+          <a:solidFill>
+            <a:schemeClr val="tx2">
+              <a:lumMod val="60000"/>
+              <a:lumOff val="40000"/>
+              <a:alpha val="85000"/>
+            </a:schemeClr>
+          </a:solidFill>
+        </p:spPr>
+        <p:txBody>
+          <a:bodyPr/>
+          <a:lstStyle/>
+          <a:p>
+            <a:r>
+              <a:rPr lang="en-US" dirty="0"/>
+              <a:t>Trends – Attrition and Job Involvement</a:t>
+            </a:r>
+          </a:p>
+        </p:txBody>
+      </p:sp>
+      <p:pic>
+        <p:nvPicPr>
+          <p:cNvPr id="5" name="Content Placeholder 4">
+            <a:extLst>
+              <a:ext uri="{FF2B5EF4-FFF2-40B4-BE49-F238E27FC236}">
+                <a16:creationId xmlns:a16="http://schemas.microsoft.com/office/drawing/2014/main" id="{7ED75BCC-7BF6-F840-A2E8-70B7EBFB4930}"/>
+              </a:ext>
+            </a:extLst>
+          </p:cNvPr>
+          <p:cNvPicPr>
+            <a:picLocks noGrp="1" noChangeAspect="1"/>
+          </p:cNvPicPr>
+          <p:nvPr>
+            <p:ph idx="1"/>
+          </p:nvPr>
+        </p:nvPicPr>
+        <p:blipFill>
+          <a:blip r:embed="rId3"/>
+          <a:stretch>
+            <a:fillRect/>
+          </a:stretch>
+        </p:blipFill>
+        <p:spPr>
+          <a:xfrm>
+            <a:off x="838200" y="1737510"/>
+            <a:ext cx="7117957" cy="5032375"/>
+          </a:xfrm>
+          <a:prstGeom prst="rect">
+            <a:avLst/>
+          </a:prstGeom>
+        </p:spPr>
+      </p:pic>
+      <p:sp>
+        <p:nvSpPr>
+          <p:cNvPr id="6" name="TextBox 5">
+            <a:extLst>
+              <a:ext uri="{FF2B5EF4-FFF2-40B4-BE49-F238E27FC236}">
+                <a16:creationId xmlns:a16="http://schemas.microsoft.com/office/drawing/2014/main" id="{2EB5BCE3-21F3-AE44-BB64-34FF7363CB34}"/>
+              </a:ext>
+            </a:extLst>
+          </p:cNvPr>
+          <p:cNvSpPr txBox="1"/>
+          <p:nvPr/>
+        </p:nvSpPr>
+        <p:spPr>
+          <a:xfrm>
+            <a:off x="8168160" y="3099535"/>
+            <a:ext cx="3811836" cy="2308324"/>
+          </a:xfrm>
+          <a:prstGeom prst="rect">
+            <a:avLst/>
+          </a:prstGeom>
+          <a:solidFill>
+            <a:schemeClr val="tx2"/>
+          </a:solidFill>
+        </p:spPr>
+        <p:txBody>
+          <a:bodyPr wrap="square" rtlCol="0">
+            <a:spAutoFit/>
+          </a:bodyPr>
+          <a:lstStyle/>
+          <a:p>
+            <a:pPr marL="285750" indent="-285750">
+              <a:buFont typeface="Arial" panose="020B0604020202020204" pitchFamily="34" charset="0"/>
+              <a:buChar char="•"/>
+            </a:pPr>
+            <a:r>
+              <a:rPr lang="en-US" sz="2400" dirty="0">
+                <a:solidFill>
+                  <a:schemeClr val="bg1"/>
+                </a:solidFill>
+              </a:rPr>
+              <a:t>Most who quit are moderately engaged (2-3)</a:t>
+            </a:r>
+          </a:p>
+          <a:p>
+            <a:pPr marL="285750" indent="-285750">
+              <a:buFont typeface="Arial" panose="020B0604020202020204" pitchFamily="34" charset="0"/>
+              <a:buChar char="•"/>
+            </a:pPr>
+            <a:endParaRPr lang="en-US" sz="2400" dirty="0">
+              <a:solidFill>
+                <a:schemeClr val="bg1"/>
+              </a:solidFill>
+            </a:endParaRPr>
+          </a:p>
+          <a:p>
+            <a:pPr marL="285750" indent="-285750">
+              <a:buFont typeface="Arial" panose="020B0604020202020204" pitchFamily="34" charset="0"/>
+              <a:buChar char="•"/>
+            </a:pPr>
+            <a:r>
+              <a:rPr lang="en-US" sz="2400" dirty="0">
+                <a:solidFill>
+                  <a:schemeClr val="bg1"/>
+                </a:solidFill>
+              </a:rPr>
+              <a:t>Those heavily engaged (4) can’t really afford quitting (without repercussion)</a:t>
+            </a:r>
+          </a:p>
+        </p:txBody>
+      </p:sp>
+    </p:spTree>
+    <p:extLst>
+      <p:ext uri="{BB962C8B-B14F-4D97-AF65-F5344CB8AC3E}">
+        <p14:creationId xmlns:p14="http://schemas.microsoft.com/office/powerpoint/2010/main" val="3923413461"/>
       </p:ext>
     </p:extLst>
   </p:cSld>

--- a/CaseStudy2V2.pptx
+++ b/CaseStudy2V2.pptx
@@ -10,17 +10,17 @@
     <p:sldId id="258" r:id="rId4"/>
     <p:sldId id="259" r:id="rId5"/>
     <p:sldId id="260" r:id="rId6"/>
-    <p:sldId id="261" r:id="rId7"/>
-    <p:sldId id="262" r:id="rId8"/>
-    <p:sldId id="263" r:id="rId9"/>
-    <p:sldId id="264" r:id="rId10"/>
-    <p:sldId id="274" r:id="rId11"/>
-    <p:sldId id="267" r:id="rId12"/>
-    <p:sldId id="268" r:id="rId13"/>
-    <p:sldId id="269" r:id="rId14"/>
-    <p:sldId id="270" r:id="rId15"/>
-    <p:sldId id="271" r:id="rId16"/>
-    <p:sldId id="272" r:id="rId17"/>
+    <p:sldId id="274" r:id="rId7"/>
+    <p:sldId id="267" r:id="rId8"/>
+    <p:sldId id="268" r:id="rId9"/>
+    <p:sldId id="269" r:id="rId10"/>
+    <p:sldId id="270" r:id="rId11"/>
+    <p:sldId id="271" r:id="rId12"/>
+    <p:sldId id="272" r:id="rId13"/>
+    <p:sldId id="261" r:id="rId14"/>
+    <p:sldId id="262" r:id="rId15"/>
+    <p:sldId id="263" r:id="rId16"/>
+    <p:sldId id="264" r:id="rId17"/>
   </p:sldIdLst>
   <p:sldSz cx="12192000" cy="6858000"/>
   <p:notesSz cx="6858000" cy="9144000"/>
@@ -300,7 +300,7 @@
           <a:p>
             <a:fld id="{0F5FA717-29BF-462F-AA48-BCEBC543C2CE}" type="datetimeFigureOut">
               <a:rPr lang="en-US" smtClean="0"/>
-              <a:t>4/15/19</a:t>
+              <a:t>4/15/2019</a:t>
             </a:fld>
             <a:endParaRPr lang="en-US"/>
           </a:p>
@@ -498,7 +498,7 @@
           <a:p>
             <a:fld id="{0F5FA717-29BF-462F-AA48-BCEBC543C2CE}" type="datetimeFigureOut">
               <a:rPr lang="en-US" smtClean="0"/>
-              <a:t>4/15/19</a:t>
+              <a:t>4/15/2019</a:t>
             </a:fld>
             <a:endParaRPr lang="en-US"/>
           </a:p>
@@ -706,7 +706,7 @@
           <a:p>
             <a:fld id="{0F5FA717-29BF-462F-AA48-BCEBC543C2CE}" type="datetimeFigureOut">
               <a:rPr lang="en-US" smtClean="0"/>
-              <a:t>4/15/19</a:t>
+              <a:t>4/15/2019</a:t>
             </a:fld>
             <a:endParaRPr lang="en-US"/>
           </a:p>
@@ -904,7 +904,7 @@
           <a:p>
             <a:fld id="{0F5FA717-29BF-462F-AA48-BCEBC543C2CE}" type="datetimeFigureOut">
               <a:rPr lang="en-US" smtClean="0"/>
-              <a:t>4/15/19</a:t>
+              <a:t>4/15/2019</a:t>
             </a:fld>
             <a:endParaRPr lang="en-US"/>
           </a:p>
@@ -1179,7 +1179,7 @@
           <a:p>
             <a:fld id="{0F5FA717-29BF-462F-AA48-BCEBC543C2CE}" type="datetimeFigureOut">
               <a:rPr lang="en-US" smtClean="0"/>
-              <a:t>4/15/19</a:t>
+              <a:t>4/15/2019</a:t>
             </a:fld>
             <a:endParaRPr lang="en-US"/>
           </a:p>
@@ -1444,7 +1444,7 @@
           <a:p>
             <a:fld id="{0F5FA717-29BF-462F-AA48-BCEBC543C2CE}" type="datetimeFigureOut">
               <a:rPr lang="en-US" smtClean="0"/>
-              <a:t>4/15/19</a:t>
+              <a:t>4/15/2019</a:t>
             </a:fld>
             <a:endParaRPr lang="en-US"/>
           </a:p>
@@ -1856,7 +1856,7 @@
           <a:p>
             <a:fld id="{0F5FA717-29BF-462F-AA48-BCEBC543C2CE}" type="datetimeFigureOut">
               <a:rPr lang="en-US" smtClean="0"/>
-              <a:t>4/15/19</a:t>
+              <a:t>4/15/2019</a:t>
             </a:fld>
             <a:endParaRPr lang="en-US"/>
           </a:p>
@@ -1997,7 +1997,7 @@
           <a:p>
             <a:fld id="{0F5FA717-29BF-462F-AA48-BCEBC543C2CE}" type="datetimeFigureOut">
               <a:rPr lang="en-US" smtClean="0"/>
-              <a:t>4/15/19</a:t>
+              <a:t>4/15/2019</a:t>
             </a:fld>
             <a:endParaRPr lang="en-US"/>
           </a:p>
@@ -2110,7 +2110,7 @@
           <a:p>
             <a:fld id="{0F5FA717-29BF-462F-AA48-BCEBC543C2CE}" type="datetimeFigureOut">
               <a:rPr lang="en-US" smtClean="0"/>
-              <a:t>4/15/19</a:t>
+              <a:t>4/15/2019</a:t>
             </a:fld>
             <a:endParaRPr lang="en-US"/>
           </a:p>
@@ -2421,7 +2421,7 @@
           <a:p>
             <a:fld id="{0F5FA717-29BF-462F-AA48-BCEBC543C2CE}" type="datetimeFigureOut">
               <a:rPr lang="en-US" smtClean="0"/>
-              <a:t>4/15/19</a:t>
+              <a:t>4/15/2019</a:t>
             </a:fld>
             <a:endParaRPr lang="en-US"/>
           </a:p>
@@ -2709,7 +2709,7 @@
           <a:p>
             <a:fld id="{0F5FA717-29BF-462F-AA48-BCEBC543C2CE}" type="datetimeFigureOut">
               <a:rPr lang="en-US" smtClean="0"/>
-              <a:t>4/15/19</a:t>
+              <a:t>4/15/2019</a:t>
             </a:fld>
             <a:endParaRPr lang="en-US"/>
           </a:p>
@@ -2950,7 +2950,7 @@
           <a:p>
             <a:fld id="{0F5FA717-29BF-462F-AA48-BCEBC543C2CE}" type="datetimeFigureOut">
               <a:rPr lang="en-US" smtClean="0"/>
-              <a:t>4/15/19</a:t>
+              <a:t>4/15/2019</a:t>
             </a:fld>
             <a:endParaRPr lang="en-US"/>
           </a:p>
@@ -3700,6 +3700,10 @@
           </p:nvPr>
         </p:nvSpPr>
         <p:spPr>
+          <a:xfrm>
+            <a:off x="838200" y="365125"/>
+            <a:ext cx="10515600" cy="1325563"/>
+          </a:xfrm>
           <a:solidFill>
             <a:schemeClr val="tx2">
               <a:lumMod val="60000"/>
@@ -3714,74 +3718,8 @@
           <a:p>
             <a:r>
               <a:rPr lang="en-US" dirty="0"/>
-              <a:t>Trends – Marriage Status by Job Role</a:t>
-            </a:r>
-          </a:p>
-        </p:txBody>
-      </p:sp>
-      <p:sp>
-        <p:nvSpPr>
-          <p:cNvPr id="3" name="Content Placeholder 2">
-            <a:extLst>
-              <a:ext uri="{FF2B5EF4-FFF2-40B4-BE49-F238E27FC236}">
-                <a16:creationId xmlns:a16="http://schemas.microsoft.com/office/drawing/2014/main" id="{FC4C5705-C88B-4566-9704-8394ED21A6B4}"/>
-              </a:ext>
-            </a:extLst>
-          </p:cNvPr>
-          <p:cNvSpPr>
-            <a:spLocks noGrp="1"/>
-          </p:cNvSpPr>
-          <p:nvPr>
-            <p:ph idx="1"/>
-          </p:nvPr>
-        </p:nvSpPr>
-        <p:spPr>
-          <a:xfrm>
-            <a:off x="838200" y="1825624"/>
-            <a:ext cx="10515600" cy="4667251"/>
-          </a:xfrm>
-          <a:solidFill>
-            <a:schemeClr val="tx2">
-              <a:lumMod val="20000"/>
-              <a:lumOff val="80000"/>
-              <a:alpha val="85000"/>
-            </a:schemeClr>
-          </a:solidFill>
-        </p:spPr>
-        <p:txBody>
-          <a:bodyPr>
-            <a:normAutofit/>
-          </a:bodyPr>
-          <a:lstStyle/>
-          <a:p>
-            <a:pPr marL="457200" lvl="1" indent="0">
-              <a:buNone/>
-            </a:pPr>
-            <a:endParaRPr lang="en-US" dirty="0"/>
-          </a:p>
-          <a:p>
-            <a:pPr lvl="1"/>
-            <a:endParaRPr lang="en-US" dirty="0"/>
-          </a:p>
-          <a:p>
-            <a:pPr lvl="2"/>
-            <a:endParaRPr lang="en-US" dirty="0"/>
-          </a:p>
-          <a:p>
-            <a:pPr lvl="8"/>
-            <a:endParaRPr lang="en-US" dirty="0"/>
-          </a:p>
-          <a:p>
-            <a:pPr lvl="1"/>
-            <a:endParaRPr lang="en-US" dirty="0"/>
-          </a:p>
-          <a:p>
-            <a:pPr lvl="2"/>
-            <a:endParaRPr lang="en-US" dirty="0"/>
-          </a:p>
-          <a:p>
-            <a:pPr lvl="1"/>
-            <a:endParaRPr lang="en-US" dirty="0"/>
+              <a:t>Trends – Business Travel</a:t>
+            </a:r>
           </a:p>
         </p:txBody>
       </p:sp>
@@ -3790,14 +3728,16 @@
           <p:cNvPr id="5" name="Content Placeholder 4">
             <a:extLst>
               <a:ext uri="{FF2B5EF4-FFF2-40B4-BE49-F238E27FC236}">
-                <a16:creationId xmlns:a16="http://schemas.microsoft.com/office/drawing/2014/main" id="{22FFD754-7F88-7147-A561-BEEB9BFAD4F4}"/>
+                <a16:creationId xmlns:a16="http://schemas.microsoft.com/office/drawing/2014/main" id="{37822EE8-8523-544C-9814-5E74A88752B8}"/>
               </a:ext>
             </a:extLst>
           </p:cNvPr>
           <p:cNvPicPr>
-            <a:picLocks noChangeAspect="1"/>
+            <a:picLocks noGrp="1" noChangeAspect="1"/>
           </p:cNvPicPr>
-          <p:nvPr/>
+          <p:nvPr>
+            <p:ph idx="1"/>
+          </p:nvPr>
         </p:nvPicPr>
         <p:blipFill>
           <a:blip r:embed="rId3"/>
@@ -3807,8 +3747,8 @@
         </p:blipFill>
         <p:spPr>
           <a:xfrm>
-            <a:off x="838200" y="1825625"/>
-            <a:ext cx="6601512" cy="4667250"/>
+            <a:off x="838200" y="1788941"/>
+            <a:ext cx="7088000" cy="4970806"/>
           </a:xfrm>
           <a:prstGeom prst="rect">
             <a:avLst/>
@@ -3820,7 +3760,7 @@
           <p:cNvPr id="6" name="TextBox 5">
             <a:extLst>
               <a:ext uri="{FF2B5EF4-FFF2-40B4-BE49-F238E27FC236}">
-                <a16:creationId xmlns:a16="http://schemas.microsoft.com/office/drawing/2014/main" id="{9B3D2687-4F39-C44D-90B8-FBA194D65F1F}"/>
+                <a16:creationId xmlns:a16="http://schemas.microsoft.com/office/drawing/2014/main" id="{A1BAFB36-52F3-DE44-B693-1B46530D6C01}"/>
               </a:ext>
             </a:extLst>
           </p:cNvPr>
@@ -3829,8 +3769,8 @@
         </p:nvSpPr>
         <p:spPr>
           <a:xfrm>
-            <a:off x="7439712" y="3213750"/>
-            <a:ext cx="3914088" cy="1569660"/>
+            <a:off x="8059538" y="3160062"/>
+            <a:ext cx="3999123" cy="3416320"/>
           </a:xfrm>
           <a:prstGeom prst="rect">
             <a:avLst/>
@@ -3848,8 +3788,33 @@
               <a:buChar char="•"/>
             </a:pPr>
             <a:r>
-              <a:rPr lang="en-US" sz="2400" dirty="0"/>
-              <a:t>Sales Execs and Research Scientists roles with highest number of single, married, and divorced employees</a:t>
+              <a:rPr lang="en-US" sz="2400" dirty="0">
+                <a:solidFill>
+                  <a:schemeClr val="bg1"/>
+                </a:solidFill>
+              </a:rPr>
+              <a:t>Scientists present at and attend research symposiums and conferences</a:t>
+            </a:r>
+          </a:p>
+          <a:p>
+            <a:endParaRPr lang="en-US" sz="2400" dirty="0">
+              <a:solidFill>
+                <a:schemeClr val="bg1"/>
+              </a:solidFill>
+            </a:endParaRPr>
+          </a:p>
+          <a:p>
+            <a:pPr marL="285750" indent="-285750">
+              <a:buFont typeface="Arial" panose="020B0604020202020204" pitchFamily="34" charset="0"/>
+              <a:buChar char="•"/>
+            </a:pPr>
+            <a:r>
+              <a:rPr lang="en-US" sz="2400" dirty="0">
+                <a:solidFill>
+                  <a:schemeClr val="bg1"/>
+                </a:solidFill>
+              </a:rPr>
+              <a:t>Uncertain why Lab technicians travel so often (travel to many different labs?)</a:t>
             </a:r>
           </a:p>
         </p:txBody>
@@ -3857,7 +3822,7 @@
     </p:spTree>
     <p:extLst>
       <p:ext uri="{BB962C8B-B14F-4D97-AF65-F5344CB8AC3E}">
-        <p14:creationId xmlns:p14="http://schemas.microsoft.com/office/powerpoint/2010/main" val="353776547"/>
+        <p14:creationId xmlns:p14="http://schemas.microsoft.com/office/powerpoint/2010/main" val="2319913119"/>
       </p:ext>
     </p:extLst>
   </p:cSld>
@@ -3966,67 +3931,26 @@
           <a:p>
             <a:r>
               <a:rPr lang="en-US" dirty="0"/>
-              <a:t>Trends – Business Travel and Divorce</a:t>
-            </a:r>
-          </a:p>
-        </p:txBody>
-      </p:sp>
-      <p:sp>
-        <p:nvSpPr>
-          <p:cNvPr id="3" name="Content Placeholder 2">
-            <a:extLst>
-              <a:ext uri="{FF2B5EF4-FFF2-40B4-BE49-F238E27FC236}">
-                <a16:creationId xmlns:a16="http://schemas.microsoft.com/office/drawing/2014/main" id="{FC4C5705-C88B-4566-9704-8394ED21A6B4}"/>
-              </a:ext>
-            </a:extLst>
-          </p:cNvPr>
-          <p:cNvSpPr>
-            <a:spLocks noGrp="1"/>
-          </p:cNvSpPr>
-          <p:nvPr>
-            <p:ph idx="1"/>
-          </p:nvPr>
-        </p:nvSpPr>
-        <p:spPr>
-          <a:xfrm>
-            <a:off x="838200" y="1825624"/>
-            <a:ext cx="10515600" cy="4667251"/>
-          </a:xfrm>
-          <a:solidFill>
-            <a:schemeClr val="tx2">
-              <a:lumMod val="20000"/>
-              <a:lumOff val="80000"/>
-              <a:alpha val="85000"/>
-            </a:schemeClr>
-          </a:solidFill>
-        </p:spPr>
-        <p:txBody>
-          <a:bodyPr>
-            <a:normAutofit/>
-          </a:bodyPr>
-          <a:lstStyle/>
-          <a:p>
-            <a:pPr lvl="1"/>
-            <a:r>
-              <a:rPr lang="en-US" dirty="0"/>
-              <a:t>No causal inferences!</a:t>
+              <a:t>Trends – Job Roles and Income</a:t>
             </a:r>
           </a:p>
         </p:txBody>
       </p:sp>
       <p:pic>
         <p:nvPicPr>
-          <p:cNvPr id="5" name="Picture 4">
-            <a:extLst>
-              <a:ext uri="{FF2B5EF4-FFF2-40B4-BE49-F238E27FC236}">
-                <a16:creationId xmlns:a16="http://schemas.microsoft.com/office/drawing/2014/main" id="{A95981F2-86BA-954F-835F-7D04E650A932}"/>
+          <p:cNvPr id="5" name="Content Placeholder 4">
+            <a:extLst>
+              <a:ext uri="{FF2B5EF4-FFF2-40B4-BE49-F238E27FC236}">
+                <a16:creationId xmlns:a16="http://schemas.microsoft.com/office/drawing/2014/main" id="{2969F960-739F-E546-98B2-46FE9B4E99A7}"/>
               </a:ext>
             </a:extLst>
           </p:cNvPr>
           <p:cNvPicPr>
-            <a:picLocks noChangeAspect="1"/>
+            <a:picLocks noGrp="1" noChangeAspect="1"/>
           </p:cNvPicPr>
-          <p:nvPr/>
+          <p:nvPr>
+            <p:ph idx="1"/>
+          </p:nvPr>
         </p:nvPicPr>
         <p:blipFill>
           <a:blip r:embed="rId3"/>
@@ -4036,18 +3960,113 @@
         </p:blipFill>
         <p:spPr>
           <a:xfrm>
-            <a:off x="4514850" y="2822307"/>
-            <a:ext cx="3162300" cy="2006600"/>
+            <a:off x="838200" y="1758157"/>
+            <a:ext cx="7223554" cy="5032375"/>
           </a:xfrm>
           <a:prstGeom prst="rect">
             <a:avLst/>
           </a:prstGeom>
         </p:spPr>
       </p:pic>
+      <p:sp>
+        <p:nvSpPr>
+          <p:cNvPr id="6" name="TextBox 5">
+            <a:extLst>
+              <a:ext uri="{FF2B5EF4-FFF2-40B4-BE49-F238E27FC236}">
+                <a16:creationId xmlns:a16="http://schemas.microsoft.com/office/drawing/2014/main" id="{D400C332-3E00-C44C-BF86-F6542F844A8E}"/>
+              </a:ext>
+            </a:extLst>
+          </p:cNvPr>
+          <p:cNvSpPr txBox="1"/>
+          <p:nvPr/>
+        </p:nvSpPr>
+        <p:spPr>
+          <a:xfrm>
+            <a:off x="8215450" y="2209849"/>
+            <a:ext cx="3822853" cy="3785652"/>
+          </a:xfrm>
+          <a:prstGeom prst="rect">
+            <a:avLst/>
+          </a:prstGeom>
+          <a:solidFill>
+            <a:schemeClr val="tx2"/>
+          </a:solidFill>
+        </p:spPr>
+        <p:txBody>
+          <a:bodyPr wrap="square" rtlCol="0">
+            <a:spAutoFit/>
+          </a:bodyPr>
+          <a:lstStyle/>
+          <a:p>
+            <a:pPr marL="285750" indent="-285750">
+              <a:buFont typeface="Arial" panose="020B0604020202020204" pitchFamily="34" charset="0"/>
+              <a:buChar char="•"/>
+            </a:pPr>
+            <a:r>
+              <a:rPr lang="en-US" sz="2400" dirty="0">
+                <a:solidFill>
+                  <a:schemeClr val="bg1"/>
+                </a:solidFill>
+              </a:rPr>
+              <a:t>Sales Execs make less than Research Directors!</a:t>
+            </a:r>
+          </a:p>
+          <a:p>
+            <a:pPr marL="285750" indent="-285750">
+              <a:buFont typeface="Arial" panose="020B0604020202020204" pitchFamily="34" charset="0"/>
+              <a:buChar char="•"/>
+            </a:pPr>
+            <a:endParaRPr lang="en-US" sz="2400" dirty="0">
+              <a:solidFill>
+                <a:schemeClr val="bg1"/>
+              </a:solidFill>
+            </a:endParaRPr>
+          </a:p>
+          <a:p>
+            <a:pPr marL="285750" indent="-285750">
+              <a:buFont typeface="Arial" panose="020B0604020202020204" pitchFamily="34" charset="0"/>
+              <a:buChar char="•"/>
+            </a:pPr>
+            <a:r>
+              <a:rPr lang="en-US" sz="2400" dirty="0">
+                <a:solidFill>
+                  <a:schemeClr val="bg1"/>
+                </a:solidFill>
+              </a:rPr>
+              <a:t>Sales Execs and Manufacturing Directors have same right skew</a:t>
+            </a:r>
+          </a:p>
+          <a:p>
+            <a:pPr marL="285750" indent="-285750">
+              <a:buFont typeface="Arial" panose="020B0604020202020204" pitchFamily="34" charset="0"/>
+              <a:buChar char="•"/>
+            </a:pPr>
+            <a:endParaRPr lang="en-US" sz="2400" dirty="0">
+              <a:solidFill>
+                <a:schemeClr val="bg1"/>
+              </a:solidFill>
+            </a:endParaRPr>
+          </a:p>
+          <a:p>
+            <a:pPr marL="285750" indent="-285750">
+              <a:buFont typeface="Arial" panose="020B0604020202020204" pitchFamily="34" charset="0"/>
+              <a:buChar char="•"/>
+            </a:pPr>
+            <a:r>
+              <a:rPr lang="en-US" sz="2400" dirty="0">
+                <a:solidFill>
+                  <a:schemeClr val="bg1"/>
+                </a:solidFill>
+              </a:rPr>
+              <a:t>Research Directors and Managers have the same left skew </a:t>
+            </a:r>
+          </a:p>
+        </p:txBody>
+      </p:sp>
     </p:spTree>
     <p:extLst>
       <p:ext uri="{BB962C8B-B14F-4D97-AF65-F5344CB8AC3E}">
-        <p14:creationId xmlns:p14="http://schemas.microsoft.com/office/powerpoint/2010/main" val="2546645810"/>
+        <p14:creationId xmlns:p14="http://schemas.microsoft.com/office/powerpoint/2010/main" val="2586013558"/>
       </p:ext>
     </p:extLst>
   </p:cSld>
@@ -4156,761 +4175,6 @@
           <a:p>
             <a:r>
               <a:rPr lang="en-US" dirty="0"/>
-              <a:t>Trends – Highest Avg. Employment Length</a:t>
-            </a:r>
-          </a:p>
-        </p:txBody>
-      </p:sp>
-      <p:pic>
-        <p:nvPicPr>
-          <p:cNvPr id="5" name="Content Placeholder 4">
-            <a:extLst>
-              <a:ext uri="{FF2B5EF4-FFF2-40B4-BE49-F238E27FC236}">
-                <a16:creationId xmlns:a16="http://schemas.microsoft.com/office/drawing/2014/main" id="{97B6552E-4D42-EC48-ACEE-FBF0F1AB69AF}"/>
-              </a:ext>
-            </a:extLst>
-          </p:cNvPr>
-          <p:cNvPicPr>
-            <a:picLocks noGrp="1" noChangeAspect="1"/>
-          </p:cNvPicPr>
-          <p:nvPr>
-            <p:ph idx="1"/>
-          </p:nvPr>
-        </p:nvPicPr>
-        <p:blipFill>
-          <a:blip r:embed="rId3"/>
-          <a:stretch>
-            <a:fillRect/>
-          </a:stretch>
-        </p:blipFill>
-        <p:spPr>
-          <a:xfrm>
-            <a:off x="3848351" y="1825625"/>
-            <a:ext cx="4495298" cy="4667250"/>
-          </a:xfrm>
-          <a:prstGeom prst="rect">
-            <a:avLst/>
-          </a:prstGeom>
-        </p:spPr>
-      </p:pic>
-    </p:spTree>
-    <p:extLst>
-      <p:ext uri="{BB962C8B-B14F-4D97-AF65-F5344CB8AC3E}">
-        <p14:creationId xmlns:p14="http://schemas.microsoft.com/office/powerpoint/2010/main" val="4239181526"/>
-      </p:ext>
-    </p:extLst>
-  </p:cSld>
-  <p:clrMapOvr>
-    <a:masterClrMapping/>
-  </p:clrMapOvr>
-</p:sld>
-</file>
-
-<file path=ppt/slides/slide13.xml><?xml version="1.0" encoding="utf-8"?>
-<p:sld xmlns:a="http://schemas.openxmlformats.org/drawingml/2006/main" xmlns:r="http://schemas.openxmlformats.org/officeDocument/2006/relationships" xmlns:p="http://schemas.openxmlformats.org/presentationml/2006/main">
-  <p:cSld>
-    <p:spTree>
-      <p:nvGrpSpPr>
-        <p:cNvPr id="1" name=""/>
-        <p:cNvGrpSpPr/>
-        <p:nvPr/>
-      </p:nvGrpSpPr>
-      <p:grpSpPr>
-        <a:xfrm>
-          <a:off x="0" y="0"/>
-          <a:ext cx="0" cy="0"/>
-          <a:chOff x="0" y="0"/>
-          <a:chExt cx="0" cy="0"/>
-        </a:xfrm>
-      </p:grpSpPr>
-      <p:pic>
-        <p:nvPicPr>
-          <p:cNvPr id="4" name="Picture 3" descr="Related image">
-            <a:extLst>
-              <a:ext uri="{FF2B5EF4-FFF2-40B4-BE49-F238E27FC236}">
-                <a16:creationId xmlns:a16="http://schemas.microsoft.com/office/drawing/2014/main" id="{D500BC2D-2A7D-4DFA-BC58-80D7C10D5255}"/>
-              </a:ext>
-            </a:extLst>
-          </p:cNvPr>
-          <p:cNvPicPr>
-            <a:picLocks noChangeAspect="1" noChangeArrowheads="1"/>
-          </p:cNvPicPr>
-          <p:nvPr/>
-        </p:nvPicPr>
-        <p:blipFill>
-          <a:blip r:embed="rId2">
-            <a:extLst>
-              <a:ext uri="{28A0092B-C50C-407E-A947-70E740481C1C}">
-                <a14:useLocalDpi xmlns:a14="http://schemas.microsoft.com/office/drawing/2010/main" val="0"/>
-              </a:ext>
-            </a:extLst>
-          </a:blip>
-          <a:srcRect/>
-          <a:stretch>
-            <a:fillRect/>
-          </a:stretch>
-        </p:blipFill>
-        <p:spPr bwMode="auto">
-          <a:xfrm>
-            <a:off x="0" y="0"/>
-            <a:ext cx="12192000" cy="6858001"/>
-          </a:xfrm>
-          <a:prstGeom prst="rect">
-            <a:avLst/>
-          </a:prstGeom>
-          <a:noFill/>
-          <a:extLst>
-            <a:ext uri="{909E8E84-426E-40DD-AFC4-6F175D3DCCD1}">
-              <a14:hiddenFill xmlns:a14="http://schemas.microsoft.com/office/drawing/2010/main">
-                <a:solidFill>
-                  <a:srgbClr val="FFFFFF"/>
-                </a:solidFill>
-              </a14:hiddenFill>
-            </a:ext>
-          </a:extLst>
-        </p:spPr>
-      </p:pic>
-      <p:sp>
-        <p:nvSpPr>
-          <p:cNvPr id="2" name="Title 1">
-            <a:extLst>
-              <a:ext uri="{FF2B5EF4-FFF2-40B4-BE49-F238E27FC236}">
-                <a16:creationId xmlns:a16="http://schemas.microsoft.com/office/drawing/2014/main" id="{E553FC02-0877-48B9-9D47-39D33903ECFE}"/>
-              </a:ext>
-            </a:extLst>
-          </p:cNvPr>
-          <p:cNvSpPr>
-            <a:spLocks noGrp="1"/>
-          </p:cNvSpPr>
-          <p:nvPr>
-            <p:ph type="title"/>
-          </p:nvPr>
-        </p:nvSpPr>
-        <p:spPr>
-          <a:xfrm>
-            <a:off x="838200" y="365125"/>
-            <a:ext cx="10515600" cy="1325563"/>
-          </a:xfrm>
-          <a:solidFill>
-            <a:schemeClr val="tx2">
-              <a:lumMod val="60000"/>
-              <a:lumOff val="40000"/>
-              <a:alpha val="85000"/>
-            </a:schemeClr>
-          </a:solidFill>
-        </p:spPr>
-        <p:txBody>
-          <a:bodyPr/>
-          <a:lstStyle/>
-          <a:p>
-            <a:r>
-              <a:rPr lang="en-US" dirty="0"/>
-              <a:t>Trends – Commuting Distance and Gender</a:t>
-            </a:r>
-          </a:p>
-        </p:txBody>
-      </p:sp>
-      <p:pic>
-        <p:nvPicPr>
-          <p:cNvPr id="7" name="Content Placeholder 6">
-            <a:extLst>
-              <a:ext uri="{FF2B5EF4-FFF2-40B4-BE49-F238E27FC236}">
-                <a16:creationId xmlns:a16="http://schemas.microsoft.com/office/drawing/2014/main" id="{FF950434-1CD4-8048-9F0E-52D414B79DBA}"/>
-              </a:ext>
-            </a:extLst>
-          </p:cNvPr>
-          <p:cNvPicPr>
-            <a:picLocks noGrp="1" noChangeAspect="1"/>
-          </p:cNvPicPr>
-          <p:nvPr>
-            <p:ph idx="1"/>
-          </p:nvPr>
-        </p:nvPicPr>
-        <p:blipFill>
-          <a:blip r:embed="rId3"/>
-          <a:stretch>
-            <a:fillRect/>
-          </a:stretch>
-        </p:blipFill>
-        <p:spPr>
-          <a:xfrm>
-            <a:off x="2794066" y="1825625"/>
-            <a:ext cx="6603868" cy="4667250"/>
-          </a:xfrm>
-          <a:prstGeom prst="rect">
-            <a:avLst/>
-          </a:prstGeom>
-        </p:spPr>
-      </p:pic>
-    </p:spTree>
-    <p:extLst>
-      <p:ext uri="{BB962C8B-B14F-4D97-AF65-F5344CB8AC3E}">
-        <p14:creationId xmlns:p14="http://schemas.microsoft.com/office/powerpoint/2010/main" val="2365826935"/>
-      </p:ext>
-    </p:extLst>
-  </p:cSld>
-  <p:clrMapOvr>
-    <a:masterClrMapping/>
-  </p:clrMapOvr>
-</p:sld>
-</file>
-
-<file path=ppt/slides/slide14.xml><?xml version="1.0" encoding="utf-8"?>
-<p:sld xmlns:a="http://schemas.openxmlformats.org/drawingml/2006/main" xmlns:r="http://schemas.openxmlformats.org/officeDocument/2006/relationships" xmlns:p="http://schemas.openxmlformats.org/presentationml/2006/main">
-  <p:cSld>
-    <p:spTree>
-      <p:nvGrpSpPr>
-        <p:cNvPr id="1" name=""/>
-        <p:cNvGrpSpPr/>
-        <p:nvPr/>
-      </p:nvGrpSpPr>
-      <p:grpSpPr>
-        <a:xfrm>
-          <a:off x="0" y="0"/>
-          <a:ext cx="0" cy="0"/>
-          <a:chOff x="0" y="0"/>
-          <a:chExt cx="0" cy="0"/>
-        </a:xfrm>
-      </p:grpSpPr>
-      <p:pic>
-        <p:nvPicPr>
-          <p:cNvPr id="4" name="Picture 3" descr="Related image">
-            <a:extLst>
-              <a:ext uri="{FF2B5EF4-FFF2-40B4-BE49-F238E27FC236}">
-                <a16:creationId xmlns:a16="http://schemas.microsoft.com/office/drawing/2014/main" id="{D500BC2D-2A7D-4DFA-BC58-80D7C10D5255}"/>
-              </a:ext>
-            </a:extLst>
-          </p:cNvPr>
-          <p:cNvPicPr>
-            <a:picLocks noChangeAspect="1" noChangeArrowheads="1"/>
-          </p:cNvPicPr>
-          <p:nvPr/>
-        </p:nvPicPr>
-        <p:blipFill>
-          <a:blip r:embed="rId2">
-            <a:extLst>
-              <a:ext uri="{28A0092B-C50C-407E-A947-70E740481C1C}">
-                <a14:useLocalDpi xmlns:a14="http://schemas.microsoft.com/office/drawing/2010/main" val="0"/>
-              </a:ext>
-            </a:extLst>
-          </a:blip>
-          <a:srcRect/>
-          <a:stretch>
-            <a:fillRect/>
-          </a:stretch>
-        </p:blipFill>
-        <p:spPr bwMode="auto">
-          <a:xfrm>
-            <a:off x="0" y="0"/>
-            <a:ext cx="12192000" cy="6858001"/>
-          </a:xfrm>
-          <a:prstGeom prst="rect">
-            <a:avLst/>
-          </a:prstGeom>
-          <a:noFill/>
-          <a:extLst>
-            <a:ext uri="{909E8E84-426E-40DD-AFC4-6F175D3DCCD1}">
-              <a14:hiddenFill xmlns:a14="http://schemas.microsoft.com/office/drawing/2010/main">
-                <a:solidFill>
-                  <a:srgbClr val="FFFFFF"/>
-                </a:solidFill>
-              </a14:hiddenFill>
-            </a:ext>
-          </a:extLst>
-        </p:spPr>
-      </p:pic>
-      <p:sp>
-        <p:nvSpPr>
-          <p:cNvPr id="2" name="Title 1">
-            <a:extLst>
-              <a:ext uri="{FF2B5EF4-FFF2-40B4-BE49-F238E27FC236}">
-                <a16:creationId xmlns:a16="http://schemas.microsoft.com/office/drawing/2014/main" id="{E553FC02-0877-48B9-9D47-39D33903ECFE}"/>
-              </a:ext>
-            </a:extLst>
-          </p:cNvPr>
-          <p:cNvSpPr>
-            <a:spLocks noGrp="1"/>
-          </p:cNvSpPr>
-          <p:nvPr>
-            <p:ph type="title"/>
-          </p:nvPr>
-        </p:nvSpPr>
-        <p:spPr>
-          <a:xfrm>
-            <a:off x="838200" y="365125"/>
-            <a:ext cx="10515600" cy="1325563"/>
-          </a:xfrm>
-          <a:solidFill>
-            <a:schemeClr val="tx2">
-              <a:lumMod val="60000"/>
-              <a:lumOff val="40000"/>
-              <a:alpha val="85000"/>
-            </a:schemeClr>
-          </a:solidFill>
-        </p:spPr>
-        <p:txBody>
-          <a:bodyPr/>
-          <a:lstStyle/>
-          <a:p>
-            <a:r>
-              <a:rPr lang="en-US" dirty="0"/>
-              <a:t>Trends – Business Travel</a:t>
-            </a:r>
-          </a:p>
-        </p:txBody>
-      </p:sp>
-      <p:pic>
-        <p:nvPicPr>
-          <p:cNvPr id="5" name="Content Placeholder 4">
-            <a:extLst>
-              <a:ext uri="{FF2B5EF4-FFF2-40B4-BE49-F238E27FC236}">
-                <a16:creationId xmlns:a16="http://schemas.microsoft.com/office/drawing/2014/main" id="{37822EE8-8523-544C-9814-5E74A88752B8}"/>
-              </a:ext>
-            </a:extLst>
-          </p:cNvPr>
-          <p:cNvPicPr>
-            <a:picLocks noGrp="1" noChangeAspect="1"/>
-          </p:cNvPicPr>
-          <p:nvPr>
-            <p:ph idx="1"/>
-          </p:nvPr>
-        </p:nvPicPr>
-        <p:blipFill>
-          <a:blip r:embed="rId3"/>
-          <a:stretch>
-            <a:fillRect/>
-          </a:stretch>
-        </p:blipFill>
-        <p:spPr>
-          <a:xfrm>
-            <a:off x="838200" y="1788941"/>
-            <a:ext cx="7088000" cy="4970806"/>
-          </a:xfrm>
-          <a:prstGeom prst="rect">
-            <a:avLst/>
-          </a:prstGeom>
-        </p:spPr>
-      </p:pic>
-      <p:sp>
-        <p:nvSpPr>
-          <p:cNvPr id="6" name="TextBox 5">
-            <a:extLst>
-              <a:ext uri="{FF2B5EF4-FFF2-40B4-BE49-F238E27FC236}">
-                <a16:creationId xmlns:a16="http://schemas.microsoft.com/office/drawing/2014/main" id="{A1BAFB36-52F3-DE44-B693-1B46530D6C01}"/>
-              </a:ext>
-            </a:extLst>
-          </p:cNvPr>
-          <p:cNvSpPr txBox="1"/>
-          <p:nvPr/>
-        </p:nvSpPr>
-        <p:spPr>
-          <a:xfrm>
-            <a:off x="8059538" y="3160062"/>
-            <a:ext cx="3999123" cy="3416320"/>
-          </a:xfrm>
-          <a:prstGeom prst="rect">
-            <a:avLst/>
-          </a:prstGeom>
-          <a:noFill/>
-        </p:spPr>
-        <p:txBody>
-          <a:bodyPr wrap="square" rtlCol="0">
-            <a:spAutoFit/>
-          </a:bodyPr>
-          <a:lstStyle/>
-          <a:p>
-            <a:pPr marL="285750" indent="-285750">
-              <a:buFont typeface="Arial" panose="020B0604020202020204" pitchFamily="34" charset="0"/>
-              <a:buChar char="•"/>
-            </a:pPr>
-            <a:r>
-              <a:rPr lang="en-US" sz="2400" dirty="0">
-                <a:solidFill>
-                  <a:schemeClr val="bg1"/>
-                </a:solidFill>
-              </a:rPr>
-              <a:t>Scientists present at and attend research symposiums and conferences</a:t>
-            </a:r>
-          </a:p>
-          <a:p>
-            <a:endParaRPr lang="en-US" sz="2400" dirty="0">
-              <a:solidFill>
-                <a:schemeClr val="bg1"/>
-              </a:solidFill>
-            </a:endParaRPr>
-          </a:p>
-          <a:p>
-            <a:pPr marL="285750" indent="-285750">
-              <a:buFont typeface="Arial" panose="020B0604020202020204" pitchFamily="34" charset="0"/>
-              <a:buChar char="•"/>
-            </a:pPr>
-            <a:r>
-              <a:rPr lang="en-US" sz="2400" dirty="0">
-                <a:solidFill>
-                  <a:schemeClr val="bg1"/>
-                </a:solidFill>
-              </a:rPr>
-              <a:t>Uncertain why Lab technicians travel so often (travel to many different labs?)</a:t>
-            </a:r>
-          </a:p>
-        </p:txBody>
-      </p:sp>
-    </p:spTree>
-    <p:extLst>
-      <p:ext uri="{BB962C8B-B14F-4D97-AF65-F5344CB8AC3E}">
-        <p14:creationId xmlns:p14="http://schemas.microsoft.com/office/powerpoint/2010/main" val="2319913119"/>
-      </p:ext>
-    </p:extLst>
-  </p:cSld>
-  <p:clrMapOvr>
-    <a:masterClrMapping/>
-  </p:clrMapOvr>
-</p:sld>
-</file>
-
-<file path=ppt/slides/slide15.xml><?xml version="1.0" encoding="utf-8"?>
-<p:sld xmlns:a="http://schemas.openxmlformats.org/drawingml/2006/main" xmlns:r="http://schemas.openxmlformats.org/officeDocument/2006/relationships" xmlns:p="http://schemas.openxmlformats.org/presentationml/2006/main">
-  <p:cSld>
-    <p:spTree>
-      <p:nvGrpSpPr>
-        <p:cNvPr id="1" name=""/>
-        <p:cNvGrpSpPr/>
-        <p:nvPr/>
-      </p:nvGrpSpPr>
-      <p:grpSpPr>
-        <a:xfrm>
-          <a:off x="0" y="0"/>
-          <a:ext cx="0" cy="0"/>
-          <a:chOff x="0" y="0"/>
-          <a:chExt cx="0" cy="0"/>
-        </a:xfrm>
-      </p:grpSpPr>
-      <p:pic>
-        <p:nvPicPr>
-          <p:cNvPr id="4" name="Picture 3" descr="Related image">
-            <a:extLst>
-              <a:ext uri="{FF2B5EF4-FFF2-40B4-BE49-F238E27FC236}">
-                <a16:creationId xmlns:a16="http://schemas.microsoft.com/office/drawing/2014/main" id="{D500BC2D-2A7D-4DFA-BC58-80D7C10D5255}"/>
-              </a:ext>
-            </a:extLst>
-          </p:cNvPr>
-          <p:cNvPicPr>
-            <a:picLocks noChangeAspect="1" noChangeArrowheads="1"/>
-          </p:cNvPicPr>
-          <p:nvPr/>
-        </p:nvPicPr>
-        <p:blipFill>
-          <a:blip r:embed="rId2">
-            <a:extLst>
-              <a:ext uri="{28A0092B-C50C-407E-A947-70E740481C1C}">
-                <a14:useLocalDpi xmlns:a14="http://schemas.microsoft.com/office/drawing/2010/main" val="0"/>
-              </a:ext>
-            </a:extLst>
-          </a:blip>
-          <a:srcRect/>
-          <a:stretch>
-            <a:fillRect/>
-          </a:stretch>
-        </p:blipFill>
-        <p:spPr bwMode="auto">
-          <a:xfrm>
-            <a:off x="0" y="0"/>
-            <a:ext cx="12192000" cy="6858001"/>
-          </a:xfrm>
-          <a:prstGeom prst="rect">
-            <a:avLst/>
-          </a:prstGeom>
-          <a:noFill/>
-          <a:extLst>
-            <a:ext uri="{909E8E84-426E-40DD-AFC4-6F175D3DCCD1}">
-              <a14:hiddenFill xmlns:a14="http://schemas.microsoft.com/office/drawing/2010/main">
-                <a:solidFill>
-                  <a:srgbClr val="FFFFFF"/>
-                </a:solidFill>
-              </a14:hiddenFill>
-            </a:ext>
-          </a:extLst>
-        </p:spPr>
-      </p:pic>
-      <p:sp>
-        <p:nvSpPr>
-          <p:cNvPr id="2" name="Title 1">
-            <a:extLst>
-              <a:ext uri="{FF2B5EF4-FFF2-40B4-BE49-F238E27FC236}">
-                <a16:creationId xmlns:a16="http://schemas.microsoft.com/office/drawing/2014/main" id="{E553FC02-0877-48B9-9D47-39D33903ECFE}"/>
-              </a:ext>
-            </a:extLst>
-          </p:cNvPr>
-          <p:cNvSpPr>
-            <a:spLocks noGrp="1"/>
-          </p:cNvSpPr>
-          <p:nvPr>
-            <p:ph type="title"/>
-          </p:nvPr>
-        </p:nvSpPr>
-        <p:spPr>
-          <a:xfrm>
-            <a:off x="838200" y="365125"/>
-            <a:ext cx="10515600" cy="1325563"/>
-          </a:xfrm>
-          <a:solidFill>
-            <a:schemeClr val="tx2">
-              <a:lumMod val="60000"/>
-              <a:lumOff val="40000"/>
-              <a:alpha val="85000"/>
-            </a:schemeClr>
-          </a:solidFill>
-        </p:spPr>
-        <p:txBody>
-          <a:bodyPr/>
-          <a:lstStyle/>
-          <a:p>
-            <a:r>
-              <a:rPr lang="en-US" dirty="0"/>
-              <a:t>Trends – Job Roles and Income</a:t>
-            </a:r>
-          </a:p>
-        </p:txBody>
-      </p:sp>
-      <p:pic>
-        <p:nvPicPr>
-          <p:cNvPr id="5" name="Content Placeholder 4">
-            <a:extLst>
-              <a:ext uri="{FF2B5EF4-FFF2-40B4-BE49-F238E27FC236}">
-                <a16:creationId xmlns:a16="http://schemas.microsoft.com/office/drawing/2014/main" id="{2969F960-739F-E546-98B2-46FE9B4E99A7}"/>
-              </a:ext>
-            </a:extLst>
-          </p:cNvPr>
-          <p:cNvPicPr>
-            <a:picLocks noGrp="1" noChangeAspect="1"/>
-          </p:cNvPicPr>
-          <p:nvPr>
-            <p:ph idx="1"/>
-          </p:nvPr>
-        </p:nvPicPr>
-        <p:blipFill>
-          <a:blip r:embed="rId3"/>
-          <a:stretch>
-            <a:fillRect/>
-          </a:stretch>
-        </p:blipFill>
-        <p:spPr>
-          <a:xfrm>
-            <a:off x="838200" y="1758157"/>
-            <a:ext cx="7223554" cy="5032375"/>
-          </a:xfrm>
-          <a:prstGeom prst="rect">
-            <a:avLst/>
-          </a:prstGeom>
-        </p:spPr>
-      </p:pic>
-      <p:sp>
-        <p:nvSpPr>
-          <p:cNvPr id="6" name="TextBox 5">
-            <a:extLst>
-              <a:ext uri="{FF2B5EF4-FFF2-40B4-BE49-F238E27FC236}">
-                <a16:creationId xmlns:a16="http://schemas.microsoft.com/office/drawing/2014/main" id="{D400C332-3E00-C44C-BF86-F6542F844A8E}"/>
-              </a:ext>
-            </a:extLst>
-          </p:cNvPr>
-          <p:cNvSpPr txBox="1"/>
-          <p:nvPr/>
-        </p:nvSpPr>
-        <p:spPr>
-          <a:xfrm>
-            <a:off x="8215450" y="2209849"/>
-            <a:ext cx="3822853" cy="3785652"/>
-          </a:xfrm>
-          <a:prstGeom prst="rect">
-            <a:avLst/>
-          </a:prstGeom>
-          <a:solidFill>
-            <a:schemeClr val="tx2"/>
-          </a:solidFill>
-        </p:spPr>
-        <p:txBody>
-          <a:bodyPr wrap="square" rtlCol="0">
-            <a:spAutoFit/>
-          </a:bodyPr>
-          <a:lstStyle/>
-          <a:p>
-            <a:pPr marL="285750" indent="-285750">
-              <a:buFont typeface="Arial" panose="020B0604020202020204" pitchFamily="34" charset="0"/>
-              <a:buChar char="•"/>
-            </a:pPr>
-            <a:r>
-              <a:rPr lang="en-US" sz="2400" dirty="0">
-                <a:solidFill>
-                  <a:schemeClr val="bg1"/>
-                </a:solidFill>
-              </a:rPr>
-              <a:t>Sales Execs make less than Research Directors!</a:t>
-            </a:r>
-          </a:p>
-          <a:p>
-            <a:pPr marL="285750" indent="-285750">
-              <a:buFont typeface="Arial" panose="020B0604020202020204" pitchFamily="34" charset="0"/>
-              <a:buChar char="•"/>
-            </a:pPr>
-            <a:endParaRPr lang="en-US" sz="2400" dirty="0">
-              <a:solidFill>
-                <a:schemeClr val="bg1"/>
-              </a:solidFill>
-            </a:endParaRPr>
-          </a:p>
-          <a:p>
-            <a:pPr marL="285750" indent="-285750">
-              <a:buFont typeface="Arial" panose="020B0604020202020204" pitchFamily="34" charset="0"/>
-              <a:buChar char="•"/>
-            </a:pPr>
-            <a:r>
-              <a:rPr lang="en-US" sz="2400" dirty="0">
-                <a:solidFill>
-                  <a:schemeClr val="bg1"/>
-                </a:solidFill>
-              </a:rPr>
-              <a:t>Sales Execs and Manufacturing Directors have same right skew</a:t>
-            </a:r>
-          </a:p>
-          <a:p>
-            <a:pPr marL="285750" indent="-285750">
-              <a:buFont typeface="Arial" panose="020B0604020202020204" pitchFamily="34" charset="0"/>
-              <a:buChar char="•"/>
-            </a:pPr>
-            <a:endParaRPr lang="en-US" sz="2400" dirty="0">
-              <a:solidFill>
-                <a:schemeClr val="bg1"/>
-              </a:solidFill>
-            </a:endParaRPr>
-          </a:p>
-          <a:p>
-            <a:pPr marL="285750" indent="-285750">
-              <a:buFont typeface="Arial" panose="020B0604020202020204" pitchFamily="34" charset="0"/>
-              <a:buChar char="•"/>
-            </a:pPr>
-            <a:r>
-              <a:rPr lang="en-US" sz="2400" dirty="0">
-                <a:solidFill>
-                  <a:schemeClr val="bg1"/>
-                </a:solidFill>
-              </a:rPr>
-              <a:t>Research Directors and Managers have the same left skew </a:t>
-            </a:r>
-          </a:p>
-        </p:txBody>
-      </p:sp>
-    </p:spTree>
-    <p:extLst>
-      <p:ext uri="{BB962C8B-B14F-4D97-AF65-F5344CB8AC3E}">
-        <p14:creationId xmlns:p14="http://schemas.microsoft.com/office/powerpoint/2010/main" val="2586013558"/>
-      </p:ext>
-    </p:extLst>
-  </p:cSld>
-  <p:clrMapOvr>
-    <a:masterClrMapping/>
-  </p:clrMapOvr>
-</p:sld>
-</file>
-
-<file path=ppt/slides/slide16.xml><?xml version="1.0" encoding="utf-8"?>
-<p:sld xmlns:a="http://schemas.openxmlformats.org/drawingml/2006/main" xmlns:r="http://schemas.openxmlformats.org/officeDocument/2006/relationships" xmlns:p="http://schemas.openxmlformats.org/presentationml/2006/main">
-  <p:cSld>
-    <p:spTree>
-      <p:nvGrpSpPr>
-        <p:cNvPr id="1" name=""/>
-        <p:cNvGrpSpPr/>
-        <p:nvPr/>
-      </p:nvGrpSpPr>
-      <p:grpSpPr>
-        <a:xfrm>
-          <a:off x="0" y="0"/>
-          <a:ext cx="0" cy="0"/>
-          <a:chOff x="0" y="0"/>
-          <a:chExt cx="0" cy="0"/>
-        </a:xfrm>
-      </p:grpSpPr>
-      <p:pic>
-        <p:nvPicPr>
-          <p:cNvPr id="4" name="Picture 3" descr="Related image">
-            <a:extLst>
-              <a:ext uri="{FF2B5EF4-FFF2-40B4-BE49-F238E27FC236}">
-                <a16:creationId xmlns:a16="http://schemas.microsoft.com/office/drawing/2014/main" id="{D500BC2D-2A7D-4DFA-BC58-80D7C10D5255}"/>
-              </a:ext>
-            </a:extLst>
-          </p:cNvPr>
-          <p:cNvPicPr>
-            <a:picLocks noChangeAspect="1" noChangeArrowheads="1"/>
-          </p:cNvPicPr>
-          <p:nvPr/>
-        </p:nvPicPr>
-        <p:blipFill>
-          <a:blip r:embed="rId2">
-            <a:extLst>
-              <a:ext uri="{28A0092B-C50C-407E-A947-70E740481C1C}">
-                <a14:useLocalDpi xmlns:a14="http://schemas.microsoft.com/office/drawing/2010/main" val="0"/>
-              </a:ext>
-            </a:extLst>
-          </a:blip>
-          <a:srcRect/>
-          <a:stretch>
-            <a:fillRect/>
-          </a:stretch>
-        </p:blipFill>
-        <p:spPr bwMode="auto">
-          <a:xfrm>
-            <a:off x="0" y="0"/>
-            <a:ext cx="12192000" cy="6858001"/>
-          </a:xfrm>
-          <a:prstGeom prst="rect">
-            <a:avLst/>
-          </a:prstGeom>
-          <a:noFill/>
-          <a:extLst>
-            <a:ext uri="{909E8E84-426E-40DD-AFC4-6F175D3DCCD1}">
-              <a14:hiddenFill xmlns:a14="http://schemas.microsoft.com/office/drawing/2010/main">
-                <a:solidFill>
-                  <a:srgbClr val="FFFFFF"/>
-                </a:solidFill>
-              </a14:hiddenFill>
-            </a:ext>
-          </a:extLst>
-        </p:spPr>
-      </p:pic>
-      <p:sp>
-        <p:nvSpPr>
-          <p:cNvPr id="2" name="Title 1">
-            <a:extLst>
-              <a:ext uri="{FF2B5EF4-FFF2-40B4-BE49-F238E27FC236}">
-                <a16:creationId xmlns:a16="http://schemas.microsoft.com/office/drawing/2014/main" id="{E553FC02-0877-48B9-9D47-39D33903ECFE}"/>
-              </a:ext>
-            </a:extLst>
-          </p:cNvPr>
-          <p:cNvSpPr>
-            <a:spLocks noGrp="1"/>
-          </p:cNvSpPr>
-          <p:nvPr>
-            <p:ph type="title"/>
-          </p:nvPr>
-        </p:nvSpPr>
-        <p:spPr>
-          <a:xfrm>
-            <a:off x="838200" y="365125"/>
-            <a:ext cx="10515600" cy="1325563"/>
-          </a:xfrm>
-          <a:solidFill>
-            <a:schemeClr val="tx2">
-              <a:lumMod val="60000"/>
-              <a:lumOff val="40000"/>
-              <a:alpha val="85000"/>
-            </a:schemeClr>
-          </a:solidFill>
-        </p:spPr>
-        <p:txBody>
-          <a:bodyPr/>
-          <a:lstStyle/>
-          <a:p>
-            <a:r>
-              <a:rPr lang="en-US" dirty="0"/>
               <a:t>Trends – Attrition and Job Involvement</a:t>
             </a:r>
           </a:p>
@@ -5031,1027 +4295,7 @@
 </p:sld>
 </file>
 
-<file path=ppt/slides/slide2.xml><?xml version="1.0" encoding="utf-8"?>
-<p:sld xmlns:a="http://schemas.openxmlformats.org/drawingml/2006/main" xmlns:r="http://schemas.openxmlformats.org/officeDocument/2006/relationships" xmlns:p="http://schemas.openxmlformats.org/presentationml/2006/main">
-  <p:cSld>
-    <p:spTree>
-      <p:nvGrpSpPr>
-        <p:cNvPr id="1" name=""/>
-        <p:cNvGrpSpPr/>
-        <p:nvPr/>
-      </p:nvGrpSpPr>
-      <p:grpSpPr>
-        <a:xfrm>
-          <a:off x="0" y="0"/>
-          <a:ext cx="0" cy="0"/>
-          <a:chOff x="0" y="0"/>
-          <a:chExt cx="0" cy="0"/>
-        </a:xfrm>
-      </p:grpSpPr>
-      <p:pic>
-        <p:nvPicPr>
-          <p:cNvPr id="8" name="Picture 7" descr="Related image">
-            <a:extLst>
-              <a:ext uri="{FF2B5EF4-FFF2-40B4-BE49-F238E27FC236}">
-                <a16:creationId xmlns:a16="http://schemas.microsoft.com/office/drawing/2014/main" id="{9FD1B11E-A4F2-45B0-9F7F-11D6634C3212}"/>
-              </a:ext>
-            </a:extLst>
-          </p:cNvPr>
-          <p:cNvPicPr>
-            <a:picLocks noChangeAspect="1" noChangeArrowheads="1"/>
-          </p:cNvPicPr>
-          <p:nvPr/>
-        </p:nvPicPr>
-        <p:blipFill>
-          <a:blip r:embed="rId2">
-            <a:extLst>
-              <a:ext uri="{28A0092B-C50C-407E-A947-70E740481C1C}">
-                <a14:useLocalDpi xmlns:a14="http://schemas.microsoft.com/office/drawing/2010/main" val="0"/>
-              </a:ext>
-            </a:extLst>
-          </a:blip>
-          <a:srcRect/>
-          <a:stretch>
-            <a:fillRect/>
-          </a:stretch>
-        </p:blipFill>
-        <p:spPr bwMode="auto">
-          <a:xfrm>
-            <a:off x="0" y="0"/>
-            <a:ext cx="12192000" cy="6858001"/>
-          </a:xfrm>
-          <a:prstGeom prst="rect">
-            <a:avLst/>
-          </a:prstGeom>
-          <a:noFill/>
-          <a:extLst>
-            <a:ext uri="{909E8E84-426E-40DD-AFC4-6F175D3DCCD1}">
-              <a14:hiddenFill xmlns:a14="http://schemas.microsoft.com/office/drawing/2010/main">
-                <a:solidFill>
-                  <a:srgbClr val="FFFFFF"/>
-                </a:solidFill>
-              </a14:hiddenFill>
-            </a:ext>
-          </a:extLst>
-        </p:spPr>
-      </p:pic>
-      <p:pic>
-        <p:nvPicPr>
-          <p:cNvPr id="1028" name="Picture 4" descr="Image result for free images of money going down drain">
-            <a:extLst>
-              <a:ext uri="{FF2B5EF4-FFF2-40B4-BE49-F238E27FC236}">
-                <a16:creationId xmlns:a16="http://schemas.microsoft.com/office/drawing/2014/main" id="{420E0BB0-3472-429D-9FA9-4B8ABE5816E2}"/>
-              </a:ext>
-            </a:extLst>
-          </p:cNvPr>
-          <p:cNvPicPr>
-            <a:picLocks noChangeAspect="1" noChangeArrowheads="1"/>
-          </p:cNvPicPr>
-          <p:nvPr/>
-        </p:nvPicPr>
-        <p:blipFill>
-          <a:blip r:embed="rId3">
-            <a:extLst>
-              <a:ext uri="{28A0092B-C50C-407E-A947-70E740481C1C}">
-                <a14:useLocalDpi xmlns:a14="http://schemas.microsoft.com/office/drawing/2010/main" val="0"/>
-              </a:ext>
-            </a:extLst>
-          </a:blip>
-          <a:srcRect/>
-          <a:stretch>
-            <a:fillRect/>
-          </a:stretch>
-        </p:blipFill>
-        <p:spPr bwMode="auto">
-          <a:xfrm>
-            <a:off x="8667345" y="365125"/>
-            <a:ext cx="3278792" cy="5773027"/>
-          </a:xfrm>
-          <a:prstGeom prst="rect">
-            <a:avLst/>
-          </a:prstGeom>
-          <a:solidFill>
-            <a:schemeClr val="accent1">
-              <a:alpha val="34000"/>
-            </a:schemeClr>
-          </a:solidFill>
-        </p:spPr>
-      </p:pic>
-      <p:sp>
-        <p:nvSpPr>
-          <p:cNvPr id="2" name="Title 1">
-            <a:extLst>
-              <a:ext uri="{FF2B5EF4-FFF2-40B4-BE49-F238E27FC236}">
-                <a16:creationId xmlns:a16="http://schemas.microsoft.com/office/drawing/2014/main" id="{80552E8E-C5E4-4342-BDE4-A9B0319C2C6A}"/>
-              </a:ext>
-            </a:extLst>
-          </p:cNvPr>
-          <p:cNvSpPr>
-            <a:spLocks noGrp="1"/>
-          </p:cNvSpPr>
-          <p:nvPr>
-            <p:ph type="title"/>
-          </p:nvPr>
-        </p:nvSpPr>
-        <p:spPr>
-          <a:xfrm>
-            <a:off x="838199" y="365125"/>
-            <a:ext cx="7585953" cy="1325563"/>
-          </a:xfrm>
-          <a:solidFill>
-            <a:srgbClr val="FF0000">
-              <a:alpha val="71000"/>
-            </a:srgbClr>
-          </a:solidFill>
-        </p:spPr>
-        <p:txBody>
-          <a:bodyPr/>
-          <a:lstStyle/>
-          <a:p>
-            <a:r>
-              <a:rPr lang="en-US" dirty="0"/>
-              <a:t>High Cost of Job Turnover</a:t>
-            </a:r>
-          </a:p>
-        </p:txBody>
-      </p:sp>
-      <p:sp>
-        <p:nvSpPr>
-          <p:cNvPr id="4" name="Content Placeholder 3">
-            <a:extLst>
-              <a:ext uri="{FF2B5EF4-FFF2-40B4-BE49-F238E27FC236}">
-                <a16:creationId xmlns:a16="http://schemas.microsoft.com/office/drawing/2014/main" id="{AC92D3F0-BE65-4FFD-9FE9-BA85E30C0898}"/>
-              </a:ext>
-            </a:extLst>
-          </p:cNvPr>
-          <p:cNvSpPr>
-            <a:spLocks noGrp="1"/>
-          </p:cNvSpPr>
-          <p:nvPr>
-            <p:ph idx="1"/>
-          </p:nvPr>
-        </p:nvSpPr>
-        <p:spPr>
-          <a:xfrm>
-            <a:off x="838199" y="1825625"/>
-            <a:ext cx="7585954" cy="4234707"/>
-          </a:xfrm>
-          <a:solidFill>
-            <a:schemeClr val="tx2">
-              <a:lumMod val="20000"/>
-              <a:lumOff val="80000"/>
-              <a:alpha val="76000"/>
-            </a:schemeClr>
-          </a:solidFill>
-        </p:spPr>
-        <p:txBody>
-          <a:bodyPr>
-            <a:normAutofit/>
-          </a:bodyPr>
-          <a:lstStyle/>
-          <a:p>
-            <a:pPr marL="0" indent="0">
-              <a:buNone/>
-            </a:pPr>
-            <a:r>
-              <a:rPr lang="en-US" dirty="0"/>
-              <a:t>• </a:t>
-            </a:r>
-            <a:r>
-              <a:rPr lang="en-US" sz="2600" dirty="0"/>
-              <a:t>Meta-Analysis performed by the Center for American Progress (2012)</a:t>
-            </a:r>
-          </a:p>
-          <a:p>
-            <a:pPr marL="0" indent="0">
-              <a:buNone/>
-            </a:pPr>
-            <a:r>
-              <a:rPr lang="en-US" dirty="0"/>
-              <a:t>• Jobs that require very specific skills average cost of turnover was 21 percent of an employee’s annual salary</a:t>
-            </a:r>
-          </a:p>
-          <a:p>
-            <a:pPr marL="0" indent="0">
-              <a:buNone/>
-            </a:pPr>
-            <a:r>
-              <a:rPr lang="en-US" dirty="0"/>
-              <a:t>• Most workers earn $75,000 or less, the cost is roughly 20% or $15,000 at the higher end</a:t>
-            </a:r>
-          </a:p>
-          <a:p>
-            <a:pPr marL="0" indent="0">
-              <a:buNone/>
-            </a:pPr>
-            <a:r>
-              <a:rPr lang="en-US" dirty="0"/>
-              <a:t>• Low wage earners of $30,000 or less cost 16% of their income to replace roughly $4800</a:t>
-            </a:r>
-          </a:p>
-          <a:p>
-            <a:pPr marL="0" indent="0">
-              <a:buNone/>
-            </a:pPr>
-            <a:endParaRPr lang="en-US" dirty="0"/>
-          </a:p>
-        </p:txBody>
-      </p:sp>
-      <p:sp>
-        <p:nvSpPr>
-          <p:cNvPr id="5" name="TextBox 4">
-            <a:extLst>
-              <a:ext uri="{FF2B5EF4-FFF2-40B4-BE49-F238E27FC236}">
-                <a16:creationId xmlns:a16="http://schemas.microsoft.com/office/drawing/2014/main" id="{D884E9BE-9745-418E-AC02-E24C72C57C6B}"/>
-              </a:ext>
-            </a:extLst>
-          </p:cNvPr>
-          <p:cNvSpPr txBox="1"/>
-          <p:nvPr/>
-        </p:nvSpPr>
-        <p:spPr>
-          <a:xfrm>
-            <a:off x="739302" y="6138152"/>
-            <a:ext cx="7684850" cy="276999"/>
-          </a:xfrm>
-          <a:prstGeom prst="rect">
-            <a:avLst/>
-          </a:prstGeom>
-          <a:noFill/>
-        </p:spPr>
-        <p:txBody>
-          <a:bodyPr wrap="square" rtlCol="0">
-            <a:spAutoFit/>
-          </a:bodyPr>
-          <a:lstStyle/>
-          <a:p>
-            <a:r>
-              <a:rPr lang="en-US" sz="1200" dirty="0">
-                <a:hlinkClick r:id="rId4"/>
-              </a:rPr>
-              <a:t>Link to study: https://www.americanprogress.org/wp-content/uploads/2012/11/CostofTurnover.pdf</a:t>
-            </a:r>
-            <a:endParaRPr lang="en-US" sz="1200" dirty="0"/>
-          </a:p>
-        </p:txBody>
-      </p:sp>
-    </p:spTree>
-    <p:extLst>
-      <p:ext uri="{BB962C8B-B14F-4D97-AF65-F5344CB8AC3E}">
-        <p14:creationId xmlns:p14="http://schemas.microsoft.com/office/powerpoint/2010/main" val="3557116726"/>
-      </p:ext>
-    </p:extLst>
-  </p:cSld>
-  <p:clrMapOvr>
-    <a:masterClrMapping/>
-  </p:clrMapOvr>
-</p:sld>
-</file>
-
-<file path=ppt/slides/slide3.xml><?xml version="1.0" encoding="utf-8"?>
-<p:sld xmlns:a="http://schemas.openxmlformats.org/drawingml/2006/main" xmlns:r="http://schemas.openxmlformats.org/officeDocument/2006/relationships" xmlns:p="http://schemas.openxmlformats.org/presentationml/2006/main">
-  <p:cSld>
-    <p:spTree>
-      <p:nvGrpSpPr>
-        <p:cNvPr id="1" name=""/>
-        <p:cNvGrpSpPr/>
-        <p:nvPr/>
-      </p:nvGrpSpPr>
-      <p:grpSpPr>
-        <a:xfrm>
-          <a:off x="0" y="0"/>
-          <a:ext cx="0" cy="0"/>
-          <a:chOff x="0" y="0"/>
-          <a:chExt cx="0" cy="0"/>
-        </a:xfrm>
-      </p:grpSpPr>
-      <p:pic>
-        <p:nvPicPr>
-          <p:cNvPr id="4" name="Picture 3" descr="Related image">
-            <a:extLst>
-              <a:ext uri="{FF2B5EF4-FFF2-40B4-BE49-F238E27FC236}">
-                <a16:creationId xmlns:a16="http://schemas.microsoft.com/office/drawing/2014/main" id="{D500BC2D-2A7D-4DFA-BC58-80D7C10D5255}"/>
-              </a:ext>
-            </a:extLst>
-          </p:cNvPr>
-          <p:cNvPicPr>
-            <a:picLocks noChangeAspect="1" noChangeArrowheads="1"/>
-          </p:cNvPicPr>
-          <p:nvPr/>
-        </p:nvPicPr>
-        <p:blipFill>
-          <a:blip r:embed="rId2">
-            <a:extLst>
-              <a:ext uri="{28A0092B-C50C-407E-A947-70E740481C1C}">
-                <a14:useLocalDpi xmlns:a14="http://schemas.microsoft.com/office/drawing/2010/main" val="0"/>
-              </a:ext>
-            </a:extLst>
-          </a:blip>
-          <a:srcRect/>
-          <a:stretch>
-            <a:fillRect/>
-          </a:stretch>
-        </p:blipFill>
-        <p:spPr bwMode="auto">
-          <a:xfrm>
-            <a:off x="0" y="0"/>
-            <a:ext cx="12192000" cy="6858001"/>
-          </a:xfrm>
-          <a:prstGeom prst="rect">
-            <a:avLst/>
-          </a:prstGeom>
-          <a:noFill/>
-          <a:extLst>
-            <a:ext uri="{909E8E84-426E-40DD-AFC4-6F175D3DCCD1}">
-              <a14:hiddenFill xmlns:a14="http://schemas.microsoft.com/office/drawing/2010/main">
-                <a:solidFill>
-                  <a:srgbClr val="FFFFFF"/>
-                </a:solidFill>
-              </a14:hiddenFill>
-            </a:ext>
-          </a:extLst>
-        </p:spPr>
-      </p:pic>
-      <p:sp>
-        <p:nvSpPr>
-          <p:cNvPr id="2" name="Title 1">
-            <a:extLst>
-              <a:ext uri="{FF2B5EF4-FFF2-40B4-BE49-F238E27FC236}">
-                <a16:creationId xmlns:a16="http://schemas.microsoft.com/office/drawing/2014/main" id="{E553FC02-0877-48B9-9D47-39D33903ECFE}"/>
-              </a:ext>
-            </a:extLst>
-          </p:cNvPr>
-          <p:cNvSpPr>
-            <a:spLocks noGrp="1"/>
-          </p:cNvSpPr>
-          <p:nvPr>
-            <p:ph type="title"/>
-          </p:nvPr>
-        </p:nvSpPr>
-        <p:spPr>
-          <a:solidFill>
-            <a:schemeClr val="tx2">
-              <a:lumMod val="60000"/>
-              <a:lumOff val="40000"/>
-              <a:alpha val="85000"/>
-            </a:schemeClr>
-          </a:solidFill>
-        </p:spPr>
-        <p:txBody>
-          <a:bodyPr/>
-          <a:lstStyle/>
-          <a:p>
-            <a:r>
-              <a:rPr lang="en-US" dirty="0"/>
-              <a:t>Factors Predicting Turnover - Research</a:t>
-            </a:r>
-          </a:p>
-        </p:txBody>
-      </p:sp>
-      <p:sp>
-        <p:nvSpPr>
-          <p:cNvPr id="3" name="Content Placeholder 2">
-            <a:extLst>
-              <a:ext uri="{FF2B5EF4-FFF2-40B4-BE49-F238E27FC236}">
-                <a16:creationId xmlns:a16="http://schemas.microsoft.com/office/drawing/2014/main" id="{FC4C5705-C88B-4566-9704-8394ED21A6B4}"/>
-              </a:ext>
-            </a:extLst>
-          </p:cNvPr>
-          <p:cNvSpPr>
-            <a:spLocks noGrp="1"/>
-          </p:cNvSpPr>
-          <p:nvPr>
-            <p:ph idx="1"/>
-          </p:nvPr>
-        </p:nvSpPr>
-        <p:spPr>
-          <a:xfrm>
-            <a:off x="838200" y="1825625"/>
-            <a:ext cx="10515600" cy="4254162"/>
-          </a:xfrm>
-          <a:solidFill>
-            <a:schemeClr val="tx2">
-              <a:lumMod val="20000"/>
-              <a:lumOff val="80000"/>
-              <a:alpha val="85000"/>
-            </a:schemeClr>
-          </a:solidFill>
-        </p:spPr>
-        <p:txBody>
-          <a:bodyPr>
-            <a:normAutofit fontScale="92500" lnSpcReduction="20000"/>
-          </a:bodyPr>
-          <a:lstStyle/>
-          <a:p>
-            <a:r>
-              <a:rPr lang="en-US" dirty="0" err="1"/>
-              <a:t>Heavey</a:t>
-            </a:r>
-            <a:r>
-              <a:rPr lang="en-US" dirty="0"/>
-              <a:t>, Holwerda&amp; </a:t>
-            </a:r>
-            <a:r>
-              <a:rPr lang="en-US" dirty="0" err="1"/>
-              <a:t>Haudknecht</a:t>
-            </a:r>
-            <a:r>
-              <a:rPr lang="en-US" dirty="0"/>
-              <a:t> (2013) Meta-Analysis</a:t>
-            </a:r>
-          </a:p>
-          <a:p>
-            <a:pPr lvl="1"/>
-            <a:r>
-              <a:rPr lang="en-US" dirty="0"/>
-              <a:t>HR-inducements related to less turnover</a:t>
-            </a:r>
-          </a:p>
-          <a:p>
-            <a:pPr lvl="2"/>
-            <a:r>
-              <a:rPr lang="en-US" dirty="0"/>
-              <a:t>Benefits, internal mobility, relative pay, rates of promotion, and training opportunities</a:t>
-            </a:r>
-          </a:p>
-          <a:p>
-            <a:pPr lvl="1"/>
-            <a:r>
-              <a:rPr lang="en-US" dirty="0"/>
-              <a:t>Attitudes-related to less turnover</a:t>
-            </a:r>
-          </a:p>
-          <a:p>
-            <a:pPr lvl="2"/>
-            <a:r>
-              <a:rPr lang="en-US" dirty="0"/>
-              <a:t>Job Satisfaction</a:t>
-            </a:r>
-          </a:p>
-          <a:p>
-            <a:pPr lvl="1"/>
-            <a:r>
-              <a:rPr lang="en-US" dirty="0"/>
-              <a:t>Relationships-reduce turnover</a:t>
-            </a:r>
-          </a:p>
-          <a:p>
-            <a:pPr lvl="2"/>
-            <a:r>
-              <a:rPr lang="en-US" dirty="0"/>
-              <a:t>Supervisor relationship</a:t>
-            </a:r>
-          </a:p>
-          <a:p>
-            <a:pPr lvl="1"/>
-            <a:r>
-              <a:rPr lang="en-US" dirty="0"/>
-              <a:t>Other factors</a:t>
-            </a:r>
-          </a:p>
-          <a:p>
-            <a:pPr lvl="2"/>
-            <a:r>
-              <a:rPr lang="en-US" dirty="0"/>
-              <a:t>Average age of employees – older indicates less turnover, average age of years working at employer-longer indicates less turnover</a:t>
-            </a:r>
-          </a:p>
-          <a:p>
-            <a:pPr lvl="2"/>
-            <a:r>
-              <a:rPr lang="en-US" dirty="0"/>
-              <a:t>Higher numbers of female employees associated with more overall turnover</a:t>
-            </a:r>
-          </a:p>
-          <a:p>
-            <a:pPr lvl="1"/>
-            <a:r>
-              <a:rPr lang="en-US" dirty="0"/>
-              <a:t>Turnover impact</a:t>
-            </a:r>
-          </a:p>
-          <a:p>
-            <a:pPr lvl="2"/>
-            <a:r>
-              <a:rPr lang="en-US" dirty="0"/>
-              <a:t>Lower customer satisfaction, lower profit margin, reduced efficiency (sales/production), and increased errors</a:t>
-            </a:r>
-          </a:p>
-          <a:p>
-            <a:pPr lvl="1"/>
-            <a:endParaRPr lang="en-US" dirty="0"/>
-          </a:p>
-        </p:txBody>
-      </p:sp>
-      <p:sp>
-        <p:nvSpPr>
-          <p:cNvPr id="5" name="TextBox 4">
-            <a:extLst>
-              <a:ext uri="{FF2B5EF4-FFF2-40B4-BE49-F238E27FC236}">
-                <a16:creationId xmlns:a16="http://schemas.microsoft.com/office/drawing/2014/main" id="{ED9C36ED-7BF7-4385-A680-AD870ACBB843}"/>
-              </a:ext>
-            </a:extLst>
-          </p:cNvPr>
-          <p:cNvSpPr txBox="1"/>
-          <p:nvPr/>
-        </p:nvSpPr>
-        <p:spPr>
-          <a:xfrm>
-            <a:off x="838200" y="6250341"/>
-            <a:ext cx="10515600" cy="276999"/>
-          </a:xfrm>
-          <a:prstGeom prst="rect">
-            <a:avLst/>
-          </a:prstGeom>
-          <a:solidFill>
-            <a:schemeClr val="tx2">
-              <a:lumMod val="20000"/>
-              <a:lumOff val="80000"/>
-              <a:alpha val="85000"/>
-            </a:schemeClr>
-          </a:solidFill>
-        </p:spPr>
-        <p:txBody>
-          <a:bodyPr wrap="square" rtlCol="0">
-            <a:spAutoFit/>
-          </a:bodyPr>
-          <a:lstStyle/>
-          <a:p>
-            <a:r>
-              <a:rPr lang="en-US" sz="1200" dirty="0" err="1"/>
-              <a:t>Heavey</a:t>
-            </a:r>
-            <a:r>
-              <a:rPr lang="en-US" sz="1200" dirty="0"/>
-              <a:t>, Holwerda&amp; </a:t>
-            </a:r>
-            <a:r>
-              <a:rPr lang="en-US" sz="1200" dirty="0" err="1"/>
-              <a:t>Haudknecht</a:t>
-            </a:r>
-            <a:r>
-              <a:rPr lang="en-US" sz="1200" dirty="0"/>
-              <a:t> (2013) Causes and Consequences of Collective Turnover: A Meta-Analytic Review. http://digitalcommons.ilr.cornell.edu/articles</a:t>
-            </a:r>
-          </a:p>
-        </p:txBody>
-      </p:sp>
-    </p:spTree>
-    <p:extLst>
-      <p:ext uri="{BB962C8B-B14F-4D97-AF65-F5344CB8AC3E}">
-        <p14:creationId xmlns:p14="http://schemas.microsoft.com/office/powerpoint/2010/main" val="665839205"/>
-      </p:ext>
-    </p:extLst>
-  </p:cSld>
-  <p:clrMapOvr>
-    <a:masterClrMapping/>
-  </p:clrMapOvr>
-</p:sld>
-</file>
-
-<file path=ppt/slides/slide4.xml><?xml version="1.0" encoding="utf-8"?>
-<p:sld xmlns:a="http://schemas.openxmlformats.org/drawingml/2006/main" xmlns:r="http://schemas.openxmlformats.org/officeDocument/2006/relationships" xmlns:p="http://schemas.openxmlformats.org/presentationml/2006/main">
-  <p:cSld>
-    <p:spTree>
-      <p:nvGrpSpPr>
-        <p:cNvPr id="1" name=""/>
-        <p:cNvGrpSpPr/>
-        <p:nvPr/>
-      </p:nvGrpSpPr>
-      <p:grpSpPr>
-        <a:xfrm>
-          <a:off x="0" y="0"/>
-          <a:ext cx="0" cy="0"/>
-          <a:chOff x="0" y="0"/>
-          <a:chExt cx="0" cy="0"/>
-        </a:xfrm>
-      </p:grpSpPr>
-      <p:pic>
-        <p:nvPicPr>
-          <p:cNvPr id="4" name="Picture 3" descr="Related image">
-            <a:extLst>
-              <a:ext uri="{FF2B5EF4-FFF2-40B4-BE49-F238E27FC236}">
-                <a16:creationId xmlns:a16="http://schemas.microsoft.com/office/drawing/2014/main" id="{D500BC2D-2A7D-4DFA-BC58-80D7C10D5255}"/>
-              </a:ext>
-            </a:extLst>
-          </p:cNvPr>
-          <p:cNvPicPr>
-            <a:picLocks noChangeAspect="1" noChangeArrowheads="1"/>
-          </p:cNvPicPr>
-          <p:nvPr/>
-        </p:nvPicPr>
-        <p:blipFill>
-          <a:blip r:embed="rId2">
-            <a:extLst>
-              <a:ext uri="{28A0092B-C50C-407E-A947-70E740481C1C}">
-                <a14:useLocalDpi xmlns:a14="http://schemas.microsoft.com/office/drawing/2010/main" val="0"/>
-              </a:ext>
-            </a:extLst>
-          </a:blip>
-          <a:srcRect/>
-          <a:stretch>
-            <a:fillRect/>
-          </a:stretch>
-        </p:blipFill>
-        <p:spPr bwMode="auto">
-          <a:xfrm>
-            <a:off x="0" y="0"/>
-            <a:ext cx="12192000" cy="6858001"/>
-          </a:xfrm>
-          <a:prstGeom prst="rect">
-            <a:avLst/>
-          </a:prstGeom>
-          <a:noFill/>
-          <a:extLst>
-            <a:ext uri="{909E8E84-426E-40DD-AFC4-6F175D3DCCD1}">
-              <a14:hiddenFill xmlns:a14="http://schemas.microsoft.com/office/drawing/2010/main">
-                <a:solidFill>
-                  <a:srgbClr val="FFFFFF"/>
-                </a:solidFill>
-              </a14:hiddenFill>
-            </a:ext>
-          </a:extLst>
-        </p:spPr>
-      </p:pic>
-      <p:sp>
-        <p:nvSpPr>
-          <p:cNvPr id="2" name="Title 1">
-            <a:extLst>
-              <a:ext uri="{FF2B5EF4-FFF2-40B4-BE49-F238E27FC236}">
-                <a16:creationId xmlns:a16="http://schemas.microsoft.com/office/drawing/2014/main" id="{E553FC02-0877-48B9-9D47-39D33903ECFE}"/>
-              </a:ext>
-            </a:extLst>
-          </p:cNvPr>
-          <p:cNvSpPr>
-            <a:spLocks noGrp="1"/>
-          </p:cNvSpPr>
-          <p:nvPr>
-            <p:ph type="title"/>
-          </p:nvPr>
-        </p:nvSpPr>
-        <p:spPr>
-          <a:solidFill>
-            <a:schemeClr val="tx2">
-              <a:lumMod val="60000"/>
-              <a:lumOff val="40000"/>
-              <a:alpha val="85000"/>
-            </a:schemeClr>
-          </a:solidFill>
-        </p:spPr>
-        <p:txBody>
-          <a:bodyPr/>
-          <a:lstStyle/>
-          <a:p>
-            <a:r>
-              <a:rPr lang="en-US" dirty="0" err="1"/>
-              <a:t>DDSAnalytics</a:t>
-            </a:r>
-            <a:r>
-              <a:rPr lang="en-US" dirty="0"/>
-              <a:t> Study</a:t>
-            </a:r>
-          </a:p>
-        </p:txBody>
-      </p:sp>
-      <p:sp>
-        <p:nvSpPr>
-          <p:cNvPr id="3" name="Content Placeholder 2">
-            <a:extLst>
-              <a:ext uri="{FF2B5EF4-FFF2-40B4-BE49-F238E27FC236}">
-                <a16:creationId xmlns:a16="http://schemas.microsoft.com/office/drawing/2014/main" id="{FC4C5705-C88B-4566-9704-8394ED21A6B4}"/>
-              </a:ext>
-            </a:extLst>
-          </p:cNvPr>
-          <p:cNvSpPr>
-            <a:spLocks noGrp="1"/>
-          </p:cNvSpPr>
-          <p:nvPr>
-            <p:ph idx="1"/>
-          </p:nvPr>
-        </p:nvSpPr>
-        <p:spPr>
-          <a:xfrm>
-            <a:off x="838200" y="1825625"/>
-            <a:ext cx="10515600" cy="4254162"/>
-          </a:xfrm>
-          <a:solidFill>
-            <a:schemeClr val="tx2">
-              <a:lumMod val="20000"/>
-              <a:lumOff val="80000"/>
-              <a:alpha val="85000"/>
-            </a:schemeClr>
-          </a:solidFill>
-        </p:spPr>
-        <p:txBody>
-          <a:bodyPr>
-            <a:normAutofit/>
-          </a:bodyPr>
-          <a:lstStyle/>
-          <a:p>
-            <a:r>
-              <a:rPr lang="en-US" dirty="0"/>
-              <a:t>Collaboration with a large biotechnology firm to identify factors related to workforce attrition</a:t>
-            </a:r>
-          </a:p>
-          <a:p>
-            <a:r>
-              <a:rPr lang="en-US" dirty="0"/>
-              <a:t>Study of 1470 individuals</a:t>
-            </a:r>
-          </a:p>
-          <a:p>
-            <a:r>
-              <a:rPr lang="en-US" dirty="0"/>
-              <a:t>Current rate of attrition is 16% per year</a:t>
-            </a:r>
-          </a:p>
-          <a:p>
-            <a:r>
-              <a:rPr lang="en-US" dirty="0"/>
-              <a:t>Average estimated salary of employees leaving the company is about 50,000. </a:t>
-            </a:r>
-          </a:p>
-          <a:p>
-            <a:r>
-              <a:rPr lang="en-US" dirty="0"/>
-              <a:t>Estimated cost to replace employee is 10,000</a:t>
-            </a:r>
-          </a:p>
-          <a:p>
-            <a:r>
-              <a:rPr lang="en-US" dirty="0"/>
-              <a:t>Total estimated annual cost of attrition is 2.4 million dollars per year</a:t>
-            </a:r>
-          </a:p>
-          <a:p>
-            <a:pPr lvl="1"/>
-            <a:endParaRPr lang="en-US" dirty="0"/>
-          </a:p>
-        </p:txBody>
-      </p:sp>
-    </p:spTree>
-    <p:extLst>
-      <p:ext uri="{BB962C8B-B14F-4D97-AF65-F5344CB8AC3E}">
-        <p14:creationId xmlns:p14="http://schemas.microsoft.com/office/powerpoint/2010/main" val="2187596988"/>
-      </p:ext>
-    </p:extLst>
-  </p:cSld>
-  <p:clrMapOvr>
-    <a:masterClrMapping/>
-  </p:clrMapOvr>
-</p:sld>
-</file>
-
-<file path=ppt/slides/slide5.xml><?xml version="1.0" encoding="utf-8"?>
-<p:sld xmlns:a="http://schemas.openxmlformats.org/drawingml/2006/main" xmlns:r="http://schemas.openxmlformats.org/officeDocument/2006/relationships" xmlns:p="http://schemas.openxmlformats.org/presentationml/2006/main">
-  <p:cSld>
-    <p:spTree>
-      <p:nvGrpSpPr>
-        <p:cNvPr id="1" name=""/>
-        <p:cNvGrpSpPr/>
-        <p:nvPr/>
-      </p:nvGrpSpPr>
-      <p:grpSpPr>
-        <a:xfrm>
-          <a:off x="0" y="0"/>
-          <a:ext cx="0" cy="0"/>
-          <a:chOff x="0" y="0"/>
-          <a:chExt cx="0" cy="0"/>
-        </a:xfrm>
-      </p:grpSpPr>
-      <p:pic>
-        <p:nvPicPr>
-          <p:cNvPr id="4" name="Picture 3" descr="Related image">
-            <a:extLst>
-              <a:ext uri="{FF2B5EF4-FFF2-40B4-BE49-F238E27FC236}">
-                <a16:creationId xmlns:a16="http://schemas.microsoft.com/office/drawing/2014/main" id="{D500BC2D-2A7D-4DFA-BC58-80D7C10D5255}"/>
-              </a:ext>
-            </a:extLst>
-          </p:cNvPr>
-          <p:cNvPicPr>
-            <a:picLocks noChangeAspect="1" noChangeArrowheads="1"/>
-          </p:cNvPicPr>
-          <p:nvPr/>
-        </p:nvPicPr>
-        <p:blipFill>
-          <a:blip r:embed="rId2">
-            <a:extLst>
-              <a:ext uri="{28A0092B-C50C-407E-A947-70E740481C1C}">
-                <a14:useLocalDpi xmlns:a14="http://schemas.microsoft.com/office/drawing/2010/main" val="0"/>
-              </a:ext>
-            </a:extLst>
-          </a:blip>
-          <a:srcRect/>
-          <a:stretch>
-            <a:fillRect/>
-          </a:stretch>
-        </p:blipFill>
-        <p:spPr bwMode="auto">
-          <a:xfrm>
-            <a:off x="0" y="0"/>
-            <a:ext cx="12192000" cy="6858001"/>
-          </a:xfrm>
-          <a:prstGeom prst="rect">
-            <a:avLst/>
-          </a:prstGeom>
-          <a:noFill/>
-          <a:extLst>
-            <a:ext uri="{909E8E84-426E-40DD-AFC4-6F175D3DCCD1}">
-              <a14:hiddenFill xmlns:a14="http://schemas.microsoft.com/office/drawing/2010/main">
-                <a:solidFill>
-                  <a:srgbClr val="FFFFFF"/>
-                </a:solidFill>
-              </a14:hiddenFill>
-            </a:ext>
-          </a:extLst>
-        </p:spPr>
-      </p:pic>
-      <p:sp>
-        <p:nvSpPr>
-          <p:cNvPr id="2" name="Title 1">
-            <a:extLst>
-              <a:ext uri="{FF2B5EF4-FFF2-40B4-BE49-F238E27FC236}">
-                <a16:creationId xmlns:a16="http://schemas.microsoft.com/office/drawing/2014/main" id="{E553FC02-0877-48B9-9D47-39D33903ECFE}"/>
-              </a:ext>
-            </a:extLst>
-          </p:cNvPr>
-          <p:cNvSpPr>
-            <a:spLocks noGrp="1"/>
-          </p:cNvSpPr>
-          <p:nvPr>
-            <p:ph type="title"/>
-          </p:nvPr>
-        </p:nvSpPr>
-        <p:spPr>
-          <a:solidFill>
-            <a:schemeClr val="tx2">
-              <a:lumMod val="60000"/>
-              <a:lumOff val="40000"/>
-              <a:alpha val="85000"/>
-            </a:schemeClr>
-          </a:solidFill>
-        </p:spPr>
-        <p:txBody>
-          <a:bodyPr/>
-          <a:lstStyle/>
-          <a:p>
-            <a:r>
-              <a:rPr lang="en-US" dirty="0" err="1"/>
-              <a:t>DDSAnalytics</a:t>
-            </a:r>
-            <a:r>
-              <a:rPr lang="en-US" dirty="0"/>
-              <a:t> Study</a:t>
-            </a:r>
-          </a:p>
-        </p:txBody>
-      </p:sp>
-      <p:sp>
-        <p:nvSpPr>
-          <p:cNvPr id="3" name="Content Placeholder 2">
-            <a:extLst>
-              <a:ext uri="{FF2B5EF4-FFF2-40B4-BE49-F238E27FC236}">
-                <a16:creationId xmlns:a16="http://schemas.microsoft.com/office/drawing/2014/main" id="{FC4C5705-C88B-4566-9704-8394ED21A6B4}"/>
-              </a:ext>
-            </a:extLst>
-          </p:cNvPr>
-          <p:cNvSpPr>
-            <a:spLocks noGrp="1"/>
-          </p:cNvSpPr>
-          <p:nvPr>
-            <p:ph idx="1"/>
-          </p:nvPr>
-        </p:nvSpPr>
-        <p:spPr>
-          <a:xfrm>
-            <a:off x="838200" y="1825624"/>
-            <a:ext cx="10515600" cy="4667251"/>
-          </a:xfrm>
-          <a:solidFill>
-            <a:schemeClr val="tx2">
-              <a:lumMod val="20000"/>
-              <a:lumOff val="80000"/>
-              <a:alpha val="85000"/>
-            </a:schemeClr>
-          </a:solidFill>
-        </p:spPr>
-        <p:txBody>
-          <a:bodyPr>
-            <a:normAutofit fontScale="92500" lnSpcReduction="10000"/>
-          </a:bodyPr>
-          <a:lstStyle/>
-          <a:p>
-            <a:r>
-              <a:rPr lang="en-US" dirty="0"/>
-              <a:t>Variables considered in this study</a:t>
-            </a:r>
-          </a:p>
-          <a:p>
-            <a:pPr lvl="1"/>
-            <a:r>
-              <a:rPr lang="en-US" dirty="0"/>
-              <a:t>Person variables</a:t>
-            </a:r>
-          </a:p>
-          <a:p>
-            <a:pPr lvl="2"/>
-            <a:r>
-              <a:rPr lang="en-US" dirty="0"/>
-              <a:t>Sex, marital status, age, commute distance, education level, education field, number of previous employers, total years working, years at company</a:t>
-            </a:r>
-          </a:p>
-          <a:p>
-            <a:pPr lvl="1"/>
-            <a:r>
-              <a:rPr lang="en-US" dirty="0"/>
-              <a:t>Job factors</a:t>
-            </a:r>
-          </a:p>
-          <a:p>
-            <a:pPr lvl="2"/>
-            <a:r>
-              <a:rPr lang="en-US" dirty="0"/>
-              <a:t>Business travel, department, job level, job role, over time worked, years in current role, years with current manager</a:t>
-            </a:r>
-          </a:p>
-          <a:p>
-            <a:pPr lvl="1"/>
-            <a:r>
-              <a:rPr lang="en-US" dirty="0"/>
-              <a:t>Benefits and Inducements</a:t>
-            </a:r>
-          </a:p>
-          <a:p>
-            <a:pPr lvl="2"/>
-            <a:r>
-              <a:rPr lang="en-US" dirty="0"/>
-              <a:t>Monthly income, percent salary hike, stock option level, training opportunities, years since last promotion </a:t>
-            </a:r>
-          </a:p>
-          <a:p>
-            <a:pPr lvl="1"/>
-            <a:r>
-              <a:rPr lang="en-US" dirty="0"/>
-              <a:t>Attitude Toward Job/Employer</a:t>
-            </a:r>
-          </a:p>
-          <a:p>
-            <a:pPr lvl="2"/>
-            <a:r>
-              <a:rPr lang="en-US" dirty="0"/>
-              <a:t>Satisfaction with work environment, job involvement, job satisfaction, satisfaction with work relationships, work life balance </a:t>
-            </a:r>
-          </a:p>
-          <a:p>
-            <a:pPr lvl="1"/>
-            <a:r>
-              <a:rPr lang="en-US" dirty="0"/>
-              <a:t>Other</a:t>
-            </a:r>
-          </a:p>
-          <a:p>
-            <a:pPr lvl="2"/>
-            <a:r>
-              <a:rPr lang="en-US" dirty="0"/>
-              <a:t>Daily rate, monthly rate, performance rating</a:t>
-            </a:r>
-          </a:p>
-          <a:p>
-            <a:pPr lvl="2"/>
-            <a:endParaRPr lang="en-US" dirty="0"/>
-          </a:p>
-          <a:p>
-            <a:pPr lvl="1"/>
-            <a:endParaRPr lang="en-US" dirty="0"/>
-          </a:p>
-          <a:p>
-            <a:pPr lvl="1"/>
-            <a:endParaRPr lang="en-US" dirty="0"/>
-          </a:p>
-          <a:p>
-            <a:pPr lvl="2"/>
-            <a:endParaRPr lang="en-US" dirty="0"/>
-          </a:p>
-          <a:p>
-            <a:pPr lvl="1"/>
-            <a:endParaRPr lang="en-US" dirty="0"/>
-          </a:p>
-        </p:txBody>
-      </p:sp>
-    </p:spTree>
-    <p:extLst>
-      <p:ext uri="{BB962C8B-B14F-4D97-AF65-F5344CB8AC3E}">
-        <p14:creationId xmlns:p14="http://schemas.microsoft.com/office/powerpoint/2010/main" val="1912457082"/>
-      </p:ext>
-    </p:extLst>
-  </p:cSld>
-  <p:clrMapOvr>
-    <a:masterClrMapping/>
-  </p:clrMapOvr>
-</p:sld>
-</file>
-
-<file path=ppt/slides/slide6.xml><?xml version="1.0" encoding="utf-8"?>
+<file path=ppt/slides/slide13.xml><?xml version="1.0" encoding="utf-8"?>
 <p:sld xmlns:a="http://schemas.openxmlformats.org/drawingml/2006/main" xmlns:r="http://schemas.openxmlformats.org/officeDocument/2006/relationships" xmlns:p="http://schemas.openxmlformats.org/presentationml/2006/main">
   <p:cSld>
     <p:spTree>
@@ -6512,7 +4756,7 @@
 </p:sld>
 </file>
 
-<file path=ppt/slides/slide7.xml><?xml version="1.0" encoding="utf-8"?>
+<file path=ppt/slides/slide14.xml><?xml version="1.0" encoding="utf-8"?>
 <p:sld xmlns:a="http://schemas.openxmlformats.org/drawingml/2006/main" xmlns:r="http://schemas.openxmlformats.org/officeDocument/2006/relationships" xmlns:p="http://schemas.openxmlformats.org/presentationml/2006/main">
   <p:cSld>
     <p:spTree>
@@ -6973,7 +5217,7 @@
 </p:sld>
 </file>
 
-<file path=ppt/slides/slide8.xml><?xml version="1.0" encoding="utf-8"?>
+<file path=ppt/slides/slide15.xml><?xml version="1.0" encoding="utf-8"?>
 <p:sld xmlns:a="http://schemas.openxmlformats.org/drawingml/2006/main" xmlns:r="http://schemas.openxmlformats.org/officeDocument/2006/relationships" xmlns:p="http://schemas.openxmlformats.org/presentationml/2006/main">
   <p:cSld>
     <p:spTree>
@@ -8466,7 +6710,7 @@
 </p:sld>
 </file>
 
-<file path=ppt/slides/slide9.xml><?xml version="1.0" encoding="utf-8"?>
+<file path=ppt/slides/slide16.xml><?xml version="1.0" encoding="utf-8"?>
 <p:sld xmlns:a="http://schemas.openxmlformats.org/drawingml/2006/main" xmlns:r="http://schemas.openxmlformats.org/officeDocument/2006/relationships" xmlns:p="http://schemas.openxmlformats.org/presentationml/2006/main">
   <p:cSld>
     <p:spTree>
@@ -8693,6 +6937,1762 @@
     <p:extLst>
       <p:ext uri="{BB962C8B-B14F-4D97-AF65-F5344CB8AC3E}">
         <p14:creationId xmlns:p14="http://schemas.microsoft.com/office/powerpoint/2010/main" val="3888849577"/>
+      </p:ext>
+    </p:extLst>
+  </p:cSld>
+  <p:clrMapOvr>
+    <a:masterClrMapping/>
+  </p:clrMapOvr>
+</p:sld>
+</file>
+
+<file path=ppt/slides/slide2.xml><?xml version="1.0" encoding="utf-8"?>
+<p:sld xmlns:a="http://schemas.openxmlformats.org/drawingml/2006/main" xmlns:r="http://schemas.openxmlformats.org/officeDocument/2006/relationships" xmlns:p="http://schemas.openxmlformats.org/presentationml/2006/main">
+  <p:cSld>
+    <p:spTree>
+      <p:nvGrpSpPr>
+        <p:cNvPr id="1" name=""/>
+        <p:cNvGrpSpPr/>
+        <p:nvPr/>
+      </p:nvGrpSpPr>
+      <p:grpSpPr>
+        <a:xfrm>
+          <a:off x="0" y="0"/>
+          <a:ext cx="0" cy="0"/>
+          <a:chOff x="0" y="0"/>
+          <a:chExt cx="0" cy="0"/>
+        </a:xfrm>
+      </p:grpSpPr>
+      <p:pic>
+        <p:nvPicPr>
+          <p:cNvPr id="8" name="Picture 7" descr="Related image">
+            <a:extLst>
+              <a:ext uri="{FF2B5EF4-FFF2-40B4-BE49-F238E27FC236}">
+                <a16:creationId xmlns:a16="http://schemas.microsoft.com/office/drawing/2014/main" id="{9FD1B11E-A4F2-45B0-9F7F-11D6634C3212}"/>
+              </a:ext>
+            </a:extLst>
+          </p:cNvPr>
+          <p:cNvPicPr>
+            <a:picLocks noChangeAspect="1" noChangeArrowheads="1"/>
+          </p:cNvPicPr>
+          <p:nvPr/>
+        </p:nvPicPr>
+        <p:blipFill>
+          <a:blip r:embed="rId2">
+            <a:extLst>
+              <a:ext uri="{28A0092B-C50C-407E-A947-70E740481C1C}">
+                <a14:useLocalDpi xmlns:a14="http://schemas.microsoft.com/office/drawing/2010/main" val="0"/>
+              </a:ext>
+            </a:extLst>
+          </a:blip>
+          <a:srcRect/>
+          <a:stretch>
+            <a:fillRect/>
+          </a:stretch>
+        </p:blipFill>
+        <p:spPr bwMode="auto">
+          <a:xfrm>
+            <a:off x="0" y="0"/>
+            <a:ext cx="12192000" cy="6858001"/>
+          </a:xfrm>
+          <a:prstGeom prst="rect">
+            <a:avLst/>
+          </a:prstGeom>
+          <a:noFill/>
+          <a:extLst>
+            <a:ext uri="{909E8E84-426E-40DD-AFC4-6F175D3DCCD1}">
+              <a14:hiddenFill xmlns:a14="http://schemas.microsoft.com/office/drawing/2010/main">
+                <a:solidFill>
+                  <a:srgbClr val="FFFFFF"/>
+                </a:solidFill>
+              </a14:hiddenFill>
+            </a:ext>
+          </a:extLst>
+        </p:spPr>
+      </p:pic>
+      <p:pic>
+        <p:nvPicPr>
+          <p:cNvPr id="1028" name="Picture 4" descr="Image result for free images of money going down drain">
+            <a:extLst>
+              <a:ext uri="{FF2B5EF4-FFF2-40B4-BE49-F238E27FC236}">
+                <a16:creationId xmlns:a16="http://schemas.microsoft.com/office/drawing/2014/main" id="{420E0BB0-3472-429D-9FA9-4B8ABE5816E2}"/>
+              </a:ext>
+            </a:extLst>
+          </p:cNvPr>
+          <p:cNvPicPr>
+            <a:picLocks noChangeAspect="1" noChangeArrowheads="1"/>
+          </p:cNvPicPr>
+          <p:nvPr/>
+        </p:nvPicPr>
+        <p:blipFill>
+          <a:blip r:embed="rId3">
+            <a:extLst>
+              <a:ext uri="{28A0092B-C50C-407E-A947-70E740481C1C}">
+                <a14:useLocalDpi xmlns:a14="http://schemas.microsoft.com/office/drawing/2010/main" val="0"/>
+              </a:ext>
+            </a:extLst>
+          </a:blip>
+          <a:srcRect/>
+          <a:stretch>
+            <a:fillRect/>
+          </a:stretch>
+        </p:blipFill>
+        <p:spPr bwMode="auto">
+          <a:xfrm>
+            <a:off x="8667345" y="365125"/>
+            <a:ext cx="3278792" cy="5773027"/>
+          </a:xfrm>
+          <a:prstGeom prst="rect">
+            <a:avLst/>
+          </a:prstGeom>
+          <a:solidFill>
+            <a:schemeClr val="accent1">
+              <a:alpha val="34000"/>
+            </a:schemeClr>
+          </a:solidFill>
+        </p:spPr>
+      </p:pic>
+      <p:sp>
+        <p:nvSpPr>
+          <p:cNvPr id="2" name="Title 1">
+            <a:extLst>
+              <a:ext uri="{FF2B5EF4-FFF2-40B4-BE49-F238E27FC236}">
+                <a16:creationId xmlns:a16="http://schemas.microsoft.com/office/drawing/2014/main" id="{80552E8E-C5E4-4342-BDE4-A9B0319C2C6A}"/>
+              </a:ext>
+            </a:extLst>
+          </p:cNvPr>
+          <p:cNvSpPr>
+            <a:spLocks noGrp="1"/>
+          </p:cNvSpPr>
+          <p:nvPr>
+            <p:ph type="title"/>
+          </p:nvPr>
+        </p:nvSpPr>
+        <p:spPr>
+          <a:xfrm>
+            <a:off x="838199" y="365125"/>
+            <a:ext cx="7585953" cy="1325563"/>
+          </a:xfrm>
+          <a:solidFill>
+            <a:srgbClr val="FF0000">
+              <a:alpha val="71000"/>
+            </a:srgbClr>
+          </a:solidFill>
+        </p:spPr>
+        <p:txBody>
+          <a:bodyPr/>
+          <a:lstStyle/>
+          <a:p>
+            <a:r>
+              <a:rPr lang="en-US" dirty="0"/>
+              <a:t>High Cost of Job Turnover</a:t>
+            </a:r>
+          </a:p>
+        </p:txBody>
+      </p:sp>
+      <p:sp>
+        <p:nvSpPr>
+          <p:cNvPr id="4" name="Content Placeholder 3">
+            <a:extLst>
+              <a:ext uri="{FF2B5EF4-FFF2-40B4-BE49-F238E27FC236}">
+                <a16:creationId xmlns:a16="http://schemas.microsoft.com/office/drawing/2014/main" id="{AC92D3F0-BE65-4FFD-9FE9-BA85E30C0898}"/>
+              </a:ext>
+            </a:extLst>
+          </p:cNvPr>
+          <p:cNvSpPr>
+            <a:spLocks noGrp="1"/>
+          </p:cNvSpPr>
+          <p:nvPr>
+            <p:ph idx="1"/>
+          </p:nvPr>
+        </p:nvSpPr>
+        <p:spPr>
+          <a:xfrm>
+            <a:off x="838199" y="1825625"/>
+            <a:ext cx="7585954" cy="4234707"/>
+          </a:xfrm>
+          <a:solidFill>
+            <a:schemeClr val="tx2">
+              <a:lumMod val="20000"/>
+              <a:lumOff val="80000"/>
+              <a:alpha val="76000"/>
+            </a:schemeClr>
+          </a:solidFill>
+        </p:spPr>
+        <p:txBody>
+          <a:bodyPr>
+            <a:normAutofit/>
+          </a:bodyPr>
+          <a:lstStyle/>
+          <a:p>
+            <a:pPr marL="0" indent="0">
+              <a:buNone/>
+            </a:pPr>
+            <a:r>
+              <a:rPr lang="en-US" dirty="0"/>
+              <a:t>• </a:t>
+            </a:r>
+            <a:r>
+              <a:rPr lang="en-US" sz="2600" dirty="0"/>
+              <a:t>Meta-Analysis performed by the Center for American Progress (2012)</a:t>
+            </a:r>
+          </a:p>
+          <a:p>
+            <a:pPr marL="0" indent="0">
+              <a:buNone/>
+            </a:pPr>
+            <a:r>
+              <a:rPr lang="en-US" dirty="0"/>
+              <a:t>• Jobs that require very specific skills average cost of turnover was 21 percent of an employee’s annual salary</a:t>
+            </a:r>
+          </a:p>
+          <a:p>
+            <a:pPr marL="0" indent="0">
+              <a:buNone/>
+            </a:pPr>
+            <a:r>
+              <a:rPr lang="en-US" dirty="0"/>
+              <a:t>• Most workers earn $75,000 or less, the cost is roughly 20% or $15,000 at the higher end</a:t>
+            </a:r>
+          </a:p>
+          <a:p>
+            <a:pPr marL="0" indent="0">
+              <a:buNone/>
+            </a:pPr>
+            <a:r>
+              <a:rPr lang="en-US" dirty="0"/>
+              <a:t>• Low wage earners of $30,000 or less cost 16% of their income to replace roughly $4800</a:t>
+            </a:r>
+          </a:p>
+          <a:p>
+            <a:pPr marL="0" indent="0">
+              <a:buNone/>
+            </a:pPr>
+            <a:endParaRPr lang="en-US" dirty="0"/>
+          </a:p>
+        </p:txBody>
+      </p:sp>
+      <p:sp>
+        <p:nvSpPr>
+          <p:cNvPr id="5" name="TextBox 4">
+            <a:extLst>
+              <a:ext uri="{FF2B5EF4-FFF2-40B4-BE49-F238E27FC236}">
+                <a16:creationId xmlns:a16="http://schemas.microsoft.com/office/drawing/2014/main" id="{D884E9BE-9745-418E-AC02-E24C72C57C6B}"/>
+              </a:ext>
+            </a:extLst>
+          </p:cNvPr>
+          <p:cNvSpPr txBox="1"/>
+          <p:nvPr/>
+        </p:nvSpPr>
+        <p:spPr>
+          <a:xfrm>
+            <a:off x="739302" y="6138152"/>
+            <a:ext cx="7684850" cy="276999"/>
+          </a:xfrm>
+          <a:prstGeom prst="rect">
+            <a:avLst/>
+          </a:prstGeom>
+          <a:noFill/>
+        </p:spPr>
+        <p:txBody>
+          <a:bodyPr wrap="square" rtlCol="0">
+            <a:spAutoFit/>
+          </a:bodyPr>
+          <a:lstStyle/>
+          <a:p>
+            <a:r>
+              <a:rPr lang="en-US" sz="1200" dirty="0">
+                <a:hlinkClick r:id="rId4"/>
+              </a:rPr>
+              <a:t>Link to study: https://www.americanprogress.org/wp-content/uploads/2012/11/CostofTurnover.pdf</a:t>
+            </a:r>
+            <a:endParaRPr lang="en-US" sz="1200" dirty="0"/>
+          </a:p>
+        </p:txBody>
+      </p:sp>
+    </p:spTree>
+    <p:extLst>
+      <p:ext uri="{BB962C8B-B14F-4D97-AF65-F5344CB8AC3E}">
+        <p14:creationId xmlns:p14="http://schemas.microsoft.com/office/powerpoint/2010/main" val="3557116726"/>
+      </p:ext>
+    </p:extLst>
+  </p:cSld>
+  <p:clrMapOvr>
+    <a:masterClrMapping/>
+  </p:clrMapOvr>
+</p:sld>
+</file>
+
+<file path=ppt/slides/slide3.xml><?xml version="1.0" encoding="utf-8"?>
+<p:sld xmlns:a="http://schemas.openxmlformats.org/drawingml/2006/main" xmlns:r="http://schemas.openxmlformats.org/officeDocument/2006/relationships" xmlns:p="http://schemas.openxmlformats.org/presentationml/2006/main">
+  <p:cSld>
+    <p:spTree>
+      <p:nvGrpSpPr>
+        <p:cNvPr id="1" name=""/>
+        <p:cNvGrpSpPr/>
+        <p:nvPr/>
+      </p:nvGrpSpPr>
+      <p:grpSpPr>
+        <a:xfrm>
+          <a:off x="0" y="0"/>
+          <a:ext cx="0" cy="0"/>
+          <a:chOff x="0" y="0"/>
+          <a:chExt cx="0" cy="0"/>
+        </a:xfrm>
+      </p:grpSpPr>
+      <p:pic>
+        <p:nvPicPr>
+          <p:cNvPr id="4" name="Picture 3" descr="Related image">
+            <a:extLst>
+              <a:ext uri="{FF2B5EF4-FFF2-40B4-BE49-F238E27FC236}">
+                <a16:creationId xmlns:a16="http://schemas.microsoft.com/office/drawing/2014/main" id="{D500BC2D-2A7D-4DFA-BC58-80D7C10D5255}"/>
+              </a:ext>
+            </a:extLst>
+          </p:cNvPr>
+          <p:cNvPicPr>
+            <a:picLocks noChangeAspect="1" noChangeArrowheads="1"/>
+          </p:cNvPicPr>
+          <p:nvPr/>
+        </p:nvPicPr>
+        <p:blipFill>
+          <a:blip r:embed="rId2">
+            <a:extLst>
+              <a:ext uri="{28A0092B-C50C-407E-A947-70E740481C1C}">
+                <a14:useLocalDpi xmlns:a14="http://schemas.microsoft.com/office/drawing/2010/main" val="0"/>
+              </a:ext>
+            </a:extLst>
+          </a:blip>
+          <a:srcRect/>
+          <a:stretch>
+            <a:fillRect/>
+          </a:stretch>
+        </p:blipFill>
+        <p:spPr bwMode="auto">
+          <a:xfrm>
+            <a:off x="0" y="0"/>
+            <a:ext cx="12192000" cy="6858001"/>
+          </a:xfrm>
+          <a:prstGeom prst="rect">
+            <a:avLst/>
+          </a:prstGeom>
+          <a:noFill/>
+          <a:extLst>
+            <a:ext uri="{909E8E84-426E-40DD-AFC4-6F175D3DCCD1}">
+              <a14:hiddenFill xmlns:a14="http://schemas.microsoft.com/office/drawing/2010/main">
+                <a:solidFill>
+                  <a:srgbClr val="FFFFFF"/>
+                </a:solidFill>
+              </a14:hiddenFill>
+            </a:ext>
+          </a:extLst>
+        </p:spPr>
+      </p:pic>
+      <p:sp>
+        <p:nvSpPr>
+          <p:cNvPr id="2" name="Title 1">
+            <a:extLst>
+              <a:ext uri="{FF2B5EF4-FFF2-40B4-BE49-F238E27FC236}">
+                <a16:creationId xmlns:a16="http://schemas.microsoft.com/office/drawing/2014/main" id="{E553FC02-0877-48B9-9D47-39D33903ECFE}"/>
+              </a:ext>
+            </a:extLst>
+          </p:cNvPr>
+          <p:cNvSpPr>
+            <a:spLocks noGrp="1"/>
+          </p:cNvSpPr>
+          <p:nvPr>
+            <p:ph type="title"/>
+          </p:nvPr>
+        </p:nvSpPr>
+        <p:spPr>
+          <a:solidFill>
+            <a:schemeClr val="tx2">
+              <a:lumMod val="60000"/>
+              <a:lumOff val="40000"/>
+              <a:alpha val="85000"/>
+            </a:schemeClr>
+          </a:solidFill>
+        </p:spPr>
+        <p:txBody>
+          <a:bodyPr/>
+          <a:lstStyle/>
+          <a:p>
+            <a:r>
+              <a:rPr lang="en-US" dirty="0"/>
+              <a:t>Factors Predicting Turnover - Research</a:t>
+            </a:r>
+          </a:p>
+        </p:txBody>
+      </p:sp>
+      <p:sp>
+        <p:nvSpPr>
+          <p:cNvPr id="3" name="Content Placeholder 2">
+            <a:extLst>
+              <a:ext uri="{FF2B5EF4-FFF2-40B4-BE49-F238E27FC236}">
+                <a16:creationId xmlns:a16="http://schemas.microsoft.com/office/drawing/2014/main" id="{FC4C5705-C88B-4566-9704-8394ED21A6B4}"/>
+              </a:ext>
+            </a:extLst>
+          </p:cNvPr>
+          <p:cNvSpPr>
+            <a:spLocks noGrp="1"/>
+          </p:cNvSpPr>
+          <p:nvPr>
+            <p:ph idx="1"/>
+          </p:nvPr>
+        </p:nvSpPr>
+        <p:spPr>
+          <a:xfrm>
+            <a:off x="838200" y="1825625"/>
+            <a:ext cx="10515600" cy="4254162"/>
+          </a:xfrm>
+          <a:solidFill>
+            <a:schemeClr val="tx2">
+              <a:lumMod val="20000"/>
+              <a:lumOff val="80000"/>
+              <a:alpha val="85000"/>
+            </a:schemeClr>
+          </a:solidFill>
+        </p:spPr>
+        <p:txBody>
+          <a:bodyPr>
+            <a:normAutofit fontScale="92500" lnSpcReduction="20000"/>
+          </a:bodyPr>
+          <a:lstStyle/>
+          <a:p>
+            <a:r>
+              <a:rPr lang="en-US" dirty="0" err="1"/>
+              <a:t>Heavey</a:t>
+            </a:r>
+            <a:r>
+              <a:rPr lang="en-US" dirty="0"/>
+              <a:t>, Holwerda&amp; </a:t>
+            </a:r>
+            <a:r>
+              <a:rPr lang="en-US" dirty="0" err="1"/>
+              <a:t>Haudknecht</a:t>
+            </a:r>
+            <a:r>
+              <a:rPr lang="en-US" dirty="0"/>
+              <a:t> (2013) Meta-Analysis</a:t>
+            </a:r>
+          </a:p>
+          <a:p>
+            <a:pPr lvl="1"/>
+            <a:r>
+              <a:rPr lang="en-US" dirty="0"/>
+              <a:t>HR-inducements related to less turnover</a:t>
+            </a:r>
+          </a:p>
+          <a:p>
+            <a:pPr lvl="2"/>
+            <a:r>
+              <a:rPr lang="en-US" dirty="0"/>
+              <a:t>Benefits, internal mobility, relative pay, rates of promotion, and training opportunities</a:t>
+            </a:r>
+          </a:p>
+          <a:p>
+            <a:pPr lvl="1"/>
+            <a:r>
+              <a:rPr lang="en-US" dirty="0"/>
+              <a:t>Attitudes-related to less turnover</a:t>
+            </a:r>
+          </a:p>
+          <a:p>
+            <a:pPr lvl="2"/>
+            <a:r>
+              <a:rPr lang="en-US" dirty="0"/>
+              <a:t>Job Satisfaction</a:t>
+            </a:r>
+          </a:p>
+          <a:p>
+            <a:pPr lvl="1"/>
+            <a:r>
+              <a:rPr lang="en-US" dirty="0"/>
+              <a:t>Relationships-reduce turnover</a:t>
+            </a:r>
+          </a:p>
+          <a:p>
+            <a:pPr lvl="2"/>
+            <a:r>
+              <a:rPr lang="en-US" dirty="0"/>
+              <a:t>Supervisor relationship</a:t>
+            </a:r>
+          </a:p>
+          <a:p>
+            <a:pPr lvl="1"/>
+            <a:r>
+              <a:rPr lang="en-US" dirty="0"/>
+              <a:t>Other factors</a:t>
+            </a:r>
+          </a:p>
+          <a:p>
+            <a:pPr lvl="2"/>
+            <a:r>
+              <a:rPr lang="en-US" dirty="0"/>
+              <a:t>Average age of employees – older indicates less turnover, average age of years working at employer-longer indicates less turnover</a:t>
+            </a:r>
+          </a:p>
+          <a:p>
+            <a:pPr lvl="2"/>
+            <a:r>
+              <a:rPr lang="en-US" dirty="0"/>
+              <a:t>Higher numbers of female employees associated with more overall turnover</a:t>
+            </a:r>
+          </a:p>
+          <a:p>
+            <a:pPr lvl="1"/>
+            <a:r>
+              <a:rPr lang="en-US" dirty="0"/>
+              <a:t>Turnover impact</a:t>
+            </a:r>
+          </a:p>
+          <a:p>
+            <a:pPr lvl="2"/>
+            <a:r>
+              <a:rPr lang="en-US" dirty="0"/>
+              <a:t>Lower customer satisfaction, lower profit margin, reduced efficiency (sales/production), and increased errors</a:t>
+            </a:r>
+          </a:p>
+          <a:p>
+            <a:pPr lvl="1"/>
+            <a:endParaRPr lang="en-US" dirty="0"/>
+          </a:p>
+        </p:txBody>
+      </p:sp>
+      <p:sp>
+        <p:nvSpPr>
+          <p:cNvPr id="5" name="TextBox 4">
+            <a:extLst>
+              <a:ext uri="{FF2B5EF4-FFF2-40B4-BE49-F238E27FC236}">
+                <a16:creationId xmlns:a16="http://schemas.microsoft.com/office/drawing/2014/main" id="{ED9C36ED-7BF7-4385-A680-AD870ACBB843}"/>
+              </a:ext>
+            </a:extLst>
+          </p:cNvPr>
+          <p:cNvSpPr txBox="1"/>
+          <p:nvPr/>
+        </p:nvSpPr>
+        <p:spPr>
+          <a:xfrm>
+            <a:off x="838200" y="6250341"/>
+            <a:ext cx="10515600" cy="276999"/>
+          </a:xfrm>
+          <a:prstGeom prst="rect">
+            <a:avLst/>
+          </a:prstGeom>
+          <a:solidFill>
+            <a:schemeClr val="tx2">
+              <a:lumMod val="20000"/>
+              <a:lumOff val="80000"/>
+              <a:alpha val="85000"/>
+            </a:schemeClr>
+          </a:solidFill>
+        </p:spPr>
+        <p:txBody>
+          <a:bodyPr wrap="square" rtlCol="0">
+            <a:spAutoFit/>
+          </a:bodyPr>
+          <a:lstStyle/>
+          <a:p>
+            <a:r>
+              <a:rPr lang="en-US" sz="1200" dirty="0" err="1"/>
+              <a:t>Heavey</a:t>
+            </a:r>
+            <a:r>
+              <a:rPr lang="en-US" sz="1200" dirty="0"/>
+              <a:t>, Holwerda&amp; </a:t>
+            </a:r>
+            <a:r>
+              <a:rPr lang="en-US" sz="1200" dirty="0" err="1"/>
+              <a:t>Haudknecht</a:t>
+            </a:r>
+            <a:r>
+              <a:rPr lang="en-US" sz="1200" dirty="0"/>
+              <a:t> (2013) Causes and Consequences of Collective Turnover: A Meta-Analytic Review. http://digitalcommons.ilr.cornell.edu/articles</a:t>
+            </a:r>
+          </a:p>
+        </p:txBody>
+      </p:sp>
+    </p:spTree>
+    <p:extLst>
+      <p:ext uri="{BB962C8B-B14F-4D97-AF65-F5344CB8AC3E}">
+        <p14:creationId xmlns:p14="http://schemas.microsoft.com/office/powerpoint/2010/main" val="665839205"/>
+      </p:ext>
+    </p:extLst>
+  </p:cSld>
+  <p:clrMapOvr>
+    <a:masterClrMapping/>
+  </p:clrMapOvr>
+</p:sld>
+</file>
+
+<file path=ppt/slides/slide4.xml><?xml version="1.0" encoding="utf-8"?>
+<p:sld xmlns:a="http://schemas.openxmlformats.org/drawingml/2006/main" xmlns:r="http://schemas.openxmlformats.org/officeDocument/2006/relationships" xmlns:p="http://schemas.openxmlformats.org/presentationml/2006/main">
+  <p:cSld>
+    <p:spTree>
+      <p:nvGrpSpPr>
+        <p:cNvPr id="1" name=""/>
+        <p:cNvGrpSpPr/>
+        <p:nvPr/>
+      </p:nvGrpSpPr>
+      <p:grpSpPr>
+        <a:xfrm>
+          <a:off x="0" y="0"/>
+          <a:ext cx="0" cy="0"/>
+          <a:chOff x="0" y="0"/>
+          <a:chExt cx="0" cy="0"/>
+        </a:xfrm>
+      </p:grpSpPr>
+      <p:pic>
+        <p:nvPicPr>
+          <p:cNvPr id="4" name="Picture 3" descr="Related image">
+            <a:extLst>
+              <a:ext uri="{FF2B5EF4-FFF2-40B4-BE49-F238E27FC236}">
+                <a16:creationId xmlns:a16="http://schemas.microsoft.com/office/drawing/2014/main" id="{D500BC2D-2A7D-4DFA-BC58-80D7C10D5255}"/>
+              </a:ext>
+            </a:extLst>
+          </p:cNvPr>
+          <p:cNvPicPr>
+            <a:picLocks noChangeAspect="1" noChangeArrowheads="1"/>
+          </p:cNvPicPr>
+          <p:nvPr/>
+        </p:nvPicPr>
+        <p:blipFill>
+          <a:blip r:embed="rId2">
+            <a:extLst>
+              <a:ext uri="{28A0092B-C50C-407E-A947-70E740481C1C}">
+                <a14:useLocalDpi xmlns:a14="http://schemas.microsoft.com/office/drawing/2010/main" val="0"/>
+              </a:ext>
+            </a:extLst>
+          </a:blip>
+          <a:srcRect/>
+          <a:stretch>
+            <a:fillRect/>
+          </a:stretch>
+        </p:blipFill>
+        <p:spPr bwMode="auto">
+          <a:xfrm>
+            <a:off x="0" y="0"/>
+            <a:ext cx="12192000" cy="6858001"/>
+          </a:xfrm>
+          <a:prstGeom prst="rect">
+            <a:avLst/>
+          </a:prstGeom>
+          <a:noFill/>
+          <a:extLst>
+            <a:ext uri="{909E8E84-426E-40DD-AFC4-6F175D3DCCD1}">
+              <a14:hiddenFill xmlns:a14="http://schemas.microsoft.com/office/drawing/2010/main">
+                <a:solidFill>
+                  <a:srgbClr val="FFFFFF"/>
+                </a:solidFill>
+              </a14:hiddenFill>
+            </a:ext>
+          </a:extLst>
+        </p:spPr>
+      </p:pic>
+      <p:sp>
+        <p:nvSpPr>
+          <p:cNvPr id="2" name="Title 1">
+            <a:extLst>
+              <a:ext uri="{FF2B5EF4-FFF2-40B4-BE49-F238E27FC236}">
+                <a16:creationId xmlns:a16="http://schemas.microsoft.com/office/drawing/2014/main" id="{E553FC02-0877-48B9-9D47-39D33903ECFE}"/>
+              </a:ext>
+            </a:extLst>
+          </p:cNvPr>
+          <p:cNvSpPr>
+            <a:spLocks noGrp="1"/>
+          </p:cNvSpPr>
+          <p:nvPr>
+            <p:ph type="title"/>
+          </p:nvPr>
+        </p:nvSpPr>
+        <p:spPr>
+          <a:solidFill>
+            <a:schemeClr val="tx2">
+              <a:lumMod val="60000"/>
+              <a:lumOff val="40000"/>
+              <a:alpha val="85000"/>
+            </a:schemeClr>
+          </a:solidFill>
+        </p:spPr>
+        <p:txBody>
+          <a:bodyPr/>
+          <a:lstStyle/>
+          <a:p>
+            <a:r>
+              <a:rPr lang="en-US" dirty="0" err="1"/>
+              <a:t>DDSAnalytics</a:t>
+            </a:r>
+            <a:r>
+              <a:rPr lang="en-US" dirty="0"/>
+              <a:t> Study</a:t>
+            </a:r>
+          </a:p>
+        </p:txBody>
+      </p:sp>
+      <p:sp>
+        <p:nvSpPr>
+          <p:cNvPr id="3" name="Content Placeholder 2">
+            <a:extLst>
+              <a:ext uri="{FF2B5EF4-FFF2-40B4-BE49-F238E27FC236}">
+                <a16:creationId xmlns:a16="http://schemas.microsoft.com/office/drawing/2014/main" id="{FC4C5705-C88B-4566-9704-8394ED21A6B4}"/>
+              </a:ext>
+            </a:extLst>
+          </p:cNvPr>
+          <p:cNvSpPr>
+            <a:spLocks noGrp="1"/>
+          </p:cNvSpPr>
+          <p:nvPr>
+            <p:ph idx="1"/>
+          </p:nvPr>
+        </p:nvSpPr>
+        <p:spPr>
+          <a:xfrm>
+            <a:off x="838200" y="1825625"/>
+            <a:ext cx="10515600" cy="4254162"/>
+          </a:xfrm>
+          <a:solidFill>
+            <a:schemeClr val="tx2">
+              <a:lumMod val="20000"/>
+              <a:lumOff val="80000"/>
+              <a:alpha val="85000"/>
+            </a:schemeClr>
+          </a:solidFill>
+        </p:spPr>
+        <p:txBody>
+          <a:bodyPr>
+            <a:normAutofit/>
+          </a:bodyPr>
+          <a:lstStyle/>
+          <a:p>
+            <a:r>
+              <a:rPr lang="en-US" dirty="0"/>
+              <a:t>Collaboration with a large biotechnology firm to identify factors related to workforce attrition</a:t>
+            </a:r>
+          </a:p>
+          <a:p>
+            <a:r>
+              <a:rPr lang="en-US" dirty="0"/>
+              <a:t>Study of 1470 individuals</a:t>
+            </a:r>
+          </a:p>
+          <a:p>
+            <a:r>
+              <a:rPr lang="en-US" dirty="0"/>
+              <a:t>Current rate of attrition is 16% per year</a:t>
+            </a:r>
+          </a:p>
+          <a:p>
+            <a:r>
+              <a:rPr lang="en-US" dirty="0"/>
+              <a:t>Average estimated salary of employees leaving the company is about 50,000. </a:t>
+            </a:r>
+          </a:p>
+          <a:p>
+            <a:r>
+              <a:rPr lang="en-US" dirty="0"/>
+              <a:t>Estimated cost to replace employee is 10,000</a:t>
+            </a:r>
+          </a:p>
+          <a:p>
+            <a:r>
+              <a:rPr lang="en-US" dirty="0"/>
+              <a:t>Total estimated annual cost of attrition is 2.4 million dollars per year</a:t>
+            </a:r>
+          </a:p>
+          <a:p>
+            <a:pPr lvl="1"/>
+            <a:endParaRPr lang="en-US" dirty="0"/>
+          </a:p>
+        </p:txBody>
+      </p:sp>
+    </p:spTree>
+    <p:extLst>
+      <p:ext uri="{BB962C8B-B14F-4D97-AF65-F5344CB8AC3E}">
+        <p14:creationId xmlns:p14="http://schemas.microsoft.com/office/powerpoint/2010/main" val="2187596988"/>
+      </p:ext>
+    </p:extLst>
+  </p:cSld>
+  <p:clrMapOvr>
+    <a:masterClrMapping/>
+  </p:clrMapOvr>
+</p:sld>
+</file>
+
+<file path=ppt/slides/slide5.xml><?xml version="1.0" encoding="utf-8"?>
+<p:sld xmlns:a="http://schemas.openxmlformats.org/drawingml/2006/main" xmlns:r="http://schemas.openxmlformats.org/officeDocument/2006/relationships" xmlns:p="http://schemas.openxmlformats.org/presentationml/2006/main">
+  <p:cSld>
+    <p:spTree>
+      <p:nvGrpSpPr>
+        <p:cNvPr id="1" name=""/>
+        <p:cNvGrpSpPr/>
+        <p:nvPr/>
+      </p:nvGrpSpPr>
+      <p:grpSpPr>
+        <a:xfrm>
+          <a:off x="0" y="0"/>
+          <a:ext cx="0" cy="0"/>
+          <a:chOff x="0" y="0"/>
+          <a:chExt cx="0" cy="0"/>
+        </a:xfrm>
+      </p:grpSpPr>
+      <p:pic>
+        <p:nvPicPr>
+          <p:cNvPr id="4" name="Picture 3" descr="Related image">
+            <a:extLst>
+              <a:ext uri="{FF2B5EF4-FFF2-40B4-BE49-F238E27FC236}">
+                <a16:creationId xmlns:a16="http://schemas.microsoft.com/office/drawing/2014/main" id="{D500BC2D-2A7D-4DFA-BC58-80D7C10D5255}"/>
+              </a:ext>
+            </a:extLst>
+          </p:cNvPr>
+          <p:cNvPicPr>
+            <a:picLocks noChangeAspect="1" noChangeArrowheads="1"/>
+          </p:cNvPicPr>
+          <p:nvPr/>
+        </p:nvPicPr>
+        <p:blipFill>
+          <a:blip r:embed="rId2">
+            <a:extLst>
+              <a:ext uri="{28A0092B-C50C-407E-A947-70E740481C1C}">
+                <a14:useLocalDpi xmlns:a14="http://schemas.microsoft.com/office/drawing/2010/main" val="0"/>
+              </a:ext>
+            </a:extLst>
+          </a:blip>
+          <a:srcRect/>
+          <a:stretch>
+            <a:fillRect/>
+          </a:stretch>
+        </p:blipFill>
+        <p:spPr bwMode="auto">
+          <a:xfrm>
+            <a:off x="0" y="0"/>
+            <a:ext cx="12192000" cy="6858001"/>
+          </a:xfrm>
+          <a:prstGeom prst="rect">
+            <a:avLst/>
+          </a:prstGeom>
+          <a:noFill/>
+          <a:extLst>
+            <a:ext uri="{909E8E84-426E-40DD-AFC4-6F175D3DCCD1}">
+              <a14:hiddenFill xmlns:a14="http://schemas.microsoft.com/office/drawing/2010/main">
+                <a:solidFill>
+                  <a:srgbClr val="FFFFFF"/>
+                </a:solidFill>
+              </a14:hiddenFill>
+            </a:ext>
+          </a:extLst>
+        </p:spPr>
+      </p:pic>
+      <p:sp>
+        <p:nvSpPr>
+          <p:cNvPr id="2" name="Title 1">
+            <a:extLst>
+              <a:ext uri="{FF2B5EF4-FFF2-40B4-BE49-F238E27FC236}">
+                <a16:creationId xmlns:a16="http://schemas.microsoft.com/office/drawing/2014/main" id="{E553FC02-0877-48B9-9D47-39D33903ECFE}"/>
+              </a:ext>
+            </a:extLst>
+          </p:cNvPr>
+          <p:cNvSpPr>
+            <a:spLocks noGrp="1"/>
+          </p:cNvSpPr>
+          <p:nvPr>
+            <p:ph type="title"/>
+          </p:nvPr>
+        </p:nvSpPr>
+        <p:spPr>
+          <a:solidFill>
+            <a:schemeClr val="tx2">
+              <a:lumMod val="60000"/>
+              <a:lumOff val="40000"/>
+              <a:alpha val="85000"/>
+            </a:schemeClr>
+          </a:solidFill>
+        </p:spPr>
+        <p:txBody>
+          <a:bodyPr/>
+          <a:lstStyle/>
+          <a:p>
+            <a:r>
+              <a:rPr lang="en-US" dirty="0" err="1"/>
+              <a:t>DDSAnalytics</a:t>
+            </a:r>
+            <a:r>
+              <a:rPr lang="en-US" dirty="0"/>
+              <a:t> Study</a:t>
+            </a:r>
+          </a:p>
+        </p:txBody>
+      </p:sp>
+      <p:sp>
+        <p:nvSpPr>
+          <p:cNvPr id="3" name="Content Placeholder 2">
+            <a:extLst>
+              <a:ext uri="{FF2B5EF4-FFF2-40B4-BE49-F238E27FC236}">
+                <a16:creationId xmlns:a16="http://schemas.microsoft.com/office/drawing/2014/main" id="{FC4C5705-C88B-4566-9704-8394ED21A6B4}"/>
+              </a:ext>
+            </a:extLst>
+          </p:cNvPr>
+          <p:cNvSpPr>
+            <a:spLocks noGrp="1"/>
+          </p:cNvSpPr>
+          <p:nvPr>
+            <p:ph idx="1"/>
+          </p:nvPr>
+        </p:nvSpPr>
+        <p:spPr>
+          <a:xfrm>
+            <a:off x="838200" y="1825624"/>
+            <a:ext cx="10515600" cy="4667251"/>
+          </a:xfrm>
+          <a:solidFill>
+            <a:schemeClr val="tx2">
+              <a:lumMod val="20000"/>
+              <a:lumOff val="80000"/>
+              <a:alpha val="85000"/>
+            </a:schemeClr>
+          </a:solidFill>
+        </p:spPr>
+        <p:txBody>
+          <a:bodyPr>
+            <a:normAutofit fontScale="92500" lnSpcReduction="10000"/>
+          </a:bodyPr>
+          <a:lstStyle/>
+          <a:p>
+            <a:r>
+              <a:rPr lang="en-US" dirty="0"/>
+              <a:t>Variables considered in this study</a:t>
+            </a:r>
+          </a:p>
+          <a:p>
+            <a:pPr lvl="1"/>
+            <a:r>
+              <a:rPr lang="en-US" dirty="0"/>
+              <a:t>Person variables</a:t>
+            </a:r>
+          </a:p>
+          <a:p>
+            <a:pPr lvl="2"/>
+            <a:r>
+              <a:rPr lang="en-US" dirty="0"/>
+              <a:t>Sex, marital status, age, commute distance, education level, education field, number of previous employers, total years working, years at company</a:t>
+            </a:r>
+          </a:p>
+          <a:p>
+            <a:pPr lvl="1"/>
+            <a:r>
+              <a:rPr lang="en-US" dirty="0"/>
+              <a:t>Job factors</a:t>
+            </a:r>
+          </a:p>
+          <a:p>
+            <a:pPr lvl="2"/>
+            <a:r>
+              <a:rPr lang="en-US" dirty="0"/>
+              <a:t>Business travel, department, job level, job role, over time worked, years in current role, years with current manager</a:t>
+            </a:r>
+          </a:p>
+          <a:p>
+            <a:pPr lvl="1"/>
+            <a:r>
+              <a:rPr lang="en-US" dirty="0"/>
+              <a:t>Benefits and Inducements</a:t>
+            </a:r>
+          </a:p>
+          <a:p>
+            <a:pPr lvl="2"/>
+            <a:r>
+              <a:rPr lang="en-US" dirty="0"/>
+              <a:t>Monthly income, percent salary hike, stock option level, training opportunities, years since last promotion </a:t>
+            </a:r>
+          </a:p>
+          <a:p>
+            <a:pPr lvl="1"/>
+            <a:r>
+              <a:rPr lang="en-US" dirty="0"/>
+              <a:t>Attitude Toward Job/Employer</a:t>
+            </a:r>
+          </a:p>
+          <a:p>
+            <a:pPr lvl="2"/>
+            <a:r>
+              <a:rPr lang="en-US" dirty="0"/>
+              <a:t>Satisfaction with work environment, job involvement, job satisfaction, satisfaction with work relationships, work life balance </a:t>
+            </a:r>
+          </a:p>
+          <a:p>
+            <a:pPr lvl="1"/>
+            <a:r>
+              <a:rPr lang="en-US" dirty="0"/>
+              <a:t>Other</a:t>
+            </a:r>
+          </a:p>
+          <a:p>
+            <a:pPr lvl="2"/>
+            <a:r>
+              <a:rPr lang="en-US" dirty="0"/>
+              <a:t>Daily rate, monthly rate, performance rating</a:t>
+            </a:r>
+          </a:p>
+          <a:p>
+            <a:pPr lvl="2"/>
+            <a:endParaRPr lang="en-US" dirty="0"/>
+          </a:p>
+          <a:p>
+            <a:pPr lvl="1"/>
+            <a:endParaRPr lang="en-US" dirty="0"/>
+          </a:p>
+          <a:p>
+            <a:pPr lvl="1"/>
+            <a:endParaRPr lang="en-US" dirty="0"/>
+          </a:p>
+          <a:p>
+            <a:pPr lvl="2"/>
+            <a:endParaRPr lang="en-US" dirty="0"/>
+          </a:p>
+          <a:p>
+            <a:pPr lvl="1"/>
+            <a:endParaRPr lang="en-US" dirty="0"/>
+          </a:p>
+        </p:txBody>
+      </p:sp>
+    </p:spTree>
+    <p:extLst>
+      <p:ext uri="{BB962C8B-B14F-4D97-AF65-F5344CB8AC3E}">
+        <p14:creationId xmlns:p14="http://schemas.microsoft.com/office/powerpoint/2010/main" val="1912457082"/>
+      </p:ext>
+    </p:extLst>
+  </p:cSld>
+  <p:clrMapOvr>
+    <a:masterClrMapping/>
+  </p:clrMapOvr>
+</p:sld>
+</file>
+
+<file path=ppt/slides/slide6.xml><?xml version="1.0" encoding="utf-8"?>
+<p:sld xmlns:a="http://schemas.openxmlformats.org/drawingml/2006/main" xmlns:r="http://schemas.openxmlformats.org/officeDocument/2006/relationships" xmlns:p="http://schemas.openxmlformats.org/presentationml/2006/main">
+  <p:cSld>
+    <p:spTree>
+      <p:nvGrpSpPr>
+        <p:cNvPr id="1" name=""/>
+        <p:cNvGrpSpPr/>
+        <p:nvPr/>
+      </p:nvGrpSpPr>
+      <p:grpSpPr>
+        <a:xfrm>
+          <a:off x="0" y="0"/>
+          <a:ext cx="0" cy="0"/>
+          <a:chOff x="0" y="0"/>
+          <a:chExt cx="0" cy="0"/>
+        </a:xfrm>
+      </p:grpSpPr>
+      <p:pic>
+        <p:nvPicPr>
+          <p:cNvPr id="4" name="Picture 3" descr="Related image">
+            <a:extLst>
+              <a:ext uri="{FF2B5EF4-FFF2-40B4-BE49-F238E27FC236}">
+                <a16:creationId xmlns:a16="http://schemas.microsoft.com/office/drawing/2014/main" id="{D500BC2D-2A7D-4DFA-BC58-80D7C10D5255}"/>
+              </a:ext>
+            </a:extLst>
+          </p:cNvPr>
+          <p:cNvPicPr>
+            <a:picLocks noChangeAspect="1" noChangeArrowheads="1"/>
+          </p:cNvPicPr>
+          <p:nvPr/>
+        </p:nvPicPr>
+        <p:blipFill>
+          <a:blip r:embed="rId2">
+            <a:extLst>
+              <a:ext uri="{28A0092B-C50C-407E-A947-70E740481C1C}">
+                <a14:useLocalDpi xmlns:a14="http://schemas.microsoft.com/office/drawing/2010/main" val="0"/>
+              </a:ext>
+            </a:extLst>
+          </a:blip>
+          <a:srcRect/>
+          <a:stretch>
+            <a:fillRect/>
+          </a:stretch>
+        </p:blipFill>
+        <p:spPr bwMode="auto">
+          <a:xfrm>
+            <a:off x="0" y="0"/>
+            <a:ext cx="12192000" cy="6858001"/>
+          </a:xfrm>
+          <a:prstGeom prst="rect">
+            <a:avLst/>
+          </a:prstGeom>
+          <a:noFill/>
+          <a:extLst>
+            <a:ext uri="{909E8E84-426E-40DD-AFC4-6F175D3DCCD1}">
+              <a14:hiddenFill xmlns:a14="http://schemas.microsoft.com/office/drawing/2010/main">
+                <a:solidFill>
+                  <a:srgbClr val="FFFFFF"/>
+                </a:solidFill>
+              </a14:hiddenFill>
+            </a:ext>
+          </a:extLst>
+        </p:spPr>
+      </p:pic>
+      <p:sp>
+        <p:nvSpPr>
+          <p:cNvPr id="2" name="Title 1">
+            <a:extLst>
+              <a:ext uri="{FF2B5EF4-FFF2-40B4-BE49-F238E27FC236}">
+                <a16:creationId xmlns:a16="http://schemas.microsoft.com/office/drawing/2014/main" id="{E553FC02-0877-48B9-9D47-39D33903ECFE}"/>
+              </a:ext>
+            </a:extLst>
+          </p:cNvPr>
+          <p:cNvSpPr>
+            <a:spLocks noGrp="1"/>
+          </p:cNvSpPr>
+          <p:nvPr>
+            <p:ph type="title"/>
+          </p:nvPr>
+        </p:nvSpPr>
+        <p:spPr>
+          <a:solidFill>
+            <a:schemeClr val="tx2">
+              <a:lumMod val="60000"/>
+              <a:lumOff val="40000"/>
+              <a:alpha val="85000"/>
+            </a:schemeClr>
+          </a:solidFill>
+        </p:spPr>
+        <p:txBody>
+          <a:bodyPr/>
+          <a:lstStyle/>
+          <a:p>
+            <a:r>
+              <a:rPr lang="en-US" dirty="0"/>
+              <a:t>Trends – Marriage Status by Job Role</a:t>
+            </a:r>
+          </a:p>
+        </p:txBody>
+      </p:sp>
+      <p:sp>
+        <p:nvSpPr>
+          <p:cNvPr id="3" name="Content Placeholder 2">
+            <a:extLst>
+              <a:ext uri="{FF2B5EF4-FFF2-40B4-BE49-F238E27FC236}">
+                <a16:creationId xmlns:a16="http://schemas.microsoft.com/office/drawing/2014/main" id="{FC4C5705-C88B-4566-9704-8394ED21A6B4}"/>
+              </a:ext>
+            </a:extLst>
+          </p:cNvPr>
+          <p:cNvSpPr>
+            <a:spLocks noGrp="1"/>
+          </p:cNvSpPr>
+          <p:nvPr>
+            <p:ph idx="1"/>
+          </p:nvPr>
+        </p:nvSpPr>
+        <p:spPr>
+          <a:xfrm>
+            <a:off x="838200" y="1825624"/>
+            <a:ext cx="10515600" cy="4667251"/>
+          </a:xfrm>
+          <a:solidFill>
+            <a:schemeClr val="tx2">
+              <a:lumMod val="20000"/>
+              <a:lumOff val="80000"/>
+              <a:alpha val="85000"/>
+            </a:schemeClr>
+          </a:solidFill>
+        </p:spPr>
+        <p:txBody>
+          <a:bodyPr>
+            <a:normAutofit/>
+          </a:bodyPr>
+          <a:lstStyle/>
+          <a:p>
+            <a:pPr marL="457200" lvl="1" indent="0">
+              <a:buNone/>
+            </a:pPr>
+            <a:endParaRPr lang="en-US" dirty="0"/>
+          </a:p>
+          <a:p>
+            <a:pPr lvl="1"/>
+            <a:endParaRPr lang="en-US" dirty="0"/>
+          </a:p>
+          <a:p>
+            <a:pPr lvl="2"/>
+            <a:endParaRPr lang="en-US" dirty="0"/>
+          </a:p>
+          <a:p>
+            <a:pPr lvl="8"/>
+            <a:endParaRPr lang="en-US" dirty="0"/>
+          </a:p>
+          <a:p>
+            <a:pPr lvl="1"/>
+            <a:endParaRPr lang="en-US" dirty="0"/>
+          </a:p>
+          <a:p>
+            <a:pPr lvl="2"/>
+            <a:endParaRPr lang="en-US" dirty="0"/>
+          </a:p>
+          <a:p>
+            <a:pPr lvl="1"/>
+            <a:endParaRPr lang="en-US" dirty="0"/>
+          </a:p>
+        </p:txBody>
+      </p:sp>
+      <p:pic>
+        <p:nvPicPr>
+          <p:cNvPr id="5" name="Content Placeholder 4">
+            <a:extLst>
+              <a:ext uri="{FF2B5EF4-FFF2-40B4-BE49-F238E27FC236}">
+                <a16:creationId xmlns:a16="http://schemas.microsoft.com/office/drawing/2014/main" id="{22FFD754-7F88-7147-A561-BEEB9BFAD4F4}"/>
+              </a:ext>
+            </a:extLst>
+          </p:cNvPr>
+          <p:cNvPicPr>
+            <a:picLocks noChangeAspect="1"/>
+          </p:cNvPicPr>
+          <p:nvPr/>
+        </p:nvPicPr>
+        <p:blipFill>
+          <a:blip r:embed="rId3"/>
+          <a:stretch>
+            <a:fillRect/>
+          </a:stretch>
+        </p:blipFill>
+        <p:spPr>
+          <a:xfrm>
+            <a:off x="838200" y="1825625"/>
+            <a:ext cx="6601512" cy="4667250"/>
+          </a:xfrm>
+          <a:prstGeom prst="rect">
+            <a:avLst/>
+          </a:prstGeom>
+        </p:spPr>
+      </p:pic>
+      <p:sp>
+        <p:nvSpPr>
+          <p:cNvPr id="6" name="TextBox 5">
+            <a:extLst>
+              <a:ext uri="{FF2B5EF4-FFF2-40B4-BE49-F238E27FC236}">
+                <a16:creationId xmlns:a16="http://schemas.microsoft.com/office/drawing/2014/main" id="{9B3D2687-4F39-C44D-90B8-FBA194D65F1F}"/>
+              </a:ext>
+            </a:extLst>
+          </p:cNvPr>
+          <p:cNvSpPr txBox="1"/>
+          <p:nvPr/>
+        </p:nvSpPr>
+        <p:spPr>
+          <a:xfrm>
+            <a:off x="7439712" y="3213750"/>
+            <a:ext cx="3914088" cy="1569660"/>
+          </a:xfrm>
+          <a:prstGeom prst="rect">
+            <a:avLst/>
+          </a:prstGeom>
+          <a:noFill/>
+        </p:spPr>
+        <p:txBody>
+          <a:bodyPr wrap="square" rtlCol="0">
+            <a:spAutoFit/>
+          </a:bodyPr>
+          <a:lstStyle/>
+          <a:p>
+            <a:pPr marL="285750" indent="-285750">
+              <a:buFont typeface="Arial" panose="020B0604020202020204" pitchFamily="34" charset="0"/>
+              <a:buChar char="•"/>
+            </a:pPr>
+            <a:r>
+              <a:rPr lang="en-US" sz="2400" dirty="0"/>
+              <a:t>Sales Execs and Research Scientists roles with highest number of single, married, and divorced employees</a:t>
+            </a:r>
+          </a:p>
+        </p:txBody>
+      </p:sp>
+    </p:spTree>
+    <p:extLst>
+      <p:ext uri="{BB962C8B-B14F-4D97-AF65-F5344CB8AC3E}">
+        <p14:creationId xmlns:p14="http://schemas.microsoft.com/office/powerpoint/2010/main" val="353776547"/>
+      </p:ext>
+    </p:extLst>
+  </p:cSld>
+  <p:clrMapOvr>
+    <a:masterClrMapping/>
+  </p:clrMapOvr>
+</p:sld>
+</file>
+
+<file path=ppt/slides/slide7.xml><?xml version="1.0" encoding="utf-8"?>
+<p:sld xmlns:a="http://schemas.openxmlformats.org/drawingml/2006/main" xmlns:r="http://schemas.openxmlformats.org/officeDocument/2006/relationships" xmlns:p="http://schemas.openxmlformats.org/presentationml/2006/main">
+  <p:cSld>
+    <p:spTree>
+      <p:nvGrpSpPr>
+        <p:cNvPr id="1" name=""/>
+        <p:cNvGrpSpPr/>
+        <p:nvPr/>
+      </p:nvGrpSpPr>
+      <p:grpSpPr>
+        <a:xfrm>
+          <a:off x="0" y="0"/>
+          <a:ext cx="0" cy="0"/>
+          <a:chOff x="0" y="0"/>
+          <a:chExt cx="0" cy="0"/>
+        </a:xfrm>
+      </p:grpSpPr>
+      <p:pic>
+        <p:nvPicPr>
+          <p:cNvPr id="4" name="Picture 3" descr="Related image">
+            <a:extLst>
+              <a:ext uri="{FF2B5EF4-FFF2-40B4-BE49-F238E27FC236}">
+                <a16:creationId xmlns:a16="http://schemas.microsoft.com/office/drawing/2014/main" id="{D500BC2D-2A7D-4DFA-BC58-80D7C10D5255}"/>
+              </a:ext>
+            </a:extLst>
+          </p:cNvPr>
+          <p:cNvPicPr>
+            <a:picLocks noChangeAspect="1" noChangeArrowheads="1"/>
+          </p:cNvPicPr>
+          <p:nvPr/>
+        </p:nvPicPr>
+        <p:blipFill>
+          <a:blip r:embed="rId2">
+            <a:extLst>
+              <a:ext uri="{28A0092B-C50C-407E-A947-70E740481C1C}">
+                <a14:useLocalDpi xmlns:a14="http://schemas.microsoft.com/office/drawing/2010/main" val="0"/>
+              </a:ext>
+            </a:extLst>
+          </a:blip>
+          <a:srcRect/>
+          <a:stretch>
+            <a:fillRect/>
+          </a:stretch>
+        </p:blipFill>
+        <p:spPr bwMode="auto">
+          <a:xfrm>
+            <a:off x="0" y="0"/>
+            <a:ext cx="12192000" cy="6858001"/>
+          </a:xfrm>
+          <a:prstGeom prst="rect">
+            <a:avLst/>
+          </a:prstGeom>
+          <a:noFill/>
+          <a:extLst>
+            <a:ext uri="{909E8E84-426E-40DD-AFC4-6F175D3DCCD1}">
+              <a14:hiddenFill xmlns:a14="http://schemas.microsoft.com/office/drawing/2010/main">
+                <a:solidFill>
+                  <a:srgbClr val="FFFFFF"/>
+                </a:solidFill>
+              </a14:hiddenFill>
+            </a:ext>
+          </a:extLst>
+        </p:spPr>
+      </p:pic>
+      <p:sp>
+        <p:nvSpPr>
+          <p:cNvPr id="2" name="Title 1">
+            <a:extLst>
+              <a:ext uri="{FF2B5EF4-FFF2-40B4-BE49-F238E27FC236}">
+                <a16:creationId xmlns:a16="http://schemas.microsoft.com/office/drawing/2014/main" id="{E553FC02-0877-48B9-9D47-39D33903ECFE}"/>
+              </a:ext>
+            </a:extLst>
+          </p:cNvPr>
+          <p:cNvSpPr>
+            <a:spLocks noGrp="1"/>
+          </p:cNvSpPr>
+          <p:nvPr>
+            <p:ph type="title"/>
+          </p:nvPr>
+        </p:nvSpPr>
+        <p:spPr>
+          <a:xfrm>
+            <a:off x="838200" y="365125"/>
+            <a:ext cx="10515600" cy="1325563"/>
+          </a:xfrm>
+          <a:solidFill>
+            <a:schemeClr val="tx2">
+              <a:lumMod val="60000"/>
+              <a:lumOff val="40000"/>
+              <a:alpha val="85000"/>
+            </a:schemeClr>
+          </a:solidFill>
+        </p:spPr>
+        <p:txBody>
+          <a:bodyPr/>
+          <a:lstStyle/>
+          <a:p>
+            <a:r>
+              <a:rPr lang="en-US" dirty="0"/>
+              <a:t>Trends – Business Travel and Divorce</a:t>
+            </a:r>
+          </a:p>
+        </p:txBody>
+      </p:sp>
+      <p:sp>
+        <p:nvSpPr>
+          <p:cNvPr id="3" name="Content Placeholder 2">
+            <a:extLst>
+              <a:ext uri="{FF2B5EF4-FFF2-40B4-BE49-F238E27FC236}">
+                <a16:creationId xmlns:a16="http://schemas.microsoft.com/office/drawing/2014/main" id="{FC4C5705-C88B-4566-9704-8394ED21A6B4}"/>
+              </a:ext>
+            </a:extLst>
+          </p:cNvPr>
+          <p:cNvSpPr>
+            <a:spLocks noGrp="1"/>
+          </p:cNvSpPr>
+          <p:nvPr>
+            <p:ph idx="1"/>
+          </p:nvPr>
+        </p:nvSpPr>
+        <p:spPr>
+          <a:xfrm>
+            <a:off x="838200" y="1825624"/>
+            <a:ext cx="10515600" cy="4667251"/>
+          </a:xfrm>
+          <a:solidFill>
+            <a:schemeClr val="tx2">
+              <a:lumMod val="20000"/>
+              <a:lumOff val="80000"/>
+              <a:alpha val="85000"/>
+            </a:schemeClr>
+          </a:solidFill>
+        </p:spPr>
+        <p:txBody>
+          <a:bodyPr>
+            <a:normAutofit/>
+          </a:bodyPr>
+          <a:lstStyle/>
+          <a:p>
+            <a:pPr lvl="1"/>
+            <a:r>
+              <a:rPr lang="en-US" dirty="0"/>
+              <a:t>No causal inferences!</a:t>
+            </a:r>
+          </a:p>
+        </p:txBody>
+      </p:sp>
+      <p:pic>
+        <p:nvPicPr>
+          <p:cNvPr id="5" name="Picture 4">
+            <a:extLst>
+              <a:ext uri="{FF2B5EF4-FFF2-40B4-BE49-F238E27FC236}">
+                <a16:creationId xmlns:a16="http://schemas.microsoft.com/office/drawing/2014/main" id="{A95981F2-86BA-954F-835F-7D04E650A932}"/>
+              </a:ext>
+            </a:extLst>
+          </p:cNvPr>
+          <p:cNvPicPr>
+            <a:picLocks noChangeAspect="1"/>
+          </p:cNvPicPr>
+          <p:nvPr/>
+        </p:nvPicPr>
+        <p:blipFill>
+          <a:blip r:embed="rId3"/>
+          <a:stretch>
+            <a:fillRect/>
+          </a:stretch>
+        </p:blipFill>
+        <p:spPr>
+          <a:xfrm>
+            <a:off x="4514850" y="2822307"/>
+            <a:ext cx="3162300" cy="2006600"/>
+          </a:xfrm>
+          <a:prstGeom prst="rect">
+            <a:avLst/>
+          </a:prstGeom>
+        </p:spPr>
+      </p:pic>
+    </p:spTree>
+    <p:extLst>
+      <p:ext uri="{BB962C8B-B14F-4D97-AF65-F5344CB8AC3E}">
+        <p14:creationId xmlns:p14="http://schemas.microsoft.com/office/powerpoint/2010/main" val="2546645810"/>
+      </p:ext>
+    </p:extLst>
+  </p:cSld>
+  <p:clrMapOvr>
+    <a:masterClrMapping/>
+  </p:clrMapOvr>
+</p:sld>
+</file>
+
+<file path=ppt/slides/slide8.xml><?xml version="1.0" encoding="utf-8"?>
+<p:sld xmlns:a="http://schemas.openxmlformats.org/drawingml/2006/main" xmlns:r="http://schemas.openxmlformats.org/officeDocument/2006/relationships" xmlns:p="http://schemas.openxmlformats.org/presentationml/2006/main">
+  <p:cSld>
+    <p:spTree>
+      <p:nvGrpSpPr>
+        <p:cNvPr id="1" name=""/>
+        <p:cNvGrpSpPr/>
+        <p:nvPr/>
+      </p:nvGrpSpPr>
+      <p:grpSpPr>
+        <a:xfrm>
+          <a:off x="0" y="0"/>
+          <a:ext cx="0" cy="0"/>
+          <a:chOff x="0" y="0"/>
+          <a:chExt cx="0" cy="0"/>
+        </a:xfrm>
+      </p:grpSpPr>
+      <p:pic>
+        <p:nvPicPr>
+          <p:cNvPr id="4" name="Picture 3" descr="Related image">
+            <a:extLst>
+              <a:ext uri="{FF2B5EF4-FFF2-40B4-BE49-F238E27FC236}">
+                <a16:creationId xmlns:a16="http://schemas.microsoft.com/office/drawing/2014/main" id="{D500BC2D-2A7D-4DFA-BC58-80D7C10D5255}"/>
+              </a:ext>
+            </a:extLst>
+          </p:cNvPr>
+          <p:cNvPicPr>
+            <a:picLocks noChangeAspect="1" noChangeArrowheads="1"/>
+          </p:cNvPicPr>
+          <p:nvPr/>
+        </p:nvPicPr>
+        <p:blipFill>
+          <a:blip r:embed="rId2">
+            <a:extLst>
+              <a:ext uri="{28A0092B-C50C-407E-A947-70E740481C1C}">
+                <a14:useLocalDpi xmlns:a14="http://schemas.microsoft.com/office/drawing/2010/main" val="0"/>
+              </a:ext>
+            </a:extLst>
+          </a:blip>
+          <a:srcRect/>
+          <a:stretch>
+            <a:fillRect/>
+          </a:stretch>
+        </p:blipFill>
+        <p:spPr bwMode="auto">
+          <a:xfrm>
+            <a:off x="0" y="0"/>
+            <a:ext cx="12192000" cy="6858001"/>
+          </a:xfrm>
+          <a:prstGeom prst="rect">
+            <a:avLst/>
+          </a:prstGeom>
+          <a:noFill/>
+          <a:extLst>
+            <a:ext uri="{909E8E84-426E-40DD-AFC4-6F175D3DCCD1}">
+              <a14:hiddenFill xmlns:a14="http://schemas.microsoft.com/office/drawing/2010/main">
+                <a:solidFill>
+                  <a:srgbClr val="FFFFFF"/>
+                </a:solidFill>
+              </a14:hiddenFill>
+            </a:ext>
+          </a:extLst>
+        </p:spPr>
+      </p:pic>
+      <p:sp>
+        <p:nvSpPr>
+          <p:cNvPr id="2" name="Title 1">
+            <a:extLst>
+              <a:ext uri="{FF2B5EF4-FFF2-40B4-BE49-F238E27FC236}">
+                <a16:creationId xmlns:a16="http://schemas.microsoft.com/office/drawing/2014/main" id="{E553FC02-0877-48B9-9D47-39D33903ECFE}"/>
+              </a:ext>
+            </a:extLst>
+          </p:cNvPr>
+          <p:cNvSpPr>
+            <a:spLocks noGrp="1"/>
+          </p:cNvSpPr>
+          <p:nvPr>
+            <p:ph type="title"/>
+          </p:nvPr>
+        </p:nvSpPr>
+        <p:spPr>
+          <a:xfrm>
+            <a:off x="838200" y="365125"/>
+            <a:ext cx="10515600" cy="1325563"/>
+          </a:xfrm>
+          <a:solidFill>
+            <a:schemeClr val="tx2">
+              <a:lumMod val="60000"/>
+              <a:lumOff val="40000"/>
+              <a:alpha val="85000"/>
+            </a:schemeClr>
+          </a:solidFill>
+        </p:spPr>
+        <p:txBody>
+          <a:bodyPr/>
+          <a:lstStyle/>
+          <a:p>
+            <a:r>
+              <a:rPr lang="en-US" dirty="0"/>
+              <a:t>Trends – Highest Avg. Employment Length</a:t>
+            </a:r>
+          </a:p>
+        </p:txBody>
+      </p:sp>
+      <p:pic>
+        <p:nvPicPr>
+          <p:cNvPr id="5" name="Content Placeholder 4">
+            <a:extLst>
+              <a:ext uri="{FF2B5EF4-FFF2-40B4-BE49-F238E27FC236}">
+                <a16:creationId xmlns:a16="http://schemas.microsoft.com/office/drawing/2014/main" id="{97B6552E-4D42-EC48-ACEE-FBF0F1AB69AF}"/>
+              </a:ext>
+            </a:extLst>
+          </p:cNvPr>
+          <p:cNvPicPr>
+            <a:picLocks noGrp="1" noChangeAspect="1"/>
+          </p:cNvPicPr>
+          <p:nvPr>
+            <p:ph idx="1"/>
+          </p:nvPr>
+        </p:nvPicPr>
+        <p:blipFill>
+          <a:blip r:embed="rId3"/>
+          <a:stretch>
+            <a:fillRect/>
+          </a:stretch>
+        </p:blipFill>
+        <p:spPr>
+          <a:xfrm>
+            <a:off x="3848351" y="1825625"/>
+            <a:ext cx="4495298" cy="4667250"/>
+          </a:xfrm>
+          <a:prstGeom prst="rect">
+            <a:avLst/>
+          </a:prstGeom>
+        </p:spPr>
+      </p:pic>
+    </p:spTree>
+    <p:extLst>
+      <p:ext uri="{BB962C8B-B14F-4D97-AF65-F5344CB8AC3E}">
+        <p14:creationId xmlns:p14="http://schemas.microsoft.com/office/powerpoint/2010/main" val="4239181526"/>
+      </p:ext>
+    </p:extLst>
+  </p:cSld>
+  <p:clrMapOvr>
+    <a:masterClrMapping/>
+  </p:clrMapOvr>
+</p:sld>
+</file>
+
+<file path=ppt/slides/slide9.xml><?xml version="1.0" encoding="utf-8"?>
+<p:sld xmlns:a="http://schemas.openxmlformats.org/drawingml/2006/main" xmlns:r="http://schemas.openxmlformats.org/officeDocument/2006/relationships" xmlns:p="http://schemas.openxmlformats.org/presentationml/2006/main">
+  <p:cSld>
+    <p:spTree>
+      <p:nvGrpSpPr>
+        <p:cNvPr id="1" name=""/>
+        <p:cNvGrpSpPr/>
+        <p:nvPr/>
+      </p:nvGrpSpPr>
+      <p:grpSpPr>
+        <a:xfrm>
+          <a:off x="0" y="0"/>
+          <a:ext cx="0" cy="0"/>
+          <a:chOff x="0" y="0"/>
+          <a:chExt cx="0" cy="0"/>
+        </a:xfrm>
+      </p:grpSpPr>
+      <p:pic>
+        <p:nvPicPr>
+          <p:cNvPr id="4" name="Picture 3" descr="Related image">
+            <a:extLst>
+              <a:ext uri="{FF2B5EF4-FFF2-40B4-BE49-F238E27FC236}">
+                <a16:creationId xmlns:a16="http://schemas.microsoft.com/office/drawing/2014/main" id="{D500BC2D-2A7D-4DFA-BC58-80D7C10D5255}"/>
+              </a:ext>
+            </a:extLst>
+          </p:cNvPr>
+          <p:cNvPicPr>
+            <a:picLocks noChangeAspect="1" noChangeArrowheads="1"/>
+          </p:cNvPicPr>
+          <p:nvPr/>
+        </p:nvPicPr>
+        <p:blipFill>
+          <a:blip r:embed="rId2">
+            <a:extLst>
+              <a:ext uri="{28A0092B-C50C-407E-A947-70E740481C1C}">
+                <a14:useLocalDpi xmlns:a14="http://schemas.microsoft.com/office/drawing/2010/main" val="0"/>
+              </a:ext>
+            </a:extLst>
+          </a:blip>
+          <a:srcRect/>
+          <a:stretch>
+            <a:fillRect/>
+          </a:stretch>
+        </p:blipFill>
+        <p:spPr bwMode="auto">
+          <a:xfrm>
+            <a:off x="0" y="0"/>
+            <a:ext cx="12192000" cy="6858001"/>
+          </a:xfrm>
+          <a:prstGeom prst="rect">
+            <a:avLst/>
+          </a:prstGeom>
+          <a:noFill/>
+          <a:extLst>
+            <a:ext uri="{909E8E84-426E-40DD-AFC4-6F175D3DCCD1}">
+              <a14:hiddenFill xmlns:a14="http://schemas.microsoft.com/office/drawing/2010/main">
+                <a:solidFill>
+                  <a:srgbClr val="FFFFFF"/>
+                </a:solidFill>
+              </a14:hiddenFill>
+            </a:ext>
+          </a:extLst>
+        </p:spPr>
+      </p:pic>
+      <p:sp>
+        <p:nvSpPr>
+          <p:cNvPr id="2" name="Title 1">
+            <a:extLst>
+              <a:ext uri="{FF2B5EF4-FFF2-40B4-BE49-F238E27FC236}">
+                <a16:creationId xmlns:a16="http://schemas.microsoft.com/office/drawing/2014/main" id="{E553FC02-0877-48B9-9D47-39D33903ECFE}"/>
+              </a:ext>
+            </a:extLst>
+          </p:cNvPr>
+          <p:cNvSpPr>
+            <a:spLocks noGrp="1"/>
+          </p:cNvSpPr>
+          <p:nvPr>
+            <p:ph type="title"/>
+          </p:nvPr>
+        </p:nvSpPr>
+        <p:spPr>
+          <a:xfrm>
+            <a:off x="838200" y="365125"/>
+            <a:ext cx="10515600" cy="1325563"/>
+          </a:xfrm>
+          <a:solidFill>
+            <a:schemeClr val="tx2">
+              <a:lumMod val="60000"/>
+              <a:lumOff val="40000"/>
+              <a:alpha val="85000"/>
+            </a:schemeClr>
+          </a:solidFill>
+        </p:spPr>
+        <p:txBody>
+          <a:bodyPr/>
+          <a:lstStyle/>
+          <a:p>
+            <a:r>
+              <a:rPr lang="en-US" dirty="0"/>
+              <a:t>Trends – Commuting Distance and Gender</a:t>
+            </a:r>
+          </a:p>
+        </p:txBody>
+      </p:sp>
+      <p:pic>
+        <p:nvPicPr>
+          <p:cNvPr id="7" name="Content Placeholder 6">
+            <a:extLst>
+              <a:ext uri="{FF2B5EF4-FFF2-40B4-BE49-F238E27FC236}">
+                <a16:creationId xmlns:a16="http://schemas.microsoft.com/office/drawing/2014/main" id="{FF950434-1CD4-8048-9F0E-52D414B79DBA}"/>
+              </a:ext>
+            </a:extLst>
+          </p:cNvPr>
+          <p:cNvPicPr>
+            <a:picLocks noGrp="1" noChangeAspect="1"/>
+          </p:cNvPicPr>
+          <p:nvPr>
+            <p:ph idx="1"/>
+          </p:nvPr>
+        </p:nvPicPr>
+        <p:blipFill>
+          <a:blip r:embed="rId3"/>
+          <a:stretch>
+            <a:fillRect/>
+          </a:stretch>
+        </p:blipFill>
+        <p:spPr>
+          <a:xfrm>
+            <a:off x="2794066" y="1825625"/>
+            <a:ext cx="6603868" cy="4667250"/>
+          </a:xfrm>
+          <a:prstGeom prst="rect">
+            <a:avLst/>
+          </a:prstGeom>
+        </p:spPr>
+      </p:pic>
+    </p:spTree>
+    <p:extLst>
+      <p:ext uri="{BB962C8B-B14F-4D97-AF65-F5344CB8AC3E}">
+        <p14:creationId xmlns:p14="http://schemas.microsoft.com/office/powerpoint/2010/main" val="2365826935"/>
       </p:ext>
     </p:extLst>
   </p:cSld>
